--- a/Curriculum/Week_2/Lectures/2.1_JavaScript_Basics.pptx
+++ b/Curriculum/Week_2/Lectures/2.1_JavaScript_Basics.pptx
@@ -7725,7 +7725,7 @@
               <a:buNone/>
             </a:pPr>
             <a:r>
-              <a:rPr lang="en" sz="1200" dirty="0">
+              <a:rPr lang="en" sz="1400" dirty="0">
                 <a:solidFill>
                   <a:srgbClr val="0000CD"/>
                 </a:solidFill>
@@ -7740,7 +7740,7 @@
               <a:t>function</a:t>
             </a:r>
             <a:r>
-              <a:rPr lang="en" sz="1200" dirty="0">
+              <a:rPr lang="en" sz="1400" dirty="0">
                 <a:solidFill>
                   <a:srgbClr val="000000"/>
                 </a:solidFill>
@@ -7769,7 +7769,7 @@
               <a:buNone/>
             </a:pPr>
             <a:r>
-              <a:rPr lang="en" sz="1200" dirty="0">
+              <a:rPr lang="en" sz="1400" dirty="0">
                 <a:solidFill>
                   <a:srgbClr val="000000"/>
                 </a:solidFill>
@@ -7784,7 +7784,7 @@
               <a:t>  </a:t>
             </a:r>
             <a:r>
-              <a:rPr lang="en" sz="1200" dirty="0">
+              <a:rPr lang="en" sz="1400" dirty="0">
                 <a:solidFill>
                   <a:srgbClr val="0000CD"/>
                 </a:solidFill>
@@ -7799,7 +7799,7 @@
               <a:t>var</a:t>
             </a:r>
             <a:r>
-              <a:rPr lang="en" sz="1200" dirty="0">
+              <a:rPr lang="en" sz="1400" dirty="0">
                 <a:solidFill>
                   <a:srgbClr val="000000"/>
                 </a:solidFill>
@@ -7814,7 +7814,7 @@
               <a:t> greeting = </a:t>
             </a:r>
             <a:r>
-              <a:rPr lang="en" sz="1200" dirty="0">
+              <a:rPr lang="en" sz="1400" dirty="0">
                 <a:solidFill>
                   <a:srgbClr val="A52A2A"/>
                 </a:solidFill>
@@ -7829,7 +7829,7 @@
               <a:t>“Hello ” + </a:t>
             </a:r>
             <a:r>
-              <a:rPr lang="en" sz="1200" dirty="0">
+              <a:rPr lang="en" sz="1400" dirty="0">
                 <a:solidFill>
                   <a:srgbClr val="000000"/>
                 </a:solidFill>
@@ -7844,7 +7844,7 @@
               <a:t>name</a:t>
             </a:r>
             <a:r>
-              <a:rPr lang="en" sz="1200" dirty="0">
+              <a:rPr lang="en" sz="1400" dirty="0">
                 <a:solidFill>
                   <a:srgbClr val="A52A2A"/>
                 </a:solidFill>
@@ -7859,7 +7859,7 @@
               <a:t> + “. ”</a:t>
             </a:r>
             <a:r>
-              <a:rPr lang="en" sz="1200" dirty="0">
+              <a:rPr lang="en" sz="1400" dirty="0">
                 <a:solidFill>
                   <a:srgbClr val="000000"/>
                 </a:solidFill>
@@ -7888,7 +7888,7 @@
               <a:buNone/>
             </a:pPr>
             <a:r>
-              <a:rPr lang="en" sz="1200" dirty="0">
+              <a:rPr lang="en" sz="1400" dirty="0">
                 <a:solidFill>
                   <a:srgbClr val="000000"/>
                 </a:solidFill>
@@ -7903,7 +7903,7 @@
               <a:t>  </a:t>
             </a:r>
             <a:r>
-              <a:rPr lang="en" sz="1200" dirty="0">
+              <a:rPr lang="en" sz="1400" dirty="0">
                 <a:solidFill>
                   <a:srgbClr val="0000CD"/>
                 </a:solidFill>
@@ -7918,7 +7918,7 @@
               <a:t>var</a:t>
             </a:r>
             <a:r>
-              <a:rPr lang="en" sz="1200" dirty="0">
+              <a:rPr lang="en" sz="1400" dirty="0">
                 <a:solidFill>
                   <a:srgbClr val="000000"/>
                 </a:solidFill>
@@ -7933,7 +7933,7 @@
               <a:t> question = </a:t>
             </a:r>
             <a:r>
-              <a:rPr lang="en" sz="1200" dirty="0">
+              <a:rPr lang="en" sz="1400" dirty="0">
                 <a:solidFill>
                   <a:srgbClr val="A52A2A"/>
                 </a:solidFill>
@@ -7948,7 +7948,7 @@
               <a:t>“How are you?”</a:t>
             </a:r>
             <a:r>
-              <a:rPr lang="en" sz="1200" dirty="0">
+              <a:rPr lang="en" sz="1400" dirty="0">
                 <a:solidFill>
                   <a:srgbClr val="000000"/>
                 </a:solidFill>
@@ -7977,7 +7977,7 @@
               <a:buNone/>
             </a:pPr>
             <a:r>
-              <a:rPr lang="en" sz="1200" dirty="0">
+              <a:rPr lang="en" sz="1400" dirty="0">
                 <a:solidFill>
                   <a:srgbClr val="000000"/>
                 </a:solidFill>
@@ -7992,7 +7992,7 @@
               <a:t>  </a:t>
             </a:r>
             <a:r>
-              <a:rPr lang="en" sz="1200" dirty="0">
+              <a:rPr lang="en" sz="1400" dirty="0">
                 <a:solidFill>
                   <a:srgbClr val="0000CD"/>
                 </a:solidFill>
@@ -8007,7 +8007,7 @@
               <a:t>var</a:t>
             </a:r>
             <a:r>
-              <a:rPr lang="en" sz="1200" dirty="0">
+              <a:rPr lang="en" sz="1400" dirty="0">
                 <a:solidFill>
                   <a:srgbClr val="000000"/>
                 </a:solidFill>
@@ -8036,7 +8036,7 @@
               <a:buNone/>
             </a:pPr>
             <a:r>
-              <a:rPr lang="en" sz="1200" dirty="0">
+              <a:rPr lang="en" sz="1400" dirty="0">
                 <a:solidFill>
                   <a:srgbClr val="000000"/>
                 </a:solidFill>
@@ -8065,7 +8065,7 @@
               <a:buNone/>
             </a:pPr>
             <a:r>
-              <a:rPr lang="en" sz="1200" dirty="0">
+              <a:rPr lang="en" sz="1400" dirty="0">
                 <a:solidFill>
                   <a:srgbClr val="000000"/>
                 </a:solidFill>
@@ -8094,7 +8094,7 @@
               <a:buNone/>
             </a:pPr>
             <a:r>
-              <a:rPr lang="en" sz="1200" dirty="0">
+              <a:rPr lang="en" sz="1400" dirty="0">
                 <a:solidFill>
                   <a:srgbClr val="0000CD"/>
                 </a:solidFill>
@@ -8109,7 +8109,7 @@
               <a:t>var</a:t>
             </a:r>
             <a:r>
-              <a:rPr lang="en" sz="1200" dirty="0">
+              <a:rPr lang="en" sz="1400" dirty="0">
                 <a:solidFill>
                   <a:srgbClr val="000000"/>
                 </a:solidFill>
@@ -8124,7 +8124,7 @@
               <a:t> result = myFunction(“Crystal”, 22);  </a:t>
             </a:r>
             <a:r>
-              <a:rPr lang="en" sz="1200" dirty="0">
+              <a:rPr lang="en" sz="1400" dirty="0">
                 <a:solidFill>
                   <a:srgbClr val="999999"/>
                 </a:solidFill>
@@ -8146,7 +8146,7 @@
               </a:spcBef>
               <a:buNone/>
             </a:pPr>
-            <a:endParaRPr dirty="0"/>
+            <a:endParaRPr sz="1400" dirty="0"/>
           </a:p>
         </p:txBody>
       </p:sp>
@@ -8252,8 +8252,12 @@
               <a:buChar char="•"/>
             </a:pPr>
             <a:r>
+              <a:rPr lang="en" dirty="0" smtClean="0"/>
+              <a:t>() </a:t>
+            </a:r>
+            <a:r>
               <a:rPr lang="en" dirty="0"/>
-              <a:t>() invokes the function!</a:t>
+              <a:t>invokes the function!</a:t>
             </a:r>
           </a:p>
           <a:p>
@@ -8330,7 +8334,7 @@
               </a:spcAft>
               <a:buNone/>
             </a:pPr>
-            <a:endParaRPr dirty="0"/>
+            <a:endParaRPr sz="1400" dirty="0"/>
           </a:p>
           <a:p>
             <a:pPr marL="457200" lvl="0" indent="0" rtl="0">
@@ -8346,7 +8350,7 @@
               <a:buNone/>
             </a:pPr>
             <a:r>
-              <a:rPr lang="en" sz="1200" dirty="0">
+              <a:rPr lang="en" sz="1400" dirty="0">
                 <a:solidFill>
                   <a:srgbClr val="0000CD"/>
                 </a:solidFill>
@@ -8361,7 +8365,7 @@
               <a:t>function</a:t>
             </a:r>
             <a:r>
-              <a:rPr lang="en" sz="1200" dirty="0">
+              <a:rPr lang="en" sz="1400" dirty="0">
                 <a:solidFill>
                   <a:srgbClr val="000000"/>
                 </a:solidFill>
@@ -8390,7 +8394,7 @@
               <a:buNone/>
             </a:pPr>
             <a:r>
-              <a:rPr lang="en" sz="1200" dirty="0">
+              <a:rPr lang="en" sz="1400" dirty="0">
                 <a:solidFill>
                   <a:srgbClr val="000000"/>
                 </a:solidFill>
@@ -8405,7 +8409,7 @@
               <a:t>	</a:t>
             </a:r>
             <a:r>
-              <a:rPr lang="en" sz="1200" dirty="0">
+              <a:rPr lang="en" sz="1400" dirty="0">
                 <a:solidFill>
                   <a:srgbClr val="0000CD"/>
                 </a:solidFill>
@@ -8420,7 +8424,7 @@
               <a:t>return</a:t>
             </a:r>
             <a:r>
-              <a:rPr lang="en" sz="1200" dirty="0">
+              <a:rPr lang="en" sz="1400" dirty="0">
                 <a:solidFill>
                   <a:srgbClr val="000000"/>
                 </a:solidFill>
@@ -8435,7 +8439,7 @@
               <a:t> (</a:t>
             </a:r>
             <a:r>
-              <a:rPr lang="en" sz="1200" dirty="0">
+              <a:rPr lang="en" sz="1400" dirty="0">
                 <a:solidFill>
                   <a:srgbClr val="FF0000"/>
                 </a:solidFill>
@@ -8450,7 +8454,7 @@
               <a:t>5</a:t>
             </a:r>
             <a:r>
-              <a:rPr lang="en" sz="1200" dirty="0">
+              <a:rPr lang="en" sz="1400" dirty="0">
                 <a:solidFill>
                   <a:srgbClr val="000000"/>
                 </a:solidFill>
@@ -8465,7 +8469,7 @@
               <a:t>/</a:t>
             </a:r>
             <a:r>
-              <a:rPr lang="en" sz="1200" dirty="0">
+              <a:rPr lang="en" sz="1400" dirty="0">
                 <a:solidFill>
                   <a:srgbClr val="FF0000"/>
                 </a:solidFill>
@@ -8480,7 +8484,7 @@
               <a:t>9</a:t>
             </a:r>
             <a:r>
-              <a:rPr lang="en" sz="1200" dirty="0">
+              <a:rPr lang="en" sz="1400" dirty="0">
                 <a:solidFill>
                   <a:srgbClr val="000000"/>
                 </a:solidFill>
@@ -8495,7 +8499,7 @@
               <a:t>) * (fahrenheit-</a:t>
             </a:r>
             <a:r>
-              <a:rPr lang="en" sz="1200" dirty="0">
+              <a:rPr lang="en" sz="1400" dirty="0">
                 <a:solidFill>
                   <a:srgbClr val="FF0000"/>
                 </a:solidFill>
@@ -8510,7 +8514,7 @@
               <a:t>32</a:t>
             </a:r>
             <a:r>
-              <a:rPr lang="en" sz="1200" dirty="0">
+              <a:rPr lang="en" sz="1400" dirty="0">
                 <a:solidFill>
                   <a:srgbClr val="000000"/>
                 </a:solidFill>
@@ -8539,7 +8543,7 @@
               <a:buNone/>
             </a:pPr>
             <a:r>
-              <a:rPr lang="en" sz="1200" dirty="0">
+              <a:rPr lang="en" sz="1400" dirty="0">
                 <a:solidFill>
                   <a:srgbClr val="000000"/>
                 </a:solidFill>
@@ -8568,7 +8572,7 @@
               <a:buNone/>
             </a:pPr>
             <a:r>
-              <a:rPr lang="en" sz="1200" dirty="0">
+              <a:rPr lang="en" sz="1400" dirty="0">
                 <a:solidFill>
                   <a:srgbClr val="0000CD"/>
                 </a:solidFill>
@@ -8583,7 +8587,7 @@
               <a:t>var</a:t>
             </a:r>
             <a:r>
-              <a:rPr lang="en" sz="1200" dirty="0">
+              <a:rPr lang="en" sz="1400" dirty="0">
                 <a:solidFill>
                   <a:srgbClr val="000000"/>
                 </a:solidFill>
@@ -8598,7 +8602,7 @@
               <a:t> function1 = toCelsius; </a:t>
             </a:r>
             <a:r>
-              <a:rPr lang="en" sz="1200" dirty="0">
+              <a:rPr lang="en" sz="1400" dirty="0">
                 <a:solidFill>
                   <a:srgbClr val="999999"/>
                 </a:solidFill>
@@ -8613,7 +8617,7 @@
               <a:t>// </a:t>
             </a:r>
             <a:r>
-              <a:rPr lang="en" sz="1200" dirty="0">
+              <a:rPr lang="en" sz="1400" dirty="0">
                 <a:solidFill>
                   <a:srgbClr val="999999"/>
                 </a:solidFill>
@@ -8625,7 +8629,7 @@
               <a:t>function1</a:t>
             </a:r>
             <a:r>
-              <a:rPr lang="en" sz="1200" dirty="0">
+              <a:rPr lang="en" sz="1400" dirty="0">
                 <a:solidFill>
                   <a:srgbClr val="999999"/>
                 </a:solidFill>
@@ -8841,7 +8845,7 @@
               <a:buNone/>
             </a:pPr>
             <a:r>
-              <a:rPr lang="en" sz="1200" dirty="0">
+              <a:rPr lang="en" sz="1400" dirty="0">
                 <a:solidFill>
                   <a:srgbClr val="0000CD"/>
                 </a:solidFill>
@@ -8856,7 +8860,7 @@
               <a:t>function</a:t>
             </a:r>
             <a:r>
-              <a:rPr lang="en" sz="1200" dirty="0">
+              <a:rPr lang="en" sz="1400" dirty="0">
                 <a:solidFill>
                   <a:srgbClr val="000000"/>
                 </a:solidFill>
@@ -8871,7 +8875,7 @@
               <a:t> toCelsius(fahrenheit=</a:t>
             </a:r>
             <a:r>
-              <a:rPr lang="en" sz="1200" dirty="0">
+              <a:rPr lang="en" sz="1400" dirty="0">
                 <a:solidFill>
                   <a:srgbClr val="FF0000"/>
                 </a:solidFill>
@@ -8883,7 +8887,7 @@
               <a:t>0</a:t>
             </a:r>
             <a:r>
-              <a:rPr lang="en" sz="1200" dirty="0">
+              <a:rPr lang="en" sz="1400" dirty="0">
                 <a:solidFill>
                   <a:srgbClr val="000000"/>
                 </a:solidFill>
@@ -8912,7 +8916,7 @@
               <a:buNone/>
             </a:pPr>
             <a:r>
-              <a:rPr lang="en" sz="1200" dirty="0">
+              <a:rPr lang="en" sz="1400" dirty="0">
                 <a:solidFill>
                   <a:srgbClr val="000000"/>
                 </a:solidFill>
@@ -8927,7 +8931,7 @@
               <a:t>	</a:t>
             </a:r>
             <a:r>
-              <a:rPr lang="en" sz="1200" dirty="0">
+              <a:rPr lang="en" sz="1400" dirty="0">
                 <a:solidFill>
                   <a:srgbClr val="0000CD"/>
                 </a:solidFill>
@@ -8942,7 +8946,7 @@
               <a:t>return</a:t>
             </a:r>
             <a:r>
-              <a:rPr lang="en" sz="1200" dirty="0">
+              <a:rPr lang="en" sz="1400" dirty="0">
                 <a:solidFill>
                   <a:srgbClr val="000000"/>
                 </a:solidFill>
@@ -8957,7 +8961,7 @@
               <a:t> (</a:t>
             </a:r>
             <a:r>
-              <a:rPr lang="en" sz="1200" dirty="0">
+              <a:rPr lang="en" sz="1400" dirty="0">
                 <a:solidFill>
                   <a:srgbClr val="FF0000"/>
                 </a:solidFill>
@@ -8972,7 +8976,7 @@
               <a:t>5</a:t>
             </a:r>
             <a:r>
-              <a:rPr lang="en" sz="1200" dirty="0">
+              <a:rPr lang="en" sz="1400" dirty="0">
                 <a:solidFill>
                   <a:srgbClr val="000000"/>
                 </a:solidFill>
@@ -8987,7 +8991,7 @@
               <a:t>/</a:t>
             </a:r>
             <a:r>
-              <a:rPr lang="en" sz="1200" dirty="0">
+              <a:rPr lang="en" sz="1400" dirty="0">
                 <a:solidFill>
                   <a:srgbClr val="FF0000"/>
                 </a:solidFill>
@@ -9002,7 +9006,7 @@
               <a:t>9</a:t>
             </a:r>
             <a:r>
-              <a:rPr lang="en" sz="1200" dirty="0">
+              <a:rPr lang="en" sz="1400" dirty="0">
                 <a:solidFill>
                   <a:srgbClr val="000000"/>
                 </a:solidFill>
@@ -9017,7 +9021,7 @@
               <a:t>) * (fahrenheit-</a:t>
             </a:r>
             <a:r>
-              <a:rPr lang="en" sz="1200" dirty="0">
+              <a:rPr lang="en" sz="1400" dirty="0">
                 <a:solidFill>
                   <a:srgbClr val="FF0000"/>
                 </a:solidFill>
@@ -9032,7 +9036,7 @@
               <a:t>32</a:t>
             </a:r>
             <a:r>
-              <a:rPr lang="en" sz="1200" dirty="0">
+              <a:rPr lang="en" sz="1400" dirty="0">
                 <a:solidFill>
                   <a:srgbClr val="000000"/>
                 </a:solidFill>
@@ -9061,7 +9065,7 @@
               <a:buNone/>
             </a:pPr>
             <a:r>
-              <a:rPr lang="en" sz="1200" dirty="0">
+              <a:rPr lang="en" sz="1400" dirty="0">
                 <a:solidFill>
                   <a:srgbClr val="000000"/>
                 </a:solidFill>
@@ -9090,7 +9094,7 @@
               <a:buNone/>
             </a:pPr>
             <a:r>
-              <a:rPr lang="en" sz="1200" dirty="0">
+              <a:rPr lang="en" sz="1400" dirty="0">
                 <a:solidFill>
                   <a:srgbClr val="0000CD"/>
                 </a:solidFill>
@@ -9105,7 +9109,7 @@
               <a:t>var</a:t>
             </a:r>
             <a:r>
-              <a:rPr lang="en" sz="1200" dirty="0">
+              <a:rPr lang="en" sz="1400" dirty="0">
                 <a:solidFill>
                   <a:srgbClr val="000000"/>
                 </a:solidFill>
@@ -9120,7 +9124,7 @@
               <a:t> result1 = toCelsius(50); </a:t>
             </a:r>
             <a:r>
-              <a:rPr lang="en" sz="1200" dirty="0">
+              <a:rPr lang="en" sz="1400" dirty="0">
                 <a:solidFill>
                   <a:srgbClr val="999999"/>
                 </a:solidFill>
@@ -9135,7 +9139,7 @@
               <a:t>// </a:t>
             </a:r>
             <a:r>
-              <a:rPr lang="en" sz="1200" dirty="0">
+              <a:rPr lang="en" sz="1400" dirty="0">
                 <a:solidFill>
                   <a:srgbClr val="999999"/>
                 </a:solidFill>
@@ -9147,7 +9151,7 @@
               <a:t>result1</a:t>
             </a:r>
             <a:r>
-              <a:rPr lang="en" sz="1200" dirty="0">
+              <a:rPr lang="en" sz="1400" dirty="0">
                 <a:solidFill>
                   <a:srgbClr val="999999"/>
                 </a:solidFill>
@@ -9173,7 +9177,7 @@
               <a:buNone/>
             </a:pPr>
             <a:r>
-              <a:rPr lang="en" sz="1200" dirty="0">
+              <a:rPr lang="en" sz="1400" dirty="0">
                 <a:solidFill>
                   <a:srgbClr val="0000CD"/>
                 </a:solidFill>
@@ -9185,7 +9189,7 @@
               <a:t>var</a:t>
             </a:r>
             <a:r>
-              <a:rPr lang="en" sz="1200" dirty="0">
+              <a:rPr lang="en" sz="1400" dirty="0">
                 <a:solidFill>
                   <a:srgbClr val="000000"/>
                 </a:solidFill>
@@ -9197,7 +9201,7 @@
               <a:t> result2 = toCelsius(); </a:t>
             </a:r>
             <a:r>
-              <a:rPr lang="en" sz="1200" dirty="0">
+              <a:rPr lang="en" sz="1400" dirty="0">
                 <a:solidFill>
                   <a:srgbClr val="999999"/>
                 </a:solidFill>
@@ -9346,7 +9350,7 @@
           <a:p>
             <a:pPr lvl="0" rtl="0">
               <a:lnSpc>
-                <a:spcPct val="115000"/>
+                <a:spcPct val="100000"/>
               </a:lnSpc>
               <a:spcBef>
                 <a:spcPts val="0"/>
@@ -9357,7 +9361,7 @@
               <a:buNone/>
             </a:pPr>
             <a:r>
-              <a:rPr lang="en" sz="1200" dirty="0">
+              <a:rPr lang="en" sz="1400" dirty="0">
                 <a:solidFill>
                   <a:srgbClr val="0000CD"/>
                 </a:solidFill>
@@ -9372,7 +9376,7 @@
               <a:t>var</a:t>
             </a:r>
             <a:r>
-              <a:rPr lang="en" sz="1200" dirty="0">
+              <a:rPr lang="en" sz="1400" dirty="0">
                 <a:solidFill>
                   <a:srgbClr val="000000"/>
                 </a:solidFill>
@@ -9390,7 +9394,7 @@
           <a:p>
             <a:pPr lvl="0" rtl="0">
               <a:lnSpc>
-                <a:spcPct val="115000"/>
+                <a:spcPct val="100000"/>
               </a:lnSpc>
               <a:spcBef>
                 <a:spcPts val="0"/>
@@ -9401,7 +9405,7 @@
               <a:buNone/>
             </a:pPr>
             <a:r>
-              <a:rPr lang="en" sz="1200" dirty="0">
+              <a:rPr lang="en" sz="1400" dirty="0">
                 <a:solidFill>
                   <a:srgbClr val="000000"/>
                 </a:solidFill>
@@ -9416,7 +9420,7 @@
               <a:t>   firstName: </a:t>
             </a:r>
             <a:r>
-              <a:rPr lang="en" sz="1200" dirty="0">
+              <a:rPr lang="en" sz="1400" dirty="0">
                 <a:solidFill>
                   <a:srgbClr val="A52A2A"/>
                 </a:solidFill>
@@ -9431,7 +9435,7 @@
               <a:t>"John"</a:t>
             </a:r>
             <a:r>
-              <a:rPr lang="en" sz="1200" dirty="0">
+              <a:rPr lang="en" sz="1400" dirty="0">
                 <a:solidFill>
                   <a:srgbClr val="000000"/>
                 </a:solidFill>
@@ -9449,7 +9453,7 @@
           <a:p>
             <a:pPr marL="0" lvl="0" indent="0" rtl="0">
               <a:lnSpc>
-                <a:spcPct val="115000"/>
+                <a:spcPct val="100000"/>
               </a:lnSpc>
               <a:spcBef>
                 <a:spcPts val="0"/>
@@ -9460,7 +9464,7 @@
               <a:buNone/>
             </a:pPr>
             <a:r>
-              <a:rPr lang="en" sz="1200" dirty="0">
+              <a:rPr lang="en" sz="1400" dirty="0">
                 <a:solidFill>
                   <a:srgbClr val="000000"/>
                 </a:solidFill>
@@ -9475,7 +9479,7 @@
               <a:t>   lastName: </a:t>
             </a:r>
             <a:r>
-              <a:rPr lang="en" sz="1200" dirty="0">
+              <a:rPr lang="en" sz="1400" dirty="0">
                 <a:solidFill>
                   <a:srgbClr val="A52A2A"/>
                 </a:solidFill>
@@ -9490,7 +9494,7 @@
               <a:t>"Doe"</a:t>
             </a:r>
             <a:r>
-              <a:rPr lang="en" sz="1200" dirty="0">
+              <a:rPr lang="en" sz="1400" dirty="0">
                 <a:solidFill>
                   <a:srgbClr val="000000"/>
                 </a:solidFill>
@@ -9508,7 +9512,7 @@
           <a:p>
             <a:pPr lvl="0" rtl="0">
               <a:lnSpc>
-                <a:spcPct val="115000"/>
+                <a:spcPct val="100000"/>
               </a:lnSpc>
               <a:spcBef>
                 <a:spcPts val="0"/>
@@ -9519,7 +9523,7 @@
               <a:buNone/>
             </a:pPr>
             <a:r>
-              <a:rPr lang="en" sz="1200" dirty="0">
+              <a:rPr lang="en" sz="1400" dirty="0">
                 <a:solidFill>
                   <a:srgbClr val="000000"/>
                 </a:solidFill>
@@ -9534,7 +9538,7 @@
               <a:t>   age: </a:t>
             </a:r>
             <a:r>
-              <a:rPr lang="en" sz="1200" dirty="0">
+              <a:rPr lang="en" sz="1400" dirty="0">
                 <a:solidFill>
                   <a:srgbClr val="FF0000"/>
                 </a:solidFill>
@@ -9549,7 +9553,7 @@
               <a:t>50</a:t>
             </a:r>
             <a:r>
-              <a:rPr lang="en" sz="1200" dirty="0">
+              <a:rPr lang="en" sz="1400" dirty="0">
                 <a:solidFill>
                   <a:srgbClr val="000000"/>
                 </a:solidFill>
@@ -9567,7 +9571,7 @@
           <a:p>
             <a:pPr lvl="0" rtl="0">
               <a:lnSpc>
-                <a:spcPct val="115000"/>
+                <a:spcPct val="100000"/>
               </a:lnSpc>
               <a:spcBef>
                 <a:spcPts val="0"/>
@@ -9578,7 +9582,7 @@
               <a:buNone/>
             </a:pPr>
             <a:r>
-              <a:rPr lang="en" sz="1200" dirty="0">
+              <a:rPr lang="en" sz="1400" dirty="0">
                 <a:solidFill>
                   <a:srgbClr val="000000"/>
                 </a:solidFill>
@@ -9593,7 +9597,7 @@
               <a:t>   eyeColor: </a:t>
             </a:r>
             <a:r>
-              <a:rPr lang="en" sz="1200" dirty="0">
+              <a:rPr lang="en" sz="1400" dirty="0">
                 <a:solidFill>
                   <a:srgbClr val="A52A2A"/>
                 </a:solidFill>
@@ -9611,7 +9615,7 @@
           <a:p>
             <a:pPr lvl="0" rtl="0">
               <a:lnSpc>
-                <a:spcPct val="115000"/>
+                <a:spcPct val="100000"/>
               </a:lnSpc>
               <a:spcBef>
                 <a:spcPts val="0"/>
@@ -9622,7 +9626,7 @@
               <a:buNone/>
             </a:pPr>
             <a:r>
-              <a:rPr lang="en" sz="1200" dirty="0">
+              <a:rPr lang="en" sz="1400" dirty="0">
                 <a:solidFill>
                   <a:srgbClr val="000000"/>
                 </a:solidFill>
@@ -9640,7 +9644,7 @@
           <a:p>
             <a:pPr lvl="0" rtl="0">
               <a:lnSpc>
-                <a:spcPct val="115000"/>
+                <a:spcPct val="100000"/>
               </a:lnSpc>
               <a:spcBef>
                 <a:spcPts val="0"/>
@@ -9650,7 +9654,7 @@
               </a:spcAft>
               <a:buNone/>
             </a:pPr>
-            <a:endParaRPr sz="1200" dirty="0">
+            <a:endParaRPr sz="1400" dirty="0">
               <a:solidFill>
                 <a:srgbClr val="000000"/>
               </a:solidFill>
@@ -9665,6 +9669,9 @@
           </a:p>
           <a:p>
             <a:pPr lvl="0" rtl="0">
+              <a:lnSpc>
+                <a:spcPct val="100000"/>
+              </a:lnSpc>
               <a:spcBef>
                 <a:spcPts val="0"/>
               </a:spcBef>
@@ -9674,7 +9681,7 @@
               <a:buNone/>
             </a:pPr>
             <a:r>
-              <a:rPr lang="en" sz="1200" dirty="0">
+              <a:rPr lang="en" sz="1400" dirty="0">
                 <a:solidFill>
                   <a:srgbClr val="999999"/>
                 </a:solidFill>
@@ -9689,7 +9696,7 @@
           <a:p>
             <a:pPr lvl="0" rtl="0">
               <a:lnSpc>
-                <a:spcPct val="115000"/>
+                <a:spcPct val="100000"/>
               </a:lnSpc>
               <a:spcBef>
                 <a:spcPts val="0"/>
@@ -9700,7 +9707,7 @@
               <a:buNone/>
             </a:pPr>
             <a:r>
-              <a:rPr lang="en" sz="1200" dirty="0">
+              <a:rPr lang="en" sz="1400" dirty="0">
                 <a:solidFill>
                   <a:srgbClr val="0000CD"/>
                 </a:solidFill>
@@ -9715,7 +9722,7 @@
               <a:t>var</a:t>
             </a:r>
             <a:r>
-              <a:rPr lang="en" sz="1200" dirty="0">
+              <a:rPr lang="en" sz="1400" dirty="0">
                 <a:solidFill>
                   <a:srgbClr val="000000"/>
                 </a:solidFill>
@@ -9730,7 +9737,7 @@
               <a:t> firstName1 = person.firstName;     </a:t>
             </a:r>
             <a:r>
-              <a:rPr lang="en" sz="1200" dirty="0">
+              <a:rPr lang="en" sz="1400" dirty="0">
                 <a:solidFill>
                   <a:srgbClr val="999999"/>
                 </a:solidFill>
@@ -9747,6 +9754,9 @@
           </a:p>
           <a:p>
             <a:pPr lvl="0" rtl="0">
+              <a:lnSpc>
+                <a:spcPct val="100000"/>
+              </a:lnSpc>
               <a:spcBef>
                 <a:spcPts val="0"/>
               </a:spcBef>
@@ -9756,7 +9766,7 @@
               <a:buNone/>
             </a:pPr>
             <a:r>
-              <a:rPr lang="en" sz="1200" dirty="0">
+              <a:rPr lang="en" sz="1400" dirty="0">
                 <a:solidFill>
                   <a:srgbClr val="0000CD"/>
                 </a:solidFill>
@@ -9768,7 +9778,7 @@
               <a:t>var</a:t>
             </a:r>
             <a:r>
-              <a:rPr lang="en" sz="1200" dirty="0">
+              <a:rPr lang="en" sz="1400" dirty="0">
                 <a:solidFill>
                   <a:srgbClr val="000000"/>
                 </a:solidFill>
@@ -9780,7 +9790,7 @@
               <a:t> firstName2 = person[‘firstName’];  </a:t>
             </a:r>
             <a:r>
-              <a:rPr lang="en" sz="1200" dirty="0">
+              <a:rPr lang="en" sz="1400" dirty="0">
                 <a:solidFill>
                   <a:srgbClr val="999999"/>
                 </a:solidFill>
@@ -9794,6 +9804,9 @@
           </a:p>
           <a:p>
             <a:pPr lvl="0" rtl="0">
+              <a:lnSpc>
+                <a:spcPct val="100000"/>
+              </a:lnSpc>
               <a:spcBef>
                 <a:spcPts val="0"/>
               </a:spcBef>
@@ -9802,7 +9815,7 @@
               </a:spcAft>
               <a:buNone/>
             </a:pPr>
-            <a:endParaRPr sz="1200" dirty="0">
+            <a:endParaRPr sz="1400" dirty="0">
               <a:solidFill>
                 <a:srgbClr val="999999"/>
               </a:solidFill>
@@ -9814,6 +9827,9 @@
           </a:p>
           <a:p>
             <a:pPr lvl="0" rtl="0">
+              <a:lnSpc>
+                <a:spcPct val="100000"/>
+              </a:lnSpc>
               <a:spcBef>
                 <a:spcPts val="0"/>
               </a:spcBef>
@@ -9823,7 +9839,7 @@
               <a:buNone/>
             </a:pPr>
             <a:r>
-              <a:rPr lang="en" sz="1200" dirty="0">
+              <a:rPr lang="en" sz="1400" dirty="0">
                 <a:solidFill>
                   <a:srgbClr val="999999"/>
                 </a:solidFill>
@@ -9837,6 +9853,9 @@
           </a:p>
           <a:p>
             <a:pPr lvl="0" rtl="0">
+              <a:lnSpc>
+                <a:spcPct val="100000"/>
+              </a:lnSpc>
               <a:spcBef>
                 <a:spcPts val="0"/>
               </a:spcBef>
@@ -9846,7 +9865,7 @@
               <a:buNone/>
             </a:pPr>
             <a:r>
-              <a:rPr lang="en" sz="1200" dirty="0">
+              <a:rPr lang="en" sz="1400" dirty="0">
                 <a:solidFill>
                   <a:srgbClr val="000000"/>
                 </a:solidFill>
@@ -9858,7 +9877,7 @@
               <a:t>person.height = </a:t>
             </a:r>
             <a:r>
-              <a:rPr lang="en" sz="1200" dirty="0">
+              <a:rPr lang="en" sz="1400" dirty="0">
                 <a:solidFill>
                   <a:srgbClr val="FF0000"/>
                 </a:solidFill>
@@ -9870,7 +9889,7 @@
               <a:t>170</a:t>
             </a:r>
             <a:r>
-              <a:rPr lang="en" sz="1200" dirty="0">
+              <a:rPr lang="en" sz="1400" dirty="0">
                 <a:solidFill>
                   <a:srgbClr val="000000"/>
                 </a:solidFill>
@@ -9884,6 +9903,9 @@
           </a:p>
           <a:p>
             <a:pPr lvl="0" rtl="0">
+              <a:lnSpc>
+                <a:spcPct val="100000"/>
+              </a:lnSpc>
               <a:spcBef>
                 <a:spcPts val="0"/>
               </a:spcBef>
@@ -9893,7 +9915,7 @@
               <a:buNone/>
             </a:pPr>
             <a:r>
-              <a:rPr lang="en" sz="1200" dirty="0">
+              <a:rPr lang="en" sz="1400" dirty="0">
                 <a:solidFill>
                   <a:srgbClr val="000000"/>
                 </a:solidFill>
@@ -9905,7 +9927,7 @@
               <a:t>person[‘height’] = </a:t>
             </a:r>
             <a:r>
-              <a:rPr lang="en" sz="1200" dirty="0">
+              <a:rPr lang="en" sz="1400" dirty="0">
                 <a:solidFill>
                   <a:srgbClr val="FF0000"/>
                 </a:solidFill>
@@ -9917,7 +9939,7 @@
               <a:t>170</a:t>
             </a:r>
             <a:r>
-              <a:rPr lang="en" sz="1200" dirty="0">
+              <a:rPr lang="en" sz="1400" dirty="0">
                 <a:solidFill>
                   <a:srgbClr val="000000"/>
                 </a:solidFill>
@@ -9931,6 +9953,9 @@
           </a:p>
           <a:p>
             <a:pPr lvl="0" rtl="0">
+              <a:lnSpc>
+                <a:spcPct val="100000"/>
+              </a:lnSpc>
               <a:spcBef>
                 <a:spcPts val="0"/>
               </a:spcBef>
@@ -9940,7 +9965,7 @@
               <a:buNone/>
             </a:pPr>
             <a:r>
-              <a:rPr lang="en" sz="1200" dirty="0">
+              <a:rPr lang="en" sz="1400" dirty="0">
                 <a:solidFill>
                   <a:srgbClr val="999999"/>
                 </a:solidFill>
@@ -10055,7 +10080,7 @@
               <a:buNone/>
             </a:pPr>
             <a:r>
-              <a:rPr lang="en" sz="1200" dirty="0">
+              <a:rPr lang="en" sz="1400" dirty="0">
                 <a:solidFill>
                   <a:srgbClr val="0000CD"/>
                 </a:solidFill>
@@ -10070,7 +10095,7 @@
               <a:t>function</a:t>
             </a:r>
             <a:r>
-              <a:rPr lang="en" sz="1200" dirty="0">
+              <a:rPr lang="en" sz="1400" dirty="0">
                 <a:solidFill>
                   <a:srgbClr val="000000"/>
                 </a:solidFill>
@@ -10099,7 +10124,7 @@
               <a:buNone/>
             </a:pPr>
             <a:r>
-              <a:rPr lang="en" sz="1200" dirty="0">
+              <a:rPr lang="en" sz="1400" dirty="0">
                 <a:solidFill>
                   <a:srgbClr val="000000"/>
                 </a:solidFill>
@@ -10114,7 +10139,7 @@
               <a:t>	</a:t>
             </a:r>
             <a:r>
-              <a:rPr lang="en" sz="1200" dirty="0">
+              <a:rPr lang="en" sz="1400" dirty="0">
                 <a:solidFill>
                   <a:srgbClr val="0000CD"/>
                 </a:solidFill>
@@ -10129,7 +10154,7 @@
               <a:t>this</a:t>
             </a:r>
             <a:r>
-              <a:rPr lang="en" sz="1200" dirty="0">
+              <a:rPr lang="en" sz="1400" dirty="0">
                 <a:solidFill>
                   <a:srgbClr val="000000"/>
                 </a:solidFill>
@@ -10158,7 +10183,7 @@
               <a:buNone/>
             </a:pPr>
             <a:r>
-              <a:rPr lang="en" sz="1200" dirty="0">
+              <a:rPr lang="en" sz="1400" dirty="0">
                 <a:solidFill>
                   <a:srgbClr val="000000"/>
                 </a:solidFill>
@@ -10173,7 +10198,7 @@
               <a:t>	</a:t>
             </a:r>
             <a:r>
-              <a:rPr lang="en" sz="1200" dirty="0">
+              <a:rPr lang="en" sz="1400" dirty="0">
                 <a:solidFill>
                   <a:srgbClr val="0000CD"/>
                 </a:solidFill>
@@ -10188,7 +10213,7 @@
               <a:t>this</a:t>
             </a:r>
             <a:r>
-              <a:rPr lang="en" sz="1200" dirty="0">
+              <a:rPr lang="en" sz="1400" dirty="0">
                 <a:solidFill>
                   <a:srgbClr val="000000"/>
                 </a:solidFill>
@@ -10217,7 +10242,7 @@
               <a:buNone/>
             </a:pPr>
             <a:r>
-              <a:rPr lang="en" sz="1200" dirty="0">
+              <a:rPr lang="en" sz="1400" dirty="0">
                 <a:solidFill>
                   <a:srgbClr val="000000"/>
                 </a:solidFill>
@@ -10232,7 +10257,7 @@
               <a:t>	</a:t>
             </a:r>
             <a:r>
-              <a:rPr lang="en" sz="1200" dirty="0">
+              <a:rPr lang="en" sz="1400" dirty="0">
                 <a:solidFill>
                   <a:srgbClr val="0000CD"/>
                 </a:solidFill>
@@ -10247,7 +10272,7 @@
               <a:t>this</a:t>
             </a:r>
             <a:r>
-              <a:rPr lang="en" sz="1200" dirty="0">
+              <a:rPr lang="en" sz="1400" dirty="0">
                 <a:solidFill>
                   <a:srgbClr val="000000"/>
                 </a:solidFill>
@@ -10276,7 +10301,7 @@
               <a:buNone/>
             </a:pPr>
             <a:r>
-              <a:rPr lang="en" sz="1200" dirty="0">
+              <a:rPr lang="en" sz="1400" dirty="0">
                 <a:solidFill>
                   <a:srgbClr val="000000"/>
                 </a:solidFill>
@@ -10291,7 +10316,7 @@
               <a:t>	</a:t>
             </a:r>
             <a:r>
-              <a:rPr lang="en" sz="1200" dirty="0">
+              <a:rPr lang="en" sz="1400" dirty="0">
                 <a:solidFill>
                   <a:srgbClr val="0000CD"/>
                 </a:solidFill>
@@ -10306,7 +10331,7 @@
               <a:t>this</a:t>
             </a:r>
             <a:r>
-              <a:rPr lang="en" sz="1200" dirty="0">
+              <a:rPr lang="en" sz="1400" dirty="0">
                 <a:solidFill>
                   <a:srgbClr val="000000"/>
                 </a:solidFill>
@@ -10335,7 +10360,7 @@
               <a:buNone/>
             </a:pPr>
             <a:r>
-              <a:rPr lang="en" sz="1200" dirty="0">
+              <a:rPr lang="en" sz="1400" dirty="0">
                 <a:solidFill>
                   <a:srgbClr val="000000"/>
                 </a:solidFill>
@@ -10350,7 +10375,7 @@
               <a:t>	</a:t>
             </a:r>
             <a:r>
-              <a:rPr lang="en" sz="1200" dirty="0">
+              <a:rPr lang="en" sz="1400" dirty="0">
                 <a:solidFill>
                   <a:srgbClr val="0000CD"/>
                 </a:solidFill>
@@ -10365,7 +10390,7 @@
               <a:t>this</a:t>
             </a:r>
             <a:r>
-              <a:rPr lang="en" sz="1200" dirty="0">
+              <a:rPr lang="en" sz="1400" dirty="0">
                 <a:solidFill>
                   <a:srgbClr val="000000"/>
                 </a:solidFill>
@@ -10380,7 +10405,7 @@
               <a:t>.changeName = </a:t>
             </a:r>
             <a:r>
-              <a:rPr lang="en" sz="1200" dirty="0">
+              <a:rPr lang="en" sz="1400" dirty="0">
                 <a:solidFill>
                   <a:srgbClr val="0000CD"/>
                 </a:solidFill>
@@ -10395,7 +10420,7 @@
               <a:t>function</a:t>
             </a:r>
             <a:r>
-              <a:rPr lang="en" sz="1200" dirty="0">
+              <a:rPr lang="en" sz="1400" dirty="0">
                 <a:solidFill>
                   <a:srgbClr val="000000"/>
                 </a:solidFill>
@@ -10424,7 +10449,7 @@
               <a:buNone/>
             </a:pPr>
             <a:r>
-              <a:rPr lang="en" sz="1200" dirty="0">
+              <a:rPr lang="en" sz="1400" dirty="0">
                 <a:solidFill>
                   <a:srgbClr val="000000"/>
                 </a:solidFill>
@@ -10439,7 +10464,7 @@
               <a:t>    		</a:t>
             </a:r>
             <a:r>
-              <a:rPr lang="en" sz="1200" dirty="0">
+              <a:rPr lang="en" sz="1400" dirty="0">
                 <a:solidFill>
                   <a:srgbClr val="0000CD"/>
                 </a:solidFill>
@@ -10454,7 +10479,7 @@
               <a:t>this</a:t>
             </a:r>
             <a:r>
-              <a:rPr lang="en" sz="1200" dirty="0">
+              <a:rPr lang="en" sz="1400" dirty="0">
                 <a:solidFill>
                   <a:srgbClr val="000000"/>
                 </a:solidFill>
@@ -10483,7 +10508,7 @@
               <a:buNone/>
             </a:pPr>
             <a:r>
-              <a:rPr lang="en" sz="1200" dirty="0">
+              <a:rPr lang="en" sz="1400" dirty="0">
                 <a:solidFill>
                   <a:srgbClr val="000000"/>
                 </a:solidFill>
@@ -10498,7 +10523,7 @@
               <a:t>   </a:t>
             </a:r>
             <a:r>
-              <a:rPr lang="en" sz="1200" dirty="0">
+              <a:rPr lang="en" sz="1400" dirty="0">
                 <a:solidFill>
                   <a:srgbClr val="FF0000"/>
                 </a:solidFill>
@@ -10513,7 +10538,7 @@
               <a:t> </a:t>
             </a:r>
             <a:r>
-              <a:rPr lang="en" sz="1200" dirty="0">
+              <a:rPr lang="en" sz="1400" dirty="0">
                 <a:solidFill>
                   <a:srgbClr val="000000"/>
                 </a:solidFill>
@@ -10542,7 +10567,7 @@
               <a:buNone/>
             </a:pPr>
             <a:r>
-              <a:rPr lang="en" sz="1200" dirty="0">
+              <a:rPr lang="en" sz="1400" dirty="0">
                 <a:solidFill>
                   <a:srgbClr val="000000"/>
                 </a:solidFill>
@@ -10571,7 +10596,7 @@
               <a:buNone/>
             </a:pPr>
             <a:r>
-              <a:rPr lang="en" sz="1200" dirty="0">
+              <a:rPr lang="en" sz="1400" dirty="0">
                 <a:solidFill>
                   <a:srgbClr val="0000CD"/>
                 </a:solidFill>
@@ -10586,7 +10611,7 @@
               <a:t>var</a:t>
             </a:r>
             <a:r>
-              <a:rPr lang="en" sz="1200" dirty="0">
+              <a:rPr lang="en" sz="1400" dirty="0">
                 <a:solidFill>
                   <a:srgbClr val="000000"/>
                 </a:solidFill>
@@ -10601,7 +10626,7 @@
               <a:t> myMother = </a:t>
             </a:r>
             <a:r>
-              <a:rPr lang="en" sz="1200" dirty="0">
+              <a:rPr lang="en" sz="1400" dirty="0">
                 <a:solidFill>
                   <a:srgbClr val="0000CD"/>
                 </a:solidFill>
@@ -10616,7 +10641,7 @@
               <a:t>new</a:t>
             </a:r>
             <a:r>
-              <a:rPr lang="en" sz="1200" dirty="0">
+              <a:rPr lang="en" sz="1400" dirty="0">
                 <a:solidFill>
                   <a:srgbClr val="000000"/>
                 </a:solidFill>
@@ -10645,7 +10670,7 @@
               <a:buNone/>
             </a:pPr>
             <a:r>
-              <a:rPr lang="en" sz="1200" dirty="0">
+              <a:rPr lang="en" sz="1400" dirty="0">
                 <a:solidFill>
                   <a:srgbClr val="000000"/>
                 </a:solidFill>
@@ -10660,7 +10685,7 @@
               <a:t>myMother.changeName(</a:t>
             </a:r>
             <a:r>
-              <a:rPr lang="en" sz="1200" dirty="0">
+              <a:rPr lang="en" sz="1400" dirty="0">
                 <a:solidFill>
                   <a:srgbClr val="A52A2A"/>
                 </a:solidFill>
@@ -10675,7 +10700,7 @@
               <a:t>"Doe"</a:t>
             </a:r>
             <a:r>
-              <a:rPr lang="en" sz="1200" dirty="0">
+              <a:rPr lang="en" sz="1400" dirty="0">
                 <a:solidFill>
                   <a:srgbClr val="000000"/>
                 </a:solidFill>
@@ -10697,7 +10722,7 @@
               </a:spcBef>
               <a:buNone/>
             </a:pPr>
-            <a:endParaRPr dirty="0">
+            <a:endParaRPr sz="1400" dirty="0">
               <a:latin typeface="Source Code Pro"/>
               <a:ea typeface="Source Code Pro"/>
               <a:cs typeface="Source Code Pro"/>
@@ -11110,7 +11135,7 @@
               <a:buNone/>
             </a:pPr>
             <a:r>
-              <a:rPr lang="en" sz="1200" dirty="0">
+              <a:rPr lang="en" sz="1400" dirty="0">
                 <a:solidFill>
                   <a:srgbClr val="999999"/>
                 </a:solidFill>
@@ -11139,7 +11164,7 @@
               <a:buNone/>
             </a:pPr>
             <a:r>
-              <a:rPr lang="en" sz="1200" dirty="0">
+              <a:rPr lang="en" sz="1400" dirty="0">
                 <a:solidFill>
                   <a:srgbClr val="0000CD"/>
                 </a:solidFill>
@@ -11154,7 +11179,7 @@
               <a:t>for</a:t>
             </a:r>
             <a:r>
-              <a:rPr lang="en" sz="1200" dirty="0">
+              <a:rPr lang="en" sz="1400" dirty="0">
                 <a:solidFill>
                   <a:srgbClr val="000000"/>
                 </a:solidFill>
@@ -11169,7 +11194,7 @@
               <a:t> (var i = </a:t>
             </a:r>
             <a:r>
-              <a:rPr lang="en" sz="1200" dirty="0">
+              <a:rPr lang="en" sz="1400" dirty="0">
                 <a:solidFill>
                   <a:srgbClr val="FF0000"/>
                 </a:solidFill>
@@ -11184,7 +11209,7 @@
               <a:t>0</a:t>
             </a:r>
             <a:r>
-              <a:rPr lang="en" sz="1200" dirty="0">
+              <a:rPr lang="en" sz="1400" dirty="0">
                 <a:solidFill>
                   <a:srgbClr val="000000"/>
                 </a:solidFill>
@@ -11199,7 +11224,7 @@
               <a:t>; i &lt; </a:t>
             </a:r>
             <a:r>
-              <a:rPr lang="en" sz="1200" dirty="0">
+              <a:rPr lang="en" sz="1400" dirty="0">
                 <a:solidFill>
                   <a:srgbClr val="FF0000"/>
                 </a:solidFill>
@@ -11214,7 +11239,7 @@
               <a:t>2</a:t>
             </a:r>
             <a:r>
-              <a:rPr lang="en" sz="1200" dirty="0">
+              <a:rPr lang="en" sz="1400" dirty="0">
                 <a:solidFill>
                   <a:srgbClr val="000000"/>
                 </a:solidFill>
@@ -11243,7 +11268,7 @@
               <a:buNone/>
             </a:pPr>
             <a:r>
-              <a:rPr lang="en" sz="1200" dirty="0">
+              <a:rPr lang="en" sz="1400" dirty="0">
                 <a:solidFill>
                   <a:srgbClr val="000000"/>
                 </a:solidFill>
@@ -11258,7 +11283,7 @@
               <a:t>  text += </a:t>
             </a:r>
             <a:r>
-              <a:rPr lang="en" sz="1200" dirty="0">
+              <a:rPr lang="en" sz="1400" dirty="0">
                 <a:solidFill>
                   <a:srgbClr val="A52A2A"/>
                 </a:solidFill>
@@ -11273,7 +11298,7 @@
               <a:t>"The number is "</a:t>
             </a:r>
             <a:r>
-              <a:rPr lang="en" sz="1200" dirty="0">
+              <a:rPr lang="en" sz="1400" dirty="0">
                 <a:solidFill>
                   <a:srgbClr val="000000"/>
                 </a:solidFill>
@@ -11288,7 +11313,7 @@
               <a:t> + i + </a:t>
             </a:r>
             <a:r>
-              <a:rPr lang="en" sz="1200" dirty="0">
+              <a:rPr lang="en" sz="1400" dirty="0">
                 <a:solidFill>
                   <a:srgbClr val="A52A2A"/>
                 </a:solidFill>
@@ -11303,7 +11328,7 @@
               <a:t>"&lt;br&gt;"</a:t>
             </a:r>
             <a:r>
-              <a:rPr lang="en" sz="1200" dirty="0">
+              <a:rPr lang="en" sz="1400" dirty="0">
                 <a:solidFill>
                   <a:srgbClr val="000000"/>
                 </a:solidFill>
@@ -11332,7 +11357,7 @@
               <a:buNone/>
             </a:pPr>
             <a:r>
-              <a:rPr lang="en" sz="1200" dirty="0">
+              <a:rPr lang="en" sz="1400" dirty="0">
                 <a:solidFill>
                   <a:srgbClr val="000000"/>
                 </a:solidFill>
@@ -11361,7 +11386,7 @@
               <a:buNone/>
             </a:pPr>
             <a:r>
-              <a:rPr lang="en" sz="1200" dirty="0">
+              <a:rPr lang="en" sz="1400" dirty="0">
                 <a:solidFill>
                   <a:srgbClr val="999999"/>
                 </a:solidFill>
@@ -11468,7 +11493,7 @@
           <a:p>
             <a:pPr lvl="0" rtl="0">
               <a:lnSpc>
-                <a:spcPct val="115000"/>
+                <a:spcPct val="100000"/>
               </a:lnSpc>
               <a:spcBef>
                 <a:spcPts val="0"/>
@@ -11479,7 +11504,7 @@
               <a:buNone/>
             </a:pPr>
             <a:r>
-              <a:rPr lang="en" sz="1200" dirty="0">
+              <a:rPr lang="en" sz="1400" dirty="0">
                 <a:solidFill>
                   <a:srgbClr val="999999"/>
                 </a:solidFill>
@@ -11497,7 +11522,7 @@
           <a:p>
             <a:pPr lvl="0" rtl="0">
               <a:lnSpc>
-                <a:spcPct val="115000"/>
+                <a:spcPct val="100000"/>
               </a:lnSpc>
               <a:spcBef>
                 <a:spcPts val="0"/>
@@ -11508,7 +11533,7 @@
               <a:buNone/>
             </a:pPr>
             <a:r>
-              <a:rPr lang="en" sz="1200" dirty="0">
+              <a:rPr lang="en" sz="1400" dirty="0">
                 <a:solidFill>
                   <a:srgbClr val="0000CD"/>
                 </a:solidFill>
@@ -11520,7 +11545,7 @@
               <a:t>var i = 0;</a:t>
             </a:r>
             <a:r>
-              <a:rPr lang="en" sz="1200" dirty="0">
+              <a:rPr lang="en" sz="1400" dirty="0">
                 <a:solidFill>
                   <a:srgbClr val="999999"/>
                 </a:solidFill>
@@ -11538,7 +11563,7 @@
           <a:p>
             <a:pPr lvl="0" rtl="0">
               <a:lnSpc>
-                <a:spcPct val="115000"/>
+                <a:spcPct val="100000"/>
               </a:lnSpc>
               <a:spcBef>
                 <a:spcPts val="0"/>
@@ -11549,7 +11574,7 @@
               <a:buNone/>
             </a:pPr>
             <a:r>
-              <a:rPr lang="en" sz="1200" dirty="0">
+              <a:rPr lang="en" sz="1400" dirty="0">
                 <a:solidFill>
                   <a:srgbClr val="0000CD"/>
                 </a:solidFill>
@@ -11564,7 +11589,7 @@
               <a:t>while</a:t>
             </a:r>
             <a:r>
-              <a:rPr lang="en" sz="1200" dirty="0">
+              <a:rPr lang="en" sz="1400" dirty="0">
                 <a:solidFill>
                   <a:srgbClr val="000000"/>
                 </a:solidFill>
@@ -11579,7 +11604,7 @@
               <a:t> (i &lt; </a:t>
             </a:r>
             <a:r>
-              <a:rPr lang="en" sz="1200" dirty="0">
+              <a:rPr lang="en" sz="1400" dirty="0">
                 <a:solidFill>
                   <a:srgbClr val="FF0000"/>
                 </a:solidFill>
@@ -11594,7 +11619,7 @@
               <a:t>3</a:t>
             </a:r>
             <a:r>
-              <a:rPr lang="en" sz="1200" dirty="0">
+              <a:rPr lang="en" sz="1400" dirty="0">
                 <a:solidFill>
                   <a:srgbClr val="000000"/>
                 </a:solidFill>
@@ -11612,7 +11637,7 @@
           <a:p>
             <a:pPr lvl="0" rtl="0">
               <a:lnSpc>
-                <a:spcPct val="115000"/>
+                <a:spcPct val="100000"/>
               </a:lnSpc>
               <a:spcBef>
                 <a:spcPts val="0"/>
@@ -11623,7 +11648,7 @@
               <a:buNone/>
             </a:pPr>
             <a:r>
-              <a:rPr lang="en" sz="1200" dirty="0">
+              <a:rPr lang="en" sz="1400" dirty="0">
                 <a:solidFill>
                   <a:srgbClr val="000000"/>
                 </a:solidFill>
@@ -11638,7 +11663,7 @@
               <a:t>  text += </a:t>
             </a:r>
             <a:r>
-              <a:rPr lang="en" sz="1200" dirty="0">
+              <a:rPr lang="en" sz="1400" dirty="0">
                 <a:solidFill>
                   <a:srgbClr val="A52A2A"/>
                 </a:solidFill>
@@ -11653,7 +11678,7 @@
               <a:t>"The number is "</a:t>
             </a:r>
             <a:r>
-              <a:rPr lang="en" sz="1200" dirty="0">
+              <a:rPr lang="en" sz="1400" dirty="0">
                 <a:solidFill>
                   <a:srgbClr val="000000"/>
                 </a:solidFill>
@@ -11671,7 +11696,7 @@
           <a:p>
             <a:pPr lvl="0" rtl="0">
               <a:lnSpc>
-                <a:spcPct val="115000"/>
+                <a:spcPct val="100000"/>
               </a:lnSpc>
               <a:spcBef>
                 <a:spcPts val="0"/>
@@ -11682,7 +11707,7 @@
               <a:buNone/>
             </a:pPr>
             <a:r>
-              <a:rPr lang="en" sz="1200" dirty="0">
+              <a:rPr lang="en" sz="1400" dirty="0">
                 <a:solidFill>
                   <a:srgbClr val="000000"/>
                 </a:solidFill>
@@ -11697,7 +11722,7 @@
               <a:t>  i++; </a:t>
             </a:r>
             <a:r>
-              <a:rPr lang="en" sz="1200" dirty="0">
+              <a:rPr lang="en" sz="1400" dirty="0">
                 <a:solidFill>
                   <a:srgbClr val="999999"/>
                 </a:solidFill>
@@ -11712,7 +11737,7 @@
           <a:p>
             <a:pPr lvl="0" rtl="0">
               <a:lnSpc>
-                <a:spcPct val="115000"/>
+                <a:spcPct val="100000"/>
               </a:lnSpc>
               <a:spcBef>
                 <a:spcPts val="0"/>
@@ -11723,7 +11748,7 @@
               <a:buNone/>
             </a:pPr>
             <a:r>
-              <a:rPr lang="en" sz="1200" dirty="0">
+              <a:rPr lang="en" sz="1400" dirty="0">
                 <a:solidFill>
                   <a:srgbClr val="000000"/>
                 </a:solidFill>
@@ -11741,7 +11766,7 @@
           <a:p>
             <a:pPr lvl="0" rtl="0">
               <a:lnSpc>
-                <a:spcPct val="115000"/>
+                <a:spcPct val="100000"/>
               </a:lnSpc>
               <a:spcBef>
                 <a:spcPts val="0"/>
@@ -11752,7 +11777,7 @@
               <a:buNone/>
             </a:pPr>
             <a:r>
-              <a:rPr lang="en" sz="1200" dirty="0">
+              <a:rPr lang="en" sz="1400" dirty="0">
                 <a:solidFill>
                   <a:srgbClr val="999999"/>
                 </a:solidFill>
@@ -11767,7 +11792,7 @@
               <a:t>// text = “The number is 0</a:t>
             </a:r>
             <a:r>
-              <a:rPr lang="en" sz="1200" dirty="0">
+              <a:rPr lang="en" sz="1400" dirty="0">
                 <a:solidFill>
                   <a:srgbClr val="999999"/>
                 </a:solidFill>
@@ -11782,7 +11807,7 @@
           <a:p>
             <a:pPr lvl="0" rtl="0">
               <a:lnSpc>
-                <a:spcPct val="115000"/>
+                <a:spcPct val="100000"/>
               </a:lnSpc>
               <a:spcBef>
                 <a:spcPts val="0"/>
@@ -11792,7 +11817,7 @@
               </a:spcAft>
               <a:buNone/>
             </a:pPr>
-            <a:endParaRPr sz="1200" dirty="0">
+            <a:endParaRPr sz="1400" dirty="0">
               <a:solidFill>
                 <a:srgbClr val="000000"/>
               </a:solidFill>
@@ -11808,7 +11833,7 @@
           <a:p>
             <a:pPr lvl="0" rtl="0">
               <a:lnSpc>
-                <a:spcPct val="115000"/>
+                <a:spcPct val="100000"/>
               </a:lnSpc>
               <a:spcBef>
                 <a:spcPts val="0"/>
@@ -11819,7 +11844,7 @@
               <a:buNone/>
             </a:pPr>
             <a:r>
-              <a:rPr lang="en" sz="1200" dirty="0">
+              <a:rPr lang="en" sz="1400" dirty="0">
                 <a:solidFill>
                   <a:srgbClr val="999999"/>
                 </a:solidFill>
@@ -11832,47 +11857,12 @@
                 <a:sym typeface="Source Code Pro"/>
               </a:rPr>
               <a:t>/* DO/WHILE */</a:t>
-            </a:r>
-          </a:p>
-          <a:p>
-            <a:pPr lvl="0" rtl="0">
-              <a:spcBef>
-                <a:spcPts val="0"/>
-              </a:spcBef>
-              <a:spcAft>
-                <a:spcPts val="0"/>
-              </a:spcAft>
-              <a:buNone/>
-            </a:pPr>
-            <a:r>
-              <a:rPr lang="en" sz="1200" dirty="0">
-                <a:solidFill>
-                  <a:srgbClr val="0000CD"/>
-                </a:solidFill>
-                <a:latin typeface="Consolas"/>
-                <a:ea typeface="Source Code Pro"/>
-                <a:cs typeface="Consolas"/>
-                <a:sym typeface="Source Code Pro"/>
-              </a:rPr>
-              <a:t>var i = 0;</a:t>
-            </a:r>
-            <a:r>
-              <a:rPr lang="en" sz="1200" dirty="0">
-                <a:solidFill>
-                  <a:srgbClr val="999999"/>
-                </a:solidFill>
-                <a:latin typeface="Consolas"/>
-                <a:ea typeface="Source Code Pro"/>
-                <a:cs typeface="Consolas"/>
-                <a:sym typeface="Source Code Pro"/>
-              </a:rPr>
-              <a:t> </a:t>
             </a:r>
           </a:p>
           <a:p>
             <a:pPr lvl="0" rtl="0">
               <a:lnSpc>
-                <a:spcPct val="115000"/>
+                <a:spcPct val="100000"/>
               </a:lnSpc>
               <a:spcBef>
                 <a:spcPts val="0"/>
@@ -11883,40 +11873,34 @@
               <a:buNone/>
             </a:pPr>
             <a:r>
-              <a:rPr lang="en" sz="1200" dirty="0">
+              <a:rPr lang="en" sz="1400" dirty="0">
                 <a:solidFill>
                   <a:srgbClr val="0000CD"/>
                 </a:solidFill>
-                <a:highlight>
-                  <a:srgbClr val="FFFFFF"/>
-                </a:highlight>
-                <a:latin typeface="Consolas"/>
-                <a:ea typeface="Source Code Pro"/>
-                <a:cs typeface="Consolas"/>
-                <a:sym typeface="Source Code Pro"/>
-              </a:rPr>
-              <a:t>do</a:t>
-            </a:r>
-            <a:r>
-              <a:rPr lang="en" sz="1200" dirty="0">
-                <a:solidFill>
-                  <a:srgbClr val="000000"/>
-                </a:solidFill>
-                <a:highlight>
-                  <a:srgbClr val="FFFFFF"/>
-                </a:highlight>
-                <a:latin typeface="Consolas"/>
-                <a:ea typeface="Source Code Pro"/>
-                <a:cs typeface="Consolas"/>
-                <a:sym typeface="Source Code Pro"/>
-              </a:rPr>
-              <a:t> {</a:t>
+                <a:latin typeface="Consolas"/>
+                <a:ea typeface="Source Code Pro"/>
+                <a:cs typeface="Consolas"/>
+                <a:sym typeface="Source Code Pro"/>
+              </a:rPr>
+              <a:t>var i = 0;</a:t>
+            </a:r>
+            <a:r>
+              <a:rPr lang="en" sz="1400" dirty="0">
+                <a:solidFill>
+                  <a:srgbClr val="999999"/>
+                </a:solidFill>
+                <a:latin typeface="Consolas"/>
+                <a:ea typeface="Source Code Pro"/>
+                <a:cs typeface="Consolas"/>
+                <a:sym typeface="Source Code Pro"/>
+              </a:rPr>
+              <a:t> </a:t>
             </a:r>
           </a:p>
           <a:p>
             <a:pPr lvl="0" rtl="0">
               <a:lnSpc>
-                <a:spcPct val="115000"/>
+                <a:spcPct val="100000"/>
               </a:lnSpc>
               <a:spcBef>
                 <a:spcPts val="0"/>
@@ -11927,55 +11911,40 @@
               <a:buNone/>
             </a:pPr>
             <a:r>
-              <a:rPr lang="en" sz="1200" dirty="0">
-                <a:solidFill>
-                  <a:srgbClr val="000000"/>
-                </a:solidFill>
-                <a:highlight>
-                  <a:srgbClr val="FFFFFF"/>
-                </a:highlight>
-                <a:latin typeface="Consolas"/>
-                <a:ea typeface="Source Code Pro"/>
-                <a:cs typeface="Consolas"/>
-                <a:sym typeface="Source Code Pro"/>
-              </a:rPr>
-              <a:t>  text += </a:t>
-            </a:r>
-            <a:r>
-              <a:rPr lang="en" sz="1200" dirty="0">
-                <a:solidFill>
-                  <a:srgbClr val="A52A2A"/>
-                </a:solidFill>
-                <a:highlight>
-                  <a:srgbClr val="FFFFFF"/>
-                </a:highlight>
-                <a:latin typeface="Consolas"/>
-                <a:ea typeface="Source Code Pro"/>
-                <a:cs typeface="Consolas"/>
-                <a:sym typeface="Source Code Pro"/>
-              </a:rPr>
-              <a:t>"The number is "</a:t>
-            </a:r>
-            <a:r>
-              <a:rPr lang="en" sz="1200" dirty="0">
-                <a:solidFill>
-                  <a:srgbClr val="000000"/>
-                </a:solidFill>
-                <a:highlight>
-                  <a:srgbClr val="FFFFFF"/>
-                </a:highlight>
-                <a:latin typeface="Consolas"/>
-                <a:ea typeface="Source Code Pro"/>
-                <a:cs typeface="Consolas"/>
-                <a:sym typeface="Source Code Pro"/>
-              </a:rPr>
-              <a:t> + i;</a:t>
+              <a:rPr lang="en" sz="1400" dirty="0">
+                <a:solidFill>
+                  <a:srgbClr val="0000CD"/>
+                </a:solidFill>
+                <a:highlight>
+                  <a:srgbClr val="FFFFFF"/>
+                </a:highlight>
+                <a:latin typeface="Consolas"/>
+                <a:ea typeface="Source Code Pro"/>
+                <a:cs typeface="Consolas"/>
+                <a:sym typeface="Source Code Pro"/>
+              </a:rPr>
+              <a:t>do</a:t>
+            </a:r>
+            <a:r>
+              <a:rPr lang="en" sz="1400" dirty="0">
+                <a:solidFill>
+                  <a:srgbClr val="000000"/>
+                </a:solidFill>
+                <a:highlight>
+                  <a:srgbClr val="FFFFFF"/>
+                </a:highlight>
+                <a:latin typeface="Consolas"/>
+                <a:ea typeface="Source Code Pro"/>
+                <a:cs typeface="Consolas"/>
+                <a:sym typeface="Source Code Pro"/>
+              </a:rPr>
+              <a:t> {</a:t>
             </a:r>
           </a:p>
           <a:p>
             <a:pPr lvl="0" rtl="0">
               <a:lnSpc>
-                <a:spcPct val="115000"/>
+                <a:spcPct val="100000"/>
               </a:lnSpc>
               <a:spcBef>
                 <a:spcPts val="0"/>
@@ -11986,25 +11955,55 @@
               <a:buNone/>
             </a:pPr>
             <a:r>
-              <a:rPr lang="en" sz="1200" dirty="0">
-                <a:solidFill>
-                  <a:srgbClr val="000000"/>
-                </a:solidFill>
-                <a:highlight>
-                  <a:srgbClr val="FFFFFF"/>
-                </a:highlight>
-                <a:latin typeface="Consolas"/>
-                <a:ea typeface="Source Code Pro"/>
-                <a:cs typeface="Consolas"/>
-                <a:sym typeface="Source Code Pro"/>
-              </a:rPr>
-              <a:t>  i++;</a:t>
+              <a:rPr lang="en" sz="1400" dirty="0">
+                <a:solidFill>
+                  <a:srgbClr val="000000"/>
+                </a:solidFill>
+                <a:highlight>
+                  <a:srgbClr val="FFFFFF"/>
+                </a:highlight>
+                <a:latin typeface="Consolas"/>
+                <a:ea typeface="Source Code Pro"/>
+                <a:cs typeface="Consolas"/>
+                <a:sym typeface="Source Code Pro"/>
+              </a:rPr>
+              <a:t>  text += </a:t>
+            </a:r>
+            <a:r>
+              <a:rPr lang="en" sz="1400" dirty="0">
+                <a:solidFill>
+                  <a:srgbClr val="A52A2A"/>
+                </a:solidFill>
+                <a:highlight>
+                  <a:srgbClr val="FFFFFF"/>
+                </a:highlight>
+                <a:latin typeface="Consolas"/>
+                <a:ea typeface="Source Code Pro"/>
+                <a:cs typeface="Consolas"/>
+                <a:sym typeface="Source Code Pro"/>
+              </a:rPr>
+              <a:t>"The number is "</a:t>
+            </a:r>
+            <a:r>
+              <a:rPr lang="en" sz="1400" dirty="0">
+                <a:solidFill>
+                  <a:srgbClr val="000000"/>
+                </a:solidFill>
+                <a:highlight>
+                  <a:srgbClr val="FFFFFF"/>
+                </a:highlight>
+                <a:latin typeface="Consolas"/>
+                <a:ea typeface="Source Code Pro"/>
+                <a:cs typeface="Consolas"/>
+                <a:sym typeface="Source Code Pro"/>
+              </a:rPr>
+              <a:t> + i;</a:t>
             </a:r>
           </a:p>
           <a:p>
             <a:pPr lvl="0" rtl="0">
               <a:lnSpc>
-                <a:spcPct val="115000"/>
+                <a:spcPct val="100000"/>
               </a:lnSpc>
               <a:spcBef>
                 <a:spcPts val="0"/>
@@ -12015,25 +12014,25 @@
               <a:buNone/>
             </a:pPr>
             <a:r>
-              <a:rPr lang="en" sz="1200" dirty="0">
-                <a:solidFill>
-                  <a:srgbClr val="000000"/>
-                </a:solidFill>
-                <a:highlight>
-                  <a:srgbClr val="FFFFFF"/>
-                </a:highlight>
-                <a:latin typeface="Consolas"/>
-                <a:ea typeface="Source Code Pro"/>
-                <a:cs typeface="Consolas"/>
-                <a:sym typeface="Source Code Pro"/>
-              </a:rPr>
-              <a:t>}</a:t>
+              <a:rPr lang="en" sz="1400" dirty="0">
+                <a:solidFill>
+                  <a:srgbClr val="000000"/>
+                </a:solidFill>
+                <a:highlight>
+                  <a:srgbClr val="FFFFFF"/>
+                </a:highlight>
+                <a:latin typeface="Consolas"/>
+                <a:ea typeface="Source Code Pro"/>
+                <a:cs typeface="Consolas"/>
+                <a:sym typeface="Source Code Pro"/>
+              </a:rPr>
+              <a:t>  i++;</a:t>
             </a:r>
           </a:p>
           <a:p>
             <a:pPr lvl="0" rtl="0">
               <a:lnSpc>
-                <a:spcPct val="115000"/>
+                <a:spcPct val="100000"/>
               </a:lnSpc>
               <a:spcBef>
                 <a:spcPts val="0"/>
@@ -12044,7 +12043,36 @@
               <a:buNone/>
             </a:pPr>
             <a:r>
-              <a:rPr lang="en" sz="1200" dirty="0">
+              <a:rPr lang="en" sz="1400" dirty="0">
+                <a:solidFill>
+                  <a:srgbClr val="000000"/>
+                </a:solidFill>
+                <a:highlight>
+                  <a:srgbClr val="FFFFFF"/>
+                </a:highlight>
+                <a:latin typeface="Consolas"/>
+                <a:ea typeface="Source Code Pro"/>
+                <a:cs typeface="Consolas"/>
+                <a:sym typeface="Source Code Pro"/>
+              </a:rPr>
+              <a:t>}</a:t>
+            </a:r>
+          </a:p>
+          <a:p>
+            <a:pPr lvl="0" rtl="0">
+              <a:lnSpc>
+                <a:spcPct val="100000"/>
+              </a:lnSpc>
+              <a:spcBef>
+                <a:spcPts val="0"/>
+              </a:spcBef>
+              <a:spcAft>
+                <a:spcPts val="0"/>
+              </a:spcAft>
+              <a:buNone/>
+            </a:pPr>
+            <a:r>
+              <a:rPr lang="en" sz="1400" dirty="0">
                 <a:solidFill>
                   <a:srgbClr val="0000CD"/>
                 </a:solidFill>
@@ -12059,7 +12087,7 @@
               <a:t>while</a:t>
             </a:r>
             <a:r>
-              <a:rPr lang="en" sz="1200" dirty="0">
+              <a:rPr lang="en" sz="1400" dirty="0">
                 <a:solidFill>
                   <a:srgbClr val="000000"/>
                 </a:solidFill>
@@ -12074,7 +12102,7 @@
               <a:t> (i &lt; </a:t>
             </a:r>
             <a:r>
-              <a:rPr lang="en" sz="1200" dirty="0">
+              <a:rPr lang="en" sz="1400" dirty="0">
                 <a:solidFill>
                   <a:srgbClr val="FF0000"/>
                 </a:solidFill>
@@ -12089,7 +12117,7 @@
               <a:t>3</a:t>
             </a:r>
             <a:r>
-              <a:rPr lang="en" sz="1200" dirty="0">
+              <a:rPr lang="en" sz="1400" dirty="0">
                 <a:solidFill>
                   <a:srgbClr val="000000"/>
                 </a:solidFill>
@@ -12106,6 +12134,9 @@
           </a:p>
           <a:p>
             <a:pPr lvl="0" rtl="0">
+              <a:lnSpc>
+                <a:spcPct val="100000"/>
+              </a:lnSpc>
               <a:spcBef>
                 <a:spcPts val="0"/>
               </a:spcBef>
@@ -12115,7 +12146,7 @@
               <a:buNone/>
             </a:pPr>
             <a:r>
-              <a:rPr lang="en" sz="1200" dirty="0">
+              <a:rPr lang="en" sz="1400" dirty="0">
                 <a:solidFill>
                   <a:srgbClr val="999999"/>
                 </a:solidFill>
@@ -12346,7 +12377,7 @@
         </p:nvSpPr>
         <p:spPr>
           <a:xfrm>
-            <a:off x="6231300" y="4787750"/>
+            <a:off x="6231300" y="4747110"/>
             <a:ext cx="2912700" cy="229800"/>
           </a:xfrm>
           <a:prstGeom prst="rect">
@@ -12370,7 +12401,7 @@
               <a:buNone/>
             </a:pPr>
             <a:r>
-              <a:rPr lang="en" sz="1000">
+              <a:rPr lang="en" sz="1000" dirty="0">
                 <a:solidFill>
                   <a:schemeClr val="dk2"/>
                 </a:solidFill>
@@ -12485,7 +12516,7 @@
               <a:buNone/>
             </a:pPr>
             <a:r>
-              <a:rPr lang="en" sz="1200" dirty="0">
+              <a:rPr lang="en" sz="1400" dirty="0">
                 <a:solidFill>
                   <a:srgbClr val="999999"/>
                 </a:solidFill>
@@ -12514,7 +12545,7 @@
               <a:buNone/>
             </a:pPr>
             <a:r>
-              <a:rPr lang="en" sz="1200" dirty="0">
+              <a:rPr lang="en" sz="1400" dirty="0">
                 <a:solidFill>
                   <a:srgbClr val="0000CD"/>
                 </a:solidFill>
@@ -12529,7 +12560,7 @@
               <a:t>for</a:t>
             </a:r>
             <a:r>
-              <a:rPr lang="en" sz="1200" dirty="0">
+              <a:rPr lang="en" sz="1400" dirty="0">
                 <a:solidFill>
                   <a:srgbClr val="000000"/>
                 </a:solidFill>
@@ -12544,7 +12575,7 @@
               <a:t> (</a:t>
             </a:r>
             <a:r>
-              <a:rPr lang="en" sz="1200" dirty="0">
+              <a:rPr lang="en" sz="1400" dirty="0">
                 <a:solidFill>
                   <a:srgbClr val="0000CD"/>
                 </a:solidFill>
@@ -12559,7 +12590,7 @@
               <a:t>var</a:t>
             </a:r>
             <a:r>
-              <a:rPr lang="en" sz="1200" dirty="0">
+              <a:rPr lang="en" sz="1400" dirty="0">
                 <a:solidFill>
                   <a:srgbClr val="000000"/>
                 </a:solidFill>
@@ -12574,7 +12605,7 @@
               <a:t> i = </a:t>
             </a:r>
             <a:r>
-              <a:rPr lang="en" sz="1200" dirty="0">
+              <a:rPr lang="en" sz="1400" dirty="0">
                 <a:solidFill>
                   <a:srgbClr val="FF0000"/>
                 </a:solidFill>
@@ -12589,7 +12620,7 @@
               <a:t>0</a:t>
             </a:r>
             <a:r>
-              <a:rPr lang="en" sz="1200" dirty="0">
+              <a:rPr lang="en" sz="1400" dirty="0">
                 <a:solidFill>
                   <a:srgbClr val="000000"/>
                 </a:solidFill>
@@ -12604,7 +12635,7 @@
               <a:t>; i &lt; </a:t>
             </a:r>
             <a:r>
-              <a:rPr lang="en" sz="1200" dirty="0">
+              <a:rPr lang="en" sz="1400" dirty="0">
                 <a:solidFill>
                   <a:srgbClr val="FF0000"/>
                 </a:solidFill>
@@ -12619,7 +12650,7 @@
               <a:t>10</a:t>
             </a:r>
             <a:r>
-              <a:rPr lang="en" sz="1200" dirty="0">
+              <a:rPr lang="en" sz="1400" dirty="0">
                 <a:solidFill>
                   <a:srgbClr val="000000"/>
                 </a:solidFill>
@@ -12648,7 +12679,7 @@
               <a:buNone/>
             </a:pPr>
             <a:r>
-              <a:rPr lang="en" sz="1200" dirty="0">
+              <a:rPr lang="en" sz="1400" dirty="0">
                 <a:solidFill>
                   <a:srgbClr val="000000"/>
                 </a:solidFill>
@@ -12663,7 +12694,7 @@
               <a:t>  </a:t>
             </a:r>
             <a:r>
-              <a:rPr lang="en" sz="1200" dirty="0">
+              <a:rPr lang="en" sz="1400" dirty="0">
                 <a:solidFill>
                   <a:srgbClr val="0000CD"/>
                 </a:solidFill>
@@ -12678,7 +12709,7 @@
               <a:t>if</a:t>
             </a:r>
             <a:r>
-              <a:rPr lang="en" sz="1200" dirty="0">
+              <a:rPr lang="en" sz="1400" dirty="0">
                 <a:solidFill>
                   <a:srgbClr val="000000"/>
                 </a:solidFill>
@@ -12693,7 +12724,7 @@
               <a:t> (i === </a:t>
             </a:r>
             <a:r>
-              <a:rPr lang="en" sz="1200" dirty="0">
+              <a:rPr lang="en" sz="1400" dirty="0">
                 <a:solidFill>
                   <a:srgbClr val="FF0000"/>
                 </a:solidFill>
@@ -12708,7 +12739,7 @@
               <a:t>3</a:t>
             </a:r>
             <a:r>
-              <a:rPr lang="en" sz="1200" dirty="0">
+              <a:rPr lang="en" sz="1400" dirty="0">
                 <a:solidFill>
                   <a:srgbClr val="000000"/>
                 </a:solidFill>
@@ -12723,7 +12754,7 @@
               <a:t>) { </a:t>
             </a:r>
             <a:r>
-              <a:rPr lang="en" sz="1200" dirty="0">
+              <a:rPr lang="en" sz="1400" dirty="0">
                 <a:solidFill>
                   <a:srgbClr val="0000CD"/>
                 </a:solidFill>
@@ -12738,7 +12769,7 @@
               <a:t>break</a:t>
             </a:r>
             <a:r>
-              <a:rPr lang="en" sz="1200" dirty="0">
+              <a:rPr lang="en" sz="1400" dirty="0">
                 <a:solidFill>
                   <a:srgbClr val="000000"/>
                 </a:solidFill>
@@ -12767,7 +12798,7 @@
               <a:buNone/>
             </a:pPr>
             <a:r>
-              <a:rPr lang="en" sz="1200" dirty="0">
+              <a:rPr lang="en" sz="1400" dirty="0">
                 <a:solidFill>
                   <a:srgbClr val="000000"/>
                 </a:solidFill>
@@ -12782,7 +12813,7 @@
               <a:t>  text += </a:t>
             </a:r>
             <a:r>
-              <a:rPr lang="en" sz="1200" dirty="0">
+              <a:rPr lang="en" sz="1400" dirty="0">
                 <a:solidFill>
                   <a:srgbClr val="A52A2A"/>
                 </a:solidFill>
@@ -12797,7 +12828,7 @@
               <a:t>"The number is "</a:t>
             </a:r>
             <a:r>
-              <a:rPr lang="en" sz="1200" dirty="0">
+              <a:rPr lang="en" sz="1400" dirty="0">
                 <a:solidFill>
                   <a:srgbClr val="000000"/>
                 </a:solidFill>
@@ -12812,7 +12843,7 @@
               <a:t> + i + </a:t>
             </a:r>
             <a:r>
-              <a:rPr lang="en" sz="1200" dirty="0">
+              <a:rPr lang="en" sz="1400" dirty="0">
                 <a:solidFill>
                   <a:srgbClr val="A52A2A"/>
                 </a:solidFill>
@@ -12827,7 +12858,7 @@
               <a:t>"&lt;br&gt;"</a:t>
             </a:r>
             <a:r>
-              <a:rPr lang="en" sz="1200" dirty="0">
+              <a:rPr lang="en" sz="1400" dirty="0">
                 <a:solidFill>
                   <a:srgbClr val="000000"/>
                 </a:solidFill>
@@ -12856,7 +12887,7 @@
               <a:buNone/>
             </a:pPr>
             <a:r>
-              <a:rPr lang="en" sz="1200" dirty="0">
+              <a:rPr lang="en" sz="1400" dirty="0">
                 <a:solidFill>
                   <a:srgbClr val="000000"/>
                 </a:solidFill>
@@ -12885,7 +12916,7 @@
               <a:buNone/>
             </a:pPr>
             <a:r>
-              <a:rPr lang="en" sz="1200" dirty="0">
+              <a:rPr lang="en" sz="1400" dirty="0">
                 <a:solidFill>
                   <a:srgbClr val="999999"/>
                 </a:solidFill>
@@ -12900,7 +12931,7 @@
               <a:t>// text = “The number is 0&lt;br&gt;</a:t>
             </a:r>
             <a:r>
-              <a:rPr lang="en" sz="1200" dirty="0">
+              <a:rPr lang="en" sz="1400" dirty="0">
                 <a:solidFill>
                   <a:srgbClr val="999999"/>
                 </a:solidFill>
@@ -12912,7 +12943,7 @@
               <a:t>The number is 1&lt;br&gt;The number is 2&lt;br&gt;</a:t>
             </a:r>
             <a:r>
-              <a:rPr lang="en" sz="1200" dirty="0">
+              <a:rPr lang="en" sz="1400" dirty="0">
                 <a:solidFill>
                   <a:srgbClr val="999999"/>
                 </a:solidFill>
@@ -12940,7 +12971,7 @@
               </a:spcAft>
               <a:buNone/>
             </a:pPr>
-            <a:endParaRPr sz="1200" dirty="0">
+            <a:endParaRPr sz="1400" dirty="0">
               <a:solidFill>
                 <a:srgbClr val="000000"/>
               </a:solidFill>
@@ -12967,7 +12998,7 @@
               <a:buNone/>
             </a:pPr>
             <a:r>
-              <a:rPr lang="en" sz="1200" dirty="0">
+              <a:rPr lang="en" sz="1400" dirty="0">
                 <a:solidFill>
                   <a:srgbClr val="999999"/>
                 </a:solidFill>
@@ -12996,7 +13027,7 @@
               <a:buNone/>
             </a:pPr>
             <a:r>
-              <a:rPr lang="en" sz="1200" dirty="0">
+              <a:rPr lang="en" sz="1400" dirty="0">
                 <a:solidFill>
                   <a:srgbClr val="0000CD"/>
                 </a:solidFill>
@@ -13011,7 +13042,7 @@
               <a:t>for</a:t>
             </a:r>
             <a:r>
-              <a:rPr lang="en" sz="1200" dirty="0">
+              <a:rPr lang="en" sz="1400" dirty="0">
                 <a:solidFill>
                   <a:srgbClr val="000000"/>
                 </a:solidFill>
@@ -13026,7 +13057,7 @@
               <a:t> (</a:t>
             </a:r>
             <a:r>
-              <a:rPr lang="en" sz="1200" dirty="0">
+              <a:rPr lang="en" sz="1400" dirty="0">
                 <a:solidFill>
                   <a:srgbClr val="0000CD"/>
                 </a:solidFill>
@@ -13041,7 +13072,7 @@
               <a:t>var </a:t>
             </a:r>
             <a:r>
-              <a:rPr lang="en" sz="1200" dirty="0">
+              <a:rPr lang="en" sz="1400" dirty="0">
                 <a:solidFill>
                   <a:srgbClr val="000000"/>
                 </a:solidFill>
@@ -13056,7 +13087,7 @@
               <a:t>i = </a:t>
             </a:r>
             <a:r>
-              <a:rPr lang="en" sz="1200" dirty="0">
+              <a:rPr lang="en" sz="1400" dirty="0">
                 <a:solidFill>
                   <a:srgbClr val="FF0000"/>
                 </a:solidFill>
@@ -13071,7 +13102,7 @@
               <a:t>0</a:t>
             </a:r>
             <a:r>
-              <a:rPr lang="en" sz="1200" dirty="0">
+              <a:rPr lang="en" sz="1400" dirty="0">
                 <a:solidFill>
                   <a:srgbClr val="000000"/>
                 </a:solidFill>
@@ -13086,7 +13117,7 @@
               <a:t>; i &lt; </a:t>
             </a:r>
             <a:r>
-              <a:rPr lang="en" sz="1200" dirty="0">
+              <a:rPr lang="en" sz="1400" dirty="0">
                 <a:solidFill>
                   <a:srgbClr val="FF0000"/>
                 </a:solidFill>
@@ -13101,7 +13132,7 @@
               <a:t>5</a:t>
             </a:r>
             <a:r>
-              <a:rPr lang="en" sz="1200" dirty="0">
+              <a:rPr lang="en" sz="1400" dirty="0">
                 <a:solidFill>
                   <a:srgbClr val="000000"/>
                 </a:solidFill>
@@ -13130,7 +13161,7 @@
               <a:buNone/>
             </a:pPr>
             <a:r>
-              <a:rPr lang="en" sz="1200" dirty="0">
+              <a:rPr lang="en" sz="1400" dirty="0">
                 <a:solidFill>
                   <a:srgbClr val="000000"/>
                 </a:solidFill>
@@ -13145,7 +13176,7 @@
               <a:t>  </a:t>
             </a:r>
             <a:r>
-              <a:rPr lang="en" sz="1200" dirty="0">
+              <a:rPr lang="en" sz="1400" dirty="0">
                 <a:solidFill>
                   <a:srgbClr val="0000CD"/>
                 </a:solidFill>
@@ -13160,7 +13191,7 @@
               <a:t>if</a:t>
             </a:r>
             <a:r>
-              <a:rPr lang="en" sz="1200" dirty="0">
+              <a:rPr lang="en" sz="1400" dirty="0">
                 <a:solidFill>
                   <a:srgbClr val="000000"/>
                 </a:solidFill>
@@ -13175,7 +13206,7 @@
               <a:t> (i === </a:t>
             </a:r>
             <a:r>
-              <a:rPr lang="en" sz="1200" dirty="0">
+              <a:rPr lang="en" sz="1400" dirty="0">
                 <a:solidFill>
                   <a:srgbClr val="FF0000"/>
                 </a:solidFill>
@@ -13190,7 +13221,7 @@
               <a:t>3</a:t>
             </a:r>
             <a:r>
-              <a:rPr lang="en" sz="1200" dirty="0">
+              <a:rPr lang="en" sz="1400" dirty="0">
                 <a:solidFill>
                   <a:srgbClr val="000000"/>
                 </a:solidFill>
@@ -13205,7 +13236,7 @@
               <a:t>) { </a:t>
             </a:r>
             <a:r>
-              <a:rPr lang="en" sz="1200" dirty="0">
+              <a:rPr lang="en" sz="1400" dirty="0">
                 <a:solidFill>
                   <a:srgbClr val="0000CD"/>
                 </a:solidFill>
@@ -13220,7 +13251,7 @@
               <a:t>continue</a:t>
             </a:r>
             <a:r>
-              <a:rPr lang="en" sz="1200" dirty="0">
+              <a:rPr lang="en" sz="1400" dirty="0">
                 <a:solidFill>
                   <a:srgbClr val="000000"/>
                 </a:solidFill>
@@ -13249,7 +13280,7 @@
               <a:buNone/>
             </a:pPr>
             <a:r>
-              <a:rPr lang="en" sz="1200" dirty="0">
+              <a:rPr lang="en" sz="1400" dirty="0">
                 <a:solidFill>
                   <a:srgbClr val="000000"/>
                 </a:solidFill>
@@ -13264,7 +13295,7 @@
               <a:t>  text += </a:t>
             </a:r>
             <a:r>
-              <a:rPr lang="en" sz="1200" dirty="0">
+              <a:rPr lang="en" sz="1400" dirty="0">
                 <a:solidFill>
                   <a:srgbClr val="A52A2A"/>
                 </a:solidFill>
@@ -13279,7 +13310,7 @@
               <a:t>"The number is "</a:t>
             </a:r>
             <a:r>
-              <a:rPr lang="en" sz="1200" dirty="0">
+              <a:rPr lang="en" sz="1400" dirty="0">
                 <a:solidFill>
                   <a:srgbClr val="000000"/>
                 </a:solidFill>
@@ -13294,7 +13325,7 @@
               <a:t> + i + </a:t>
             </a:r>
             <a:r>
-              <a:rPr lang="en" sz="1200" dirty="0">
+              <a:rPr lang="en" sz="1400" dirty="0">
                 <a:solidFill>
                   <a:srgbClr val="A52A2A"/>
                 </a:solidFill>
@@ -13309,7 +13340,7 @@
               <a:t>"&lt;br&gt;"</a:t>
             </a:r>
             <a:r>
-              <a:rPr lang="en" sz="1200" dirty="0">
+              <a:rPr lang="en" sz="1400" dirty="0">
                 <a:solidFill>
                   <a:srgbClr val="000000"/>
                 </a:solidFill>
@@ -13338,7 +13369,7 @@
               <a:buNone/>
             </a:pPr>
             <a:r>
-              <a:rPr lang="en" sz="1200" dirty="0">
+              <a:rPr lang="en" sz="1400" dirty="0">
                 <a:solidFill>
                   <a:srgbClr val="000000"/>
                 </a:solidFill>
@@ -13364,7 +13395,7 @@
               <a:buNone/>
             </a:pPr>
             <a:r>
-              <a:rPr lang="en" sz="1200" dirty="0">
+              <a:rPr lang="en" sz="1400" dirty="0">
                 <a:solidFill>
                   <a:srgbClr val="999999"/>
                 </a:solidFill>
@@ -13479,7 +13510,7 @@
               <a:buNone/>
             </a:pPr>
             <a:r>
-              <a:rPr lang="en" sz="900" dirty="0">
+              <a:rPr lang="en" sz="1400" dirty="0">
                 <a:solidFill>
                   <a:srgbClr val="0000CD"/>
                 </a:solidFill>
@@ -13494,7 +13525,7 @@
               <a:t>switch</a:t>
             </a:r>
             <a:r>
-              <a:rPr lang="en" sz="900" dirty="0">
+              <a:rPr lang="en" sz="1400" dirty="0">
                 <a:solidFill>
                   <a:srgbClr val="000000"/>
                 </a:solidFill>
@@ -13509,7 +13540,7 @@
               <a:t> (</a:t>
             </a:r>
             <a:r>
-              <a:rPr lang="en" sz="900" dirty="0">
+              <a:rPr lang="en" sz="1400" dirty="0">
                 <a:solidFill>
                   <a:srgbClr val="0000CD"/>
                 </a:solidFill>
@@ -13524,22 +13555,52 @@
               <a:t>new</a:t>
             </a:r>
             <a:r>
-              <a:rPr lang="en" sz="900" dirty="0">
-                <a:solidFill>
-                  <a:srgbClr val="000000"/>
-                </a:solidFill>
-                <a:highlight>
-                  <a:srgbClr val="FFFFFF"/>
-                </a:highlight>
-                <a:latin typeface="Consolas"/>
-                <a:ea typeface="Source Code Pro"/>
-                <a:cs typeface="Consolas"/>
-                <a:sym typeface="Source Code Pro"/>
-              </a:rPr>
-              <a:t> Date().getDay()) {			</a:t>
-            </a:r>
-            <a:r>
-              <a:rPr lang="en" sz="900" dirty="0">
+              <a:rPr lang="en" sz="1400" dirty="0">
+                <a:solidFill>
+                  <a:srgbClr val="000000"/>
+                </a:solidFill>
+                <a:highlight>
+                  <a:srgbClr val="FFFFFF"/>
+                </a:highlight>
+                <a:latin typeface="Consolas"/>
+                <a:ea typeface="Source Code Pro"/>
+                <a:cs typeface="Consolas"/>
+                <a:sym typeface="Source Code Pro"/>
+              </a:rPr>
+              <a:t> Date().getDay()) </a:t>
+            </a:r>
+            <a:r>
+              <a:rPr lang="en" sz="1400" dirty="0" smtClean="0">
+                <a:solidFill>
+                  <a:srgbClr val="000000"/>
+                </a:solidFill>
+                <a:highlight>
+                  <a:srgbClr val="FFFFFF"/>
+                </a:highlight>
+                <a:latin typeface="Consolas"/>
+                <a:ea typeface="Source Code Pro"/>
+                <a:cs typeface="Consolas"/>
+                <a:sym typeface="Source Code Pro"/>
+              </a:rPr>
+              <a:t>{</a:t>
+            </a:r>
+            <a:r>
+              <a:rPr lang="en-US" sz="1400" dirty="0">
+                <a:solidFill>
+                  <a:srgbClr val="000000"/>
+                </a:solidFill>
+                <a:highlight>
+                  <a:srgbClr val="FFFFFF"/>
+                </a:highlight>
+                <a:latin typeface="Consolas"/>
+                <a:ea typeface="Source Code Pro"/>
+                <a:cs typeface="Consolas"/>
+                <a:sym typeface="Source Code Pro"/>
+              </a:rPr>
+              <a:t> </a:t>
+            </a:r>
+            <a:r>
+              <a:rPr lang="en" sz="1400" dirty="0" smtClean="0">
                 <a:solidFill>
                   <a:srgbClr val="999999"/>
                 </a:solidFill>
@@ -13551,7 +13612,52 @@
                 <a:cs typeface="Consolas"/>
                 <a:sym typeface="Source Code Pro"/>
               </a:rPr>
-              <a:t>//grab today’s day. Returns a number between 0-6</a:t>
+              <a:t>//</a:t>
+            </a:r>
+            <a:r>
+              <a:rPr lang="en-US" sz="1400" dirty="0" smtClean="0">
+                <a:solidFill>
+                  <a:srgbClr val="999999"/>
+                </a:solidFill>
+                <a:highlight>
+                  <a:srgbClr val="FFFFFF"/>
+                </a:highlight>
+                <a:latin typeface="Consolas"/>
+                <a:ea typeface="Source Code Pro"/>
+                <a:cs typeface="Consolas"/>
+                <a:sym typeface="Source Code Pro"/>
+              </a:rPr>
+              <a:t> </a:t>
+            </a:r>
+            <a:r>
+              <a:rPr lang="en" sz="1400" dirty="0" smtClean="0">
+                <a:solidFill>
+                  <a:srgbClr val="999999"/>
+                </a:solidFill>
+                <a:highlight>
+                  <a:srgbClr val="FFFFFF"/>
+                </a:highlight>
+                <a:latin typeface="Consolas"/>
+                <a:ea typeface="Source Code Pro"/>
+                <a:cs typeface="Consolas"/>
+                <a:sym typeface="Source Code Pro"/>
+              </a:rPr>
+              <a:t>grab </a:t>
+            </a:r>
+            <a:r>
+              <a:rPr lang="en" sz="1400" dirty="0">
+                <a:solidFill>
+                  <a:srgbClr val="999999"/>
+                </a:solidFill>
+                <a:highlight>
+                  <a:srgbClr val="FFFFFF"/>
+                </a:highlight>
+                <a:latin typeface="Consolas"/>
+                <a:ea typeface="Source Code Pro"/>
+                <a:cs typeface="Consolas"/>
+                <a:sym typeface="Source Code Pro"/>
+              </a:rPr>
+              <a:t>today’s day. Returns a number between 0-6</a:t>
             </a:r>
           </a:p>
           <a:p>
@@ -13568,7 +13674,7 @@
               <a:buNone/>
             </a:pPr>
             <a:r>
-              <a:rPr lang="en" sz="900" dirty="0">
+              <a:rPr lang="en" sz="1400" dirty="0">
                 <a:solidFill>
                   <a:srgbClr val="000000"/>
                 </a:solidFill>
@@ -13583,7 +13689,7 @@
               <a:t>    </a:t>
             </a:r>
             <a:r>
-              <a:rPr lang="en" sz="900" dirty="0">
+              <a:rPr lang="en" sz="1400" dirty="0">
                 <a:solidFill>
                   <a:srgbClr val="0000CD"/>
                 </a:solidFill>
@@ -13598,7 +13704,7 @@
               <a:t>case</a:t>
             </a:r>
             <a:r>
-              <a:rPr lang="en" sz="900" dirty="0">
+              <a:rPr lang="en" sz="1400" dirty="0">
                 <a:solidFill>
                   <a:srgbClr val="000000"/>
                 </a:solidFill>
@@ -13613,7 +13719,7 @@
               <a:t> </a:t>
             </a:r>
             <a:r>
-              <a:rPr lang="en" sz="900" dirty="0">
+              <a:rPr lang="en" sz="1400" dirty="0">
                 <a:solidFill>
                   <a:srgbClr val="FF0000"/>
                 </a:solidFill>
@@ -13628,22 +13734,52 @@
               <a:t>0</a:t>
             </a:r>
             <a:r>
-              <a:rPr lang="en" sz="900" dirty="0">
-                <a:solidFill>
-                  <a:srgbClr val="000000"/>
-                </a:solidFill>
-                <a:highlight>
-                  <a:srgbClr val="FFFFFF"/>
-                </a:highlight>
-                <a:latin typeface="Consolas"/>
-                <a:ea typeface="Source Code Pro"/>
-                <a:cs typeface="Consolas"/>
-                <a:sym typeface="Source Code Pro"/>
-              </a:rPr>
-              <a:t>:					</a:t>
-            </a:r>
-            <a:r>
-              <a:rPr lang="en" sz="900" dirty="0" smtClean="0">
+              <a:rPr lang="en" sz="1400" dirty="0">
+                <a:solidFill>
+                  <a:srgbClr val="000000"/>
+                </a:solidFill>
+                <a:highlight>
+                  <a:srgbClr val="FFFFFF"/>
+                </a:highlight>
+                <a:latin typeface="Consolas"/>
+                <a:ea typeface="Source Code Pro"/>
+                <a:cs typeface="Consolas"/>
+                <a:sym typeface="Source Code Pro"/>
+              </a:rPr>
+              <a:t>:		</a:t>
+            </a:r>
+            <a:r>
+              <a:rPr lang="en-US" sz="1400" dirty="0">
+                <a:solidFill>
+                  <a:srgbClr val="000000"/>
+                </a:solidFill>
+                <a:highlight>
+                  <a:srgbClr val="FFFFFF"/>
+                </a:highlight>
+                <a:latin typeface="Consolas"/>
+                <a:ea typeface="Source Code Pro"/>
+                <a:cs typeface="Consolas"/>
+                <a:sym typeface="Source Code Pro"/>
+              </a:rPr>
+              <a:t> </a:t>
+            </a:r>
+            <a:r>
+              <a:rPr lang="en-US" sz="1400" dirty="0" smtClean="0">
+                <a:solidFill>
+                  <a:srgbClr val="000000"/>
+                </a:solidFill>
+                <a:highlight>
+                  <a:srgbClr val="FFFFFF"/>
+                </a:highlight>
+                <a:latin typeface="Consolas"/>
+                <a:ea typeface="Source Code Pro"/>
+                <a:cs typeface="Consolas"/>
+                <a:sym typeface="Source Code Pro"/>
+              </a:rPr>
+              <a:t>  </a:t>
+            </a:r>
+            <a:r>
+              <a:rPr lang="en" sz="1400" dirty="0" smtClean="0">
                 <a:solidFill>
                   <a:srgbClr val="999999"/>
                 </a:solidFill>
@@ -13658,7 +13794,7 @@
               <a:t>//</a:t>
             </a:r>
             <a:r>
-              <a:rPr lang="en" sz="900" dirty="0">
+              <a:rPr lang="en-US" sz="1400" dirty="0" smtClean="0">
                 <a:solidFill>
                   <a:srgbClr val="999999"/>
                 </a:solidFill>
@@ -13670,7 +13806,67 @@
                 <a:cs typeface="Consolas"/>
                 <a:sym typeface="Source Code Pro"/>
               </a:rPr>
-              <a:t>if returned 0, set day to “Sunday”</a:t>
+              <a:t> </a:t>
+            </a:r>
+            <a:r>
+              <a:rPr lang="en" sz="1400" dirty="0" smtClean="0">
+                <a:solidFill>
+                  <a:srgbClr val="999999"/>
+                </a:solidFill>
+                <a:highlight>
+                  <a:srgbClr val="FFFFFF"/>
+                </a:highlight>
+                <a:latin typeface="Consolas"/>
+                <a:ea typeface="Source Code Pro"/>
+                <a:cs typeface="Consolas"/>
+                <a:sym typeface="Source Code Pro"/>
+              </a:rPr>
+              <a:t>if 0</a:t>
+            </a:r>
+            <a:r>
+              <a:rPr lang="en-US" sz="1400" dirty="0" smtClean="0">
+                <a:solidFill>
+                  <a:srgbClr val="999999"/>
+                </a:solidFill>
+                <a:highlight>
+                  <a:srgbClr val="FFFFFF"/>
+                </a:highlight>
+                <a:latin typeface="Consolas"/>
+                <a:ea typeface="Source Code Pro"/>
+                <a:cs typeface="Consolas"/>
+                <a:sym typeface="Source Code Pro"/>
+              </a:rPr>
+              <a:t> was returned</a:t>
+            </a:r>
+            <a:r>
+              <a:rPr lang="en" sz="1400" dirty="0" smtClean="0">
+                <a:solidFill>
+                  <a:srgbClr val="999999"/>
+                </a:solidFill>
+                <a:highlight>
+                  <a:srgbClr val="FFFFFF"/>
+                </a:highlight>
+                <a:latin typeface="Consolas"/>
+                <a:ea typeface="Source Code Pro"/>
+                <a:cs typeface="Consolas"/>
+                <a:sym typeface="Source Code Pro"/>
+              </a:rPr>
+              <a:t>, </a:t>
+            </a:r>
+            <a:r>
+              <a:rPr lang="en" sz="1400" dirty="0">
+                <a:solidFill>
+                  <a:srgbClr val="999999"/>
+                </a:solidFill>
+                <a:highlight>
+                  <a:srgbClr val="FFFFFF"/>
+                </a:highlight>
+                <a:latin typeface="Consolas"/>
+                <a:ea typeface="Source Code Pro"/>
+                <a:cs typeface="Consolas"/>
+                <a:sym typeface="Source Code Pro"/>
+              </a:rPr>
+              <a:t>set day to “Sunday”</a:t>
             </a:r>
           </a:p>
           <a:p>
@@ -13687,7 +13883,7 @@
               <a:buNone/>
             </a:pPr>
             <a:r>
-              <a:rPr lang="en" sz="900" dirty="0">
+              <a:rPr lang="en" sz="1400" dirty="0">
                 <a:solidFill>
                   <a:srgbClr val="000000"/>
                 </a:solidFill>
@@ -13702,7 +13898,7 @@
               <a:t>    </a:t>
             </a:r>
             <a:r>
-              <a:rPr lang="en-US" sz="900" dirty="0" smtClean="0">
+              <a:rPr lang="en-US" sz="1400" dirty="0" smtClean="0">
                 <a:solidFill>
                   <a:srgbClr val="000000"/>
                 </a:solidFill>
@@ -13717,7 +13913,7 @@
               <a:t>   </a:t>
             </a:r>
             <a:r>
-              <a:rPr lang="en" sz="900" dirty="0" smtClean="0">
+              <a:rPr lang="en" sz="1400" dirty="0" smtClean="0">
                 <a:solidFill>
                   <a:srgbClr val="000000"/>
                 </a:solidFill>
@@ -13732,7 +13928,7 @@
               <a:t>day </a:t>
             </a:r>
             <a:r>
-              <a:rPr lang="en" sz="900" dirty="0">
+              <a:rPr lang="en" sz="1400" dirty="0">
                 <a:solidFill>
                   <a:srgbClr val="000000"/>
                 </a:solidFill>
@@ -13747,7 +13943,7 @@
               <a:t>= </a:t>
             </a:r>
             <a:r>
-              <a:rPr lang="en" sz="900" dirty="0">
+              <a:rPr lang="en" sz="1400" dirty="0">
                 <a:solidFill>
                   <a:srgbClr val="A52A2A"/>
                 </a:solidFill>
@@ -13762,7 +13958,7 @@
               <a:t>"Sunday"</a:t>
             </a:r>
             <a:r>
-              <a:rPr lang="en" sz="900" dirty="0">
+              <a:rPr lang="en" sz="1400" dirty="0">
                 <a:solidFill>
                   <a:srgbClr val="000000"/>
                 </a:solidFill>
@@ -13791,7 +13987,7 @@
               <a:buNone/>
             </a:pPr>
             <a:r>
-              <a:rPr lang="en" sz="900" dirty="0">
+              <a:rPr lang="en" sz="1400" dirty="0">
                 <a:solidFill>
                   <a:srgbClr val="000000"/>
                 </a:solidFill>
@@ -13806,7 +14002,7 @@
               <a:t>       </a:t>
             </a:r>
             <a:r>
-              <a:rPr lang="en" sz="900" dirty="0">
+              <a:rPr lang="en" sz="1400" dirty="0">
                 <a:solidFill>
                   <a:srgbClr val="0000CD"/>
                 </a:solidFill>
@@ -13821,22 +14017,37 @@
               <a:t>break</a:t>
             </a:r>
             <a:r>
-              <a:rPr lang="en" sz="900" dirty="0">
-                <a:solidFill>
-                  <a:srgbClr val="000000"/>
-                </a:solidFill>
-                <a:highlight>
-                  <a:srgbClr val="FFFFFF"/>
-                </a:highlight>
-                <a:latin typeface="Consolas"/>
-                <a:ea typeface="Source Code Pro"/>
-                <a:cs typeface="Consolas"/>
-                <a:sym typeface="Source Code Pro"/>
-              </a:rPr>
-              <a:t>; 					</a:t>
-            </a:r>
-            <a:r>
-              <a:rPr lang="en" sz="900" dirty="0">
+              <a:rPr lang="en" sz="1400" dirty="0">
+                <a:solidFill>
+                  <a:srgbClr val="000000"/>
+                </a:solidFill>
+                <a:highlight>
+                  <a:srgbClr val="FFFFFF"/>
+                </a:highlight>
+                <a:latin typeface="Consolas"/>
+                <a:ea typeface="Source Code Pro"/>
+                <a:cs typeface="Consolas"/>
+                <a:sym typeface="Source Code Pro"/>
+              </a:rPr>
+              <a:t>; 		</a:t>
+            </a:r>
+            <a:r>
+              <a:rPr lang="en-US" sz="1400" dirty="0" smtClean="0">
+                <a:solidFill>
+                  <a:srgbClr val="000000"/>
+                </a:solidFill>
+                <a:highlight>
+                  <a:srgbClr val="FFFFFF"/>
+                </a:highlight>
+                <a:latin typeface="Consolas"/>
+                <a:ea typeface="Source Code Pro"/>
+                <a:cs typeface="Consolas"/>
+                <a:sym typeface="Source Code Pro"/>
+              </a:rPr>
+              <a:t>   </a:t>
+            </a:r>
+            <a:r>
+              <a:rPr lang="en" sz="1400" dirty="0" smtClean="0">
                 <a:solidFill>
                   <a:srgbClr val="999999"/>
                 </a:solidFill>
@@ -13848,7 +14059,52 @@
                 <a:cs typeface="Consolas"/>
                 <a:sym typeface="Source Code Pro"/>
               </a:rPr>
-              <a:t>//exit switch if case 0 is successful</a:t>
+              <a:t>//</a:t>
+            </a:r>
+            <a:r>
+              <a:rPr lang="en-US" sz="1400" dirty="0" smtClean="0">
+                <a:solidFill>
+                  <a:srgbClr val="999999"/>
+                </a:solidFill>
+                <a:highlight>
+                  <a:srgbClr val="FFFFFF"/>
+                </a:highlight>
+                <a:latin typeface="Consolas"/>
+                <a:ea typeface="Source Code Pro"/>
+                <a:cs typeface="Consolas"/>
+                <a:sym typeface="Source Code Pro"/>
+              </a:rPr>
+              <a:t> </a:t>
+            </a:r>
+            <a:r>
+              <a:rPr lang="en" sz="1400" dirty="0" smtClean="0">
+                <a:solidFill>
+                  <a:srgbClr val="999999"/>
+                </a:solidFill>
+                <a:highlight>
+                  <a:srgbClr val="FFFFFF"/>
+                </a:highlight>
+                <a:latin typeface="Consolas"/>
+                <a:ea typeface="Source Code Pro"/>
+                <a:cs typeface="Consolas"/>
+                <a:sym typeface="Source Code Pro"/>
+              </a:rPr>
+              <a:t>exit </a:t>
+            </a:r>
+            <a:r>
+              <a:rPr lang="en" sz="1400" dirty="0">
+                <a:solidFill>
+                  <a:srgbClr val="999999"/>
+                </a:solidFill>
+                <a:highlight>
+                  <a:srgbClr val="FFFFFF"/>
+                </a:highlight>
+                <a:latin typeface="Consolas"/>
+                <a:ea typeface="Source Code Pro"/>
+                <a:cs typeface="Consolas"/>
+                <a:sym typeface="Source Code Pro"/>
+              </a:rPr>
+              <a:t>switch if case 0 is successful</a:t>
             </a:r>
           </a:p>
           <a:p>
@@ -13865,7 +14121,7 @@
               <a:buNone/>
             </a:pPr>
             <a:r>
-              <a:rPr lang="en" sz="900" dirty="0">
+              <a:rPr lang="en" sz="1400" dirty="0">
                 <a:solidFill>
                   <a:srgbClr val="000000"/>
                 </a:solidFill>
@@ -13880,7 +14136,7 @@
               <a:t>    </a:t>
             </a:r>
             <a:r>
-              <a:rPr lang="en" sz="900" dirty="0">
+              <a:rPr lang="en" sz="1400" dirty="0">
                 <a:solidFill>
                   <a:srgbClr val="0000CD"/>
                 </a:solidFill>
@@ -13895,7 +14151,7 @@
               <a:t>case</a:t>
             </a:r>
             <a:r>
-              <a:rPr lang="en" sz="900" dirty="0">
+              <a:rPr lang="en" sz="1400" dirty="0">
                 <a:solidFill>
                   <a:srgbClr val="000000"/>
                 </a:solidFill>
@@ -13910,7 +14166,7 @@
               <a:t> </a:t>
             </a:r>
             <a:r>
-              <a:rPr lang="en" sz="900" dirty="0">
+              <a:rPr lang="en" sz="1400" dirty="0">
                 <a:solidFill>
                   <a:srgbClr val="FF0000"/>
                 </a:solidFill>
@@ -13925,7 +14181,7 @@
               <a:t>1</a:t>
             </a:r>
             <a:r>
-              <a:rPr lang="en" sz="900" dirty="0">
+              <a:rPr lang="en" sz="1400" dirty="0">
                 <a:solidFill>
                   <a:srgbClr val="000000"/>
                 </a:solidFill>
@@ -13954,9 +14210,9 @@
               <a:buNone/>
             </a:pPr>
             <a:r>
-              <a:rPr lang="en" sz="900" dirty="0">
-                <a:solidFill>
-                  <a:srgbClr val="000000"/>
+              <a:rPr lang="en-US" sz="1400" dirty="0" smtClean="0">
+                <a:solidFill>
+                  <a:srgbClr val="0000CD"/>
                 </a:solidFill>
                 <a:highlight>
                   <a:srgbClr val="FFFFFF"/>
@@ -13969,80 +14225,77 @@
               <a:t>    </a:t>
             </a:r>
             <a:r>
-              <a:rPr lang="en-US" sz="900" dirty="0" smtClean="0">
-                <a:solidFill>
-                  <a:srgbClr val="000000"/>
-                </a:solidFill>
-                <a:highlight>
-                  <a:srgbClr val="FFFFFF"/>
-                </a:highlight>
-                <a:latin typeface="Consolas"/>
-                <a:ea typeface="Source Code Pro"/>
-                <a:cs typeface="Consolas"/>
-                <a:sym typeface="Source Code Pro"/>
-              </a:rPr>
-              <a:t>   </a:t>
-            </a:r>
-            <a:r>
-              <a:rPr lang="en" sz="900" dirty="0" smtClean="0">
-                <a:solidFill>
-                  <a:srgbClr val="000000"/>
-                </a:solidFill>
-                <a:highlight>
-                  <a:srgbClr val="FFFFFF"/>
-                </a:highlight>
-                <a:latin typeface="Consolas"/>
-                <a:ea typeface="Source Code Pro"/>
-                <a:cs typeface="Consolas"/>
-                <a:sym typeface="Source Code Pro"/>
-              </a:rPr>
-              <a:t>day </a:t>
-            </a:r>
-            <a:r>
-              <a:rPr lang="en" sz="900" dirty="0">
-                <a:solidFill>
-                  <a:srgbClr val="000000"/>
-                </a:solidFill>
-                <a:highlight>
-                  <a:srgbClr val="FFFFFF"/>
-                </a:highlight>
-                <a:latin typeface="Consolas"/>
-                <a:ea typeface="Source Code Pro"/>
-                <a:cs typeface="Consolas"/>
-                <a:sym typeface="Source Code Pro"/>
-              </a:rPr>
-              <a:t>= </a:t>
-            </a:r>
-            <a:r>
-              <a:rPr lang="en" sz="900" dirty="0">
-                <a:solidFill>
-                  <a:srgbClr val="A52A2A"/>
-                </a:solidFill>
-                <a:highlight>
-                  <a:srgbClr val="FFFFFF"/>
-                </a:highlight>
-                <a:latin typeface="Consolas"/>
-                <a:ea typeface="Source Code Pro"/>
-                <a:cs typeface="Consolas"/>
-                <a:sym typeface="Source Code Pro"/>
-              </a:rPr>
-              <a:t>"Monday"</a:t>
-            </a:r>
-            <a:r>
-              <a:rPr lang="en" sz="900" dirty="0">
-                <a:solidFill>
-                  <a:srgbClr val="000000"/>
-                </a:solidFill>
-                <a:highlight>
-                  <a:srgbClr val="FFFFFF"/>
-                </a:highlight>
-                <a:latin typeface="Consolas"/>
-                <a:ea typeface="Source Code Pro"/>
-                <a:cs typeface="Consolas"/>
-                <a:sym typeface="Source Code Pro"/>
-              </a:rPr>
-              <a:t>;</a:t>
-            </a:r>
+              <a:rPr lang="en" sz="1400" dirty="0" smtClean="0">
+                <a:solidFill>
+                  <a:srgbClr val="0000CD"/>
+                </a:solidFill>
+                <a:highlight>
+                  <a:srgbClr val="FFFFFF"/>
+                </a:highlight>
+                <a:latin typeface="Consolas"/>
+                <a:ea typeface="Source Code Pro"/>
+                <a:cs typeface="Consolas"/>
+                <a:sym typeface="Source Code Pro"/>
+              </a:rPr>
+              <a:t>case</a:t>
+            </a:r>
+            <a:r>
+              <a:rPr lang="en" sz="1400" dirty="0" smtClean="0">
+                <a:solidFill>
+                  <a:srgbClr val="000000"/>
+                </a:solidFill>
+                <a:highlight>
+                  <a:srgbClr val="FFFFFF"/>
+                </a:highlight>
+                <a:latin typeface="Consolas"/>
+                <a:ea typeface="Source Code Pro"/>
+                <a:cs typeface="Consolas"/>
+                <a:sym typeface="Source Code Pro"/>
+              </a:rPr>
+              <a:t> </a:t>
+            </a:r>
+            <a:r>
+              <a:rPr lang="en" sz="1400" dirty="0" smtClean="0">
+                <a:solidFill>
+                  <a:srgbClr val="FF0000"/>
+                </a:solidFill>
+                <a:highlight>
+                  <a:srgbClr val="FFFFFF"/>
+                </a:highlight>
+                <a:latin typeface="Consolas"/>
+                <a:ea typeface="Source Code Pro"/>
+                <a:cs typeface="Consolas"/>
+                <a:sym typeface="Source Code Pro"/>
+              </a:rPr>
+              <a:t>2</a:t>
+            </a:r>
+            <a:r>
+              <a:rPr lang="en" sz="1400" dirty="0" smtClean="0">
+                <a:solidFill>
+                  <a:srgbClr val="000000"/>
+                </a:solidFill>
+                <a:highlight>
+                  <a:srgbClr val="FFFFFF"/>
+                </a:highlight>
+                <a:latin typeface="Consolas"/>
+                <a:ea typeface="Source Code Pro"/>
+                <a:cs typeface="Consolas"/>
+                <a:sym typeface="Source Code Pro"/>
+              </a:rPr>
+              <a:t>:</a:t>
+            </a:r>
+            <a:endParaRPr lang="en-US" sz="1400" dirty="0" smtClean="0">
+              <a:solidFill>
+                <a:srgbClr val="000000"/>
+              </a:solidFill>
+              <a:highlight>
+                <a:srgbClr val="FFFFFF"/>
+              </a:highlight>
+              <a:latin typeface="Consolas"/>
+              <a:ea typeface="Source Code Pro"/>
+              <a:cs typeface="Consolas"/>
+              <a:sym typeface="Source Code Pro"/>
+            </a:endParaRPr>
           </a:p>
           <a:p>
             <a:pPr lvl="0">
@@ -14058,22 +14311,37 @@
               <a:buNone/>
             </a:pPr>
             <a:r>
-              <a:rPr lang="en" sz="900" dirty="0">
-                <a:solidFill>
-                  <a:srgbClr val="000000"/>
-                </a:solidFill>
-                <a:highlight>
-                  <a:srgbClr val="FFFFFF"/>
-                </a:highlight>
-                <a:latin typeface="Consolas"/>
-                <a:ea typeface="Source Code Pro"/>
-                <a:cs typeface="Consolas"/>
-                <a:sym typeface="Source Code Pro"/>
-              </a:rPr>
-              <a:t>       </a:t>
-            </a:r>
-            <a:r>
-              <a:rPr lang="en" sz="900" dirty="0">
+              <a:rPr lang="en-US" sz="1400" dirty="0">
+                <a:solidFill>
+                  <a:srgbClr val="000000"/>
+                </a:solidFill>
+                <a:highlight>
+                  <a:srgbClr val="FFFFFF"/>
+                </a:highlight>
+                <a:latin typeface="Consolas"/>
+                <a:ea typeface="Source Code Pro"/>
+                <a:cs typeface="Consolas"/>
+                <a:sym typeface="Source Code Pro"/>
+              </a:rPr>
+              <a:t> </a:t>
+            </a:r>
+            <a:r>
+              <a:rPr lang="en-US" sz="1400" dirty="0" smtClean="0">
+                <a:solidFill>
+                  <a:srgbClr val="000000"/>
+                </a:solidFill>
+                <a:highlight>
+                  <a:srgbClr val="FFFFFF"/>
+                </a:highlight>
+                <a:latin typeface="Consolas"/>
+                <a:ea typeface="Source Code Pro"/>
+                <a:cs typeface="Consolas"/>
+                <a:sym typeface="Source Code Pro"/>
+              </a:rPr>
+              <a:t>   </a:t>
+            </a:r>
+            <a:r>
+              <a:rPr lang="en" sz="1400" dirty="0" smtClean="0">
                 <a:solidFill>
                   <a:srgbClr val="0000CD"/>
                 </a:solidFill>
@@ -14085,23 +14353,65 @@
                 <a:cs typeface="Consolas"/>
                 <a:sym typeface="Source Code Pro"/>
               </a:rPr>
-              <a:t>break</a:t>
-            </a:r>
-            <a:r>
-              <a:rPr lang="en" sz="900" dirty="0">
-                <a:solidFill>
-                  <a:srgbClr val="000000"/>
-                </a:solidFill>
-                <a:highlight>
-                  <a:srgbClr val="FFFFFF"/>
-                </a:highlight>
-                <a:latin typeface="Consolas"/>
-                <a:ea typeface="Source Code Pro"/>
-                <a:cs typeface="Consolas"/>
-                <a:sym typeface="Source Code Pro"/>
-              </a:rPr>
-              <a:t>;</a:t>
-            </a:r>
+              <a:t>case</a:t>
+            </a:r>
+            <a:r>
+              <a:rPr lang="en" sz="1400" dirty="0" smtClean="0">
+                <a:solidFill>
+                  <a:srgbClr val="000000"/>
+                </a:solidFill>
+                <a:highlight>
+                  <a:srgbClr val="FFFFFF"/>
+                </a:highlight>
+                <a:latin typeface="Consolas"/>
+                <a:ea typeface="Source Code Pro"/>
+                <a:cs typeface="Consolas"/>
+                <a:sym typeface="Source Code Pro"/>
+              </a:rPr>
+              <a:t> </a:t>
+            </a:r>
+            <a:r>
+              <a:rPr lang="en" sz="1400" dirty="0" smtClean="0">
+                <a:solidFill>
+                  <a:srgbClr val="FF0000"/>
+                </a:solidFill>
+                <a:highlight>
+                  <a:srgbClr val="FFFFFF"/>
+                </a:highlight>
+                <a:latin typeface="Consolas"/>
+                <a:ea typeface="Source Code Pro"/>
+                <a:cs typeface="Consolas"/>
+                <a:sym typeface="Source Code Pro"/>
+              </a:rPr>
+              <a:t>3</a:t>
+            </a:r>
+            <a:r>
+              <a:rPr lang="en" sz="1400" dirty="0" smtClean="0">
+                <a:solidFill>
+                  <a:srgbClr val="000000"/>
+                </a:solidFill>
+                <a:highlight>
+                  <a:srgbClr val="FFFFFF"/>
+                </a:highlight>
+                <a:latin typeface="Consolas"/>
+                <a:ea typeface="Source Code Pro"/>
+                <a:cs typeface="Consolas"/>
+                <a:sym typeface="Source Code Pro"/>
+              </a:rPr>
+              <a:t>:</a:t>
+            </a:r>
+            <a:endParaRPr lang="en-US" sz="1400" dirty="0" smtClean="0">
+              <a:solidFill>
+                <a:srgbClr val="000000"/>
+              </a:solidFill>
+              <a:highlight>
+                <a:srgbClr val="FFFFFF"/>
+              </a:highlight>
+              <a:latin typeface="Consolas"/>
+              <a:ea typeface="Source Code Pro"/>
+              <a:cs typeface="Consolas"/>
+              <a:sym typeface="Source Code Pro"/>
+            </a:endParaRPr>
           </a:p>
           <a:p>
             <a:pPr lvl="0">
@@ -14117,22 +14427,37 @@
               <a:buNone/>
             </a:pPr>
             <a:r>
-              <a:rPr lang="en" sz="900" dirty="0">
-                <a:solidFill>
-                  <a:srgbClr val="000000"/>
-                </a:solidFill>
-                <a:highlight>
-                  <a:srgbClr val="FFFFFF"/>
-                </a:highlight>
-                <a:latin typeface="Consolas"/>
-                <a:ea typeface="Source Code Pro"/>
-                <a:cs typeface="Consolas"/>
-                <a:sym typeface="Source Code Pro"/>
-              </a:rPr>
-              <a:t>    </a:t>
-            </a:r>
-            <a:r>
-              <a:rPr lang="en" sz="900" dirty="0">
+              <a:rPr lang="en-US" sz="1400" dirty="0">
+                <a:solidFill>
+                  <a:srgbClr val="000000"/>
+                </a:solidFill>
+                <a:highlight>
+                  <a:srgbClr val="FFFFFF"/>
+                </a:highlight>
+                <a:latin typeface="Consolas"/>
+                <a:ea typeface="Source Code Pro"/>
+                <a:cs typeface="Consolas"/>
+                <a:sym typeface="Source Code Pro"/>
+              </a:rPr>
+              <a:t> </a:t>
+            </a:r>
+            <a:r>
+              <a:rPr lang="en-US" sz="1400" dirty="0" smtClean="0">
+                <a:solidFill>
+                  <a:srgbClr val="000000"/>
+                </a:solidFill>
+                <a:highlight>
+                  <a:srgbClr val="FFFFFF"/>
+                </a:highlight>
+                <a:latin typeface="Consolas"/>
+                <a:ea typeface="Source Code Pro"/>
+                <a:cs typeface="Consolas"/>
+                <a:sym typeface="Source Code Pro"/>
+              </a:rPr>
+              <a:t>   </a:t>
+            </a:r>
+            <a:r>
+              <a:rPr lang="en" sz="1400" dirty="0" smtClean="0">
                 <a:solidFill>
                   <a:srgbClr val="0000CD"/>
                 </a:solidFill>
@@ -14147,7 +14472,7 @@
               <a:t>case</a:t>
             </a:r>
             <a:r>
-              <a:rPr lang="en" sz="900" dirty="0">
+              <a:rPr lang="en" sz="1400" dirty="0" smtClean="0">
                 <a:solidFill>
                   <a:srgbClr val="000000"/>
                 </a:solidFill>
@@ -14162,7 +14487,7 @@
               <a:t> </a:t>
             </a:r>
             <a:r>
-              <a:rPr lang="en" sz="900" dirty="0">
+              <a:rPr lang="en" sz="1400" dirty="0" smtClean="0">
                 <a:solidFill>
                   <a:srgbClr val="FF0000"/>
                 </a:solidFill>
@@ -14174,10 +14499,10 @@
                 <a:cs typeface="Consolas"/>
                 <a:sym typeface="Source Code Pro"/>
               </a:rPr>
-              <a:t>2</a:t>
-            </a:r>
-            <a:r>
-              <a:rPr lang="en" sz="900" dirty="0">
+              <a:t>4</a:t>
+            </a:r>
+            <a:r>
+              <a:rPr lang="en" sz="1400" dirty="0" smtClean="0">
                 <a:solidFill>
                   <a:srgbClr val="000000"/>
                 </a:solidFill>
@@ -14191,6 +14516,18 @@
               </a:rPr>
               <a:t>:</a:t>
             </a:r>
+            <a:endParaRPr lang="en-US" sz="1400" dirty="0" smtClean="0">
+              <a:solidFill>
+                <a:srgbClr val="000000"/>
+              </a:solidFill>
+              <a:highlight>
+                <a:srgbClr val="FFFFFF"/>
+              </a:highlight>
+              <a:latin typeface="Consolas"/>
+              <a:ea typeface="Source Code Pro"/>
+              <a:cs typeface="Consolas"/>
+              <a:sym typeface="Source Code Pro"/>
+            </a:endParaRPr>
           </a:p>
           <a:p>
             <a:pPr lvl="0">
@@ -14206,22 +14543,22 @@
               <a:buNone/>
             </a:pPr>
             <a:r>
-              <a:rPr lang="en" sz="900" dirty="0">
-                <a:solidFill>
-                  <a:srgbClr val="000000"/>
-                </a:solidFill>
-                <a:highlight>
-                  <a:srgbClr val="FFFFFF"/>
-                </a:highlight>
-                <a:latin typeface="Consolas"/>
-                <a:ea typeface="Source Code Pro"/>
-                <a:cs typeface="Consolas"/>
-                <a:sym typeface="Source Code Pro"/>
-              </a:rPr>
-              <a:t>    </a:t>
-            </a:r>
-            <a:r>
-              <a:rPr lang="en-US" sz="900" dirty="0" smtClean="0">
+              <a:rPr lang="en-US" sz="1400" dirty="0">
+                <a:solidFill>
+                  <a:srgbClr val="000000"/>
+                </a:solidFill>
+                <a:highlight>
+                  <a:srgbClr val="FFFFFF"/>
+                </a:highlight>
+                <a:latin typeface="Consolas"/>
+                <a:ea typeface="Source Code Pro"/>
+                <a:cs typeface="Consolas"/>
+                <a:sym typeface="Source Code Pro"/>
+              </a:rPr>
+              <a:t> </a:t>
+            </a:r>
+            <a:r>
+              <a:rPr lang="en-US" sz="1400" dirty="0" smtClean="0">
                 <a:solidFill>
                   <a:srgbClr val="000000"/>
                 </a:solidFill>
@@ -14236,65 +14573,77 @@
               <a:t>   </a:t>
             </a:r>
             <a:r>
-              <a:rPr lang="en" sz="900" dirty="0" smtClean="0">
-                <a:solidFill>
-                  <a:srgbClr val="000000"/>
-                </a:solidFill>
-                <a:highlight>
-                  <a:srgbClr val="FFFFFF"/>
-                </a:highlight>
-                <a:latin typeface="Consolas"/>
-                <a:ea typeface="Source Code Pro"/>
-                <a:cs typeface="Consolas"/>
-                <a:sym typeface="Source Code Pro"/>
-              </a:rPr>
-              <a:t>day </a:t>
-            </a:r>
-            <a:r>
-              <a:rPr lang="en" sz="900" dirty="0">
-                <a:solidFill>
-                  <a:srgbClr val="000000"/>
-                </a:solidFill>
-                <a:highlight>
-                  <a:srgbClr val="FFFFFF"/>
-                </a:highlight>
-                <a:latin typeface="Consolas"/>
-                <a:ea typeface="Source Code Pro"/>
-                <a:cs typeface="Consolas"/>
-                <a:sym typeface="Source Code Pro"/>
-              </a:rPr>
-              <a:t>= </a:t>
-            </a:r>
-            <a:r>
-              <a:rPr lang="en" sz="900" dirty="0">
-                <a:solidFill>
-                  <a:srgbClr val="A52A2A"/>
-                </a:solidFill>
-                <a:highlight>
-                  <a:srgbClr val="FFFFFF"/>
-                </a:highlight>
-                <a:latin typeface="Consolas"/>
-                <a:ea typeface="Source Code Pro"/>
-                <a:cs typeface="Consolas"/>
-                <a:sym typeface="Source Code Pro"/>
-              </a:rPr>
-              <a:t>"Tuesday"</a:t>
-            </a:r>
-            <a:r>
-              <a:rPr lang="en" sz="900" dirty="0">
-                <a:solidFill>
-                  <a:srgbClr val="000000"/>
-                </a:solidFill>
-                <a:highlight>
-                  <a:srgbClr val="FFFFFF"/>
-                </a:highlight>
-                <a:latin typeface="Consolas"/>
-                <a:ea typeface="Source Code Pro"/>
-                <a:cs typeface="Consolas"/>
-                <a:sym typeface="Source Code Pro"/>
-              </a:rPr>
-              <a:t>;</a:t>
-            </a:r>
+              <a:rPr lang="en" sz="1400" dirty="0" smtClean="0">
+                <a:solidFill>
+                  <a:srgbClr val="0000CD"/>
+                </a:solidFill>
+                <a:highlight>
+                  <a:srgbClr val="FFFFFF"/>
+                </a:highlight>
+                <a:latin typeface="Consolas"/>
+                <a:ea typeface="Source Code Pro"/>
+                <a:cs typeface="Consolas"/>
+                <a:sym typeface="Source Code Pro"/>
+              </a:rPr>
+              <a:t>case</a:t>
+            </a:r>
+            <a:r>
+              <a:rPr lang="en" sz="1400" dirty="0" smtClean="0">
+                <a:solidFill>
+                  <a:srgbClr val="000000"/>
+                </a:solidFill>
+                <a:highlight>
+                  <a:srgbClr val="FFFFFF"/>
+                </a:highlight>
+                <a:latin typeface="Consolas"/>
+                <a:ea typeface="Source Code Pro"/>
+                <a:cs typeface="Consolas"/>
+                <a:sym typeface="Source Code Pro"/>
+              </a:rPr>
+              <a:t> </a:t>
+            </a:r>
+            <a:r>
+              <a:rPr lang="en" sz="1400" dirty="0" smtClean="0">
+                <a:solidFill>
+                  <a:srgbClr val="FF0000"/>
+                </a:solidFill>
+                <a:highlight>
+                  <a:srgbClr val="FFFFFF"/>
+                </a:highlight>
+                <a:latin typeface="Consolas"/>
+                <a:ea typeface="Source Code Pro"/>
+                <a:cs typeface="Consolas"/>
+                <a:sym typeface="Source Code Pro"/>
+              </a:rPr>
+              <a:t>5</a:t>
+            </a:r>
+            <a:r>
+              <a:rPr lang="en" sz="1400" dirty="0" smtClean="0">
+                <a:solidFill>
+                  <a:srgbClr val="000000"/>
+                </a:solidFill>
+                <a:highlight>
+                  <a:srgbClr val="FFFFFF"/>
+                </a:highlight>
+                <a:latin typeface="Consolas"/>
+                <a:ea typeface="Source Code Pro"/>
+                <a:cs typeface="Consolas"/>
+                <a:sym typeface="Source Code Pro"/>
+              </a:rPr>
+              <a:t>:</a:t>
+            </a:r>
+            <a:endParaRPr lang="en-US" sz="1400" dirty="0" smtClean="0">
+              <a:solidFill>
+                <a:srgbClr val="000000"/>
+              </a:solidFill>
+              <a:highlight>
+                <a:srgbClr val="FFFFFF"/>
+              </a:highlight>
+              <a:latin typeface="Consolas"/>
+              <a:ea typeface="Source Code Pro"/>
+              <a:cs typeface="Consolas"/>
+              <a:sym typeface="Source Code Pro"/>
+            </a:endParaRPr>
           </a:p>
           <a:p>
             <a:pPr lvl="0">
@@ -14310,22 +14659,37 @@
               <a:buNone/>
             </a:pPr>
             <a:r>
-              <a:rPr lang="en" sz="900" dirty="0">
-                <a:solidFill>
-                  <a:srgbClr val="000000"/>
-                </a:solidFill>
-                <a:highlight>
-                  <a:srgbClr val="FFFFFF"/>
-                </a:highlight>
-                <a:latin typeface="Consolas"/>
-                <a:ea typeface="Source Code Pro"/>
-                <a:cs typeface="Consolas"/>
-                <a:sym typeface="Source Code Pro"/>
-              </a:rPr>
-              <a:t>       </a:t>
-            </a:r>
-            <a:r>
-              <a:rPr lang="en" sz="900" dirty="0">
+              <a:rPr lang="en-US" sz="1400" dirty="0">
+                <a:solidFill>
+                  <a:srgbClr val="000000"/>
+                </a:solidFill>
+                <a:highlight>
+                  <a:srgbClr val="FFFFFF"/>
+                </a:highlight>
+                <a:latin typeface="Consolas"/>
+                <a:ea typeface="Source Code Pro"/>
+                <a:cs typeface="Consolas"/>
+                <a:sym typeface="Source Code Pro"/>
+              </a:rPr>
+              <a:t> </a:t>
+            </a:r>
+            <a:r>
+              <a:rPr lang="en-US" sz="1400" dirty="0" smtClean="0">
+                <a:solidFill>
+                  <a:srgbClr val="000000"/>
+                </a:solidFill>
+                <a:highlight>
+                  <a:srgbClr val="FFFFFF"/>
+                </a:highlight>
+                <a:latin typeface="Consolas"/>
+                <a:ea typeface="Source Code Pro"/>
+                <a:cs typeface="Consolas"/>
+                <a:sym typeface="Source Code Pro"/>
+              </a:rPr>
+              <a:t>   </a:t>
+            </a:r>
+            <a:r>
+              <a:rPr lang="en" sz="1400" dirty="0" smtClean="0">
                 <a:solidFill>
                   <a:srgbClr val="0000CD"/>
                 </a:solidFill>
@@ -14337,10 +14701,137 @@
                 <a:cs typeface="Consolas"/>
                 <a:sym typeface="Source Code Pro"/>
               </a:rPr>
-              <a:t>break</a:t>
-            </a:r>
-            <a:r>
-              <a:rPr lang="en" sz="900" dirty="0">
+              <a:t>case</a:t>
+            </a:r>
+            <a:r>
+              <a:rPr lang="en" sz="1400" dirty="0" smtClean="0">
+                <a:solidFill>
+                  <a:srgbClr val="000000"/>
+                </a:solidFill>
+                <a:highlight>
+                  <a:srgbClr val="FFFFFF"/>
+                </a:highlight>
+                <a:latin typeface="Consolas"/>
+                <a:ea typeface="Source Code Pro"/>
+                <a:cs typeface="Consolas"/>
+                <a:sym typeface="Source Code Pro"/>
+              </a:rPr>
+              <a:t> </a:t>
+            </a:r>
+            <a:r>
+              <a:rPr lang="en" sz="1400" dirty="0" smtClean="0">
+                <a:solidFill>
+                  <a:srgbClr val="FF0000"/>
+                </a:solidFill>
+                <a:highlight>
+                  <a:srgbClr val="FFFFFF"/>
+                </a:highlight>
+                <a:latin typeface="Consolas"/>
+                <a:ea typeface="Source Code Pro"/>
+                <a:cs typeface="Consolas"/>
+                <a:sym typeface="Source Code Pro"/>
+              </a:rPr>
+              <a:t>6</a:t>
+            </a:r>
+            <a:r>
+              <a:rPr lang="en" sz="1400" dirty="0" smtClean="0">
+                <a:solidFill>
+                  <a:srgbClr val="000000"/>
+                </a:solidFill>
+                <a:highlight>
+                  <a:srgbClr val="FFFFFF"/>
+                </a:highlight>
+                <a:latin typeface="Consolas"/>
+                <a:ea typeface="Source Code Pro"/>
+                <a:cs typeface="Consolas"/>
+                <a:sym typeface="Source Code Pro"/>
+              </a:rPr>
+              <a:t>:</a:t>
+            </a:r>
+            <a:endParaRPr lang="en-US" sz="1400" dirty="0" smtClean="0">
+              <a:solidFill>
+                <a:srgbClr val="000000"/>
+              </a:solidFill>
+              <a:highlight>
+                <a:srgbClr val="FFFFFF"/>
+              </a:highlight>
+              <a:latin typeface="Consolas"/>
+              <a:ea typeface="Source Code Pro"/>
+              <a:cs typeface="Consolas"/>
+              <a:sym typeface="Source Code Pro"/>
+            </a:endParaRPr>
+          </a:p>
+          <a:p>
+            <a:pPr>
+              <a:lnSpc>
+                <a:spcPct val="100000"/>
+              </a:lnSpc>
+              <a:spcAft>
+                <a:spcPts val="0"/>
+              </a:spcAft>
+            </a:pPr>
+            <a:r>
+              <a:rPr lang="en-US" sz="1400" dirty="0">
+                <a:solidFill>
+                  <a:srgbClr val="000000"/>
+                </a:solidFill>
+                <a:highlight>
+                  <a:srgbClr val="FFFFFF"/>
+                </a:highlight>
+                <a:latin typeface="Consolas"/>
+                <a:ea typeface="Source Code Pro"/>
+                <a:cs typeface="Consolas"/>
+                <a:sym typeface="Source Code Pro"/>
+              </a:rPr>
+              <a:t> </a:t>
+            </a:r>
+            <a:r>
+              <a:rPr lang="en-US" sz="1400" dirty="0" smtClean="0">
+                <a:solidFill>
+                  <a:srgbClr val="000000"/>
+                </a:solidFill>
+                <a:highlight>
+                  <a:srgbClr val="FFFFFF"/>
+                </a:highlight>
+                <a:latin typeface="Consolas"/>
+                <a:ea typeface="Source Code Pro"/>
+                <a:cs typeface="Consolas"/>
+                <a:sym typeface="Source Code Pro"/>
+              </a:rPr>
+              <a:t>      </a:t>
+            </a:r>
+            <a:r>
+              <a:rPr lang="en" sz="1400" dirty="0">
+                <a:solidFill>
+                  <a:srgbClr val="000000"/>
+                </a:solidFill>
+                <a:highlight>
+                  <a:srgbClr val="FFFFFF"/>
+                </a:highlight>
+                <a:latin typeface="Consolas"/>
+                <a:ea typeface="Source Code Pro"/>
+                <a:cs typeface="Consolas"/>
+                <a:sym typeface="Source Code Pro"/>
+              </a:rPr>
+              <a:t>day = </a:t>
+            </a:r>
+            <a:r>
+              <a:rPr lang="en-US" sz="1400" dirty="0" smtClean="0">
+                <a:solidFill>
+                  <a:srgbClr val="A52A2A"/>
+                </a:solidFill>
+                <a:highlight>
+                  <a:srgbClr val="FFFFFF"/>
+                </a:highlight>
+                <a:latin typeface="Consolas"/>
+                <a:ea typeface="Source Code Pro"/>
+                <a:cs typeface="Consolas"/>
+                <a:sym typeface="Source Code Pro"/>
+              </a:rPr>
+              <a:t>“Not Sunday”</a:t>
+            </a:r>
+            <a:r>
+              <a:rPr lang="en" sz="1400" dirty="0" smtClean="0">
                 <a:solidFill>
                   <a:srgbClr val="000000"/>
                 </a:solidFill>
@@ -14354,37 +14845,60 @@
               </a:rPr>
               <a:t>;</a:t>
             </a:r>
+            <a:endParaRPr lang="en" sz="1400" dirty="0">
+              <a:solidFill>
+                <a:srgbClr val="000000"/>
+              </a:solidFill>
+              <a:highlight>
+                <a:srgbClr val="FFFFFF"/>
+              </a:highlight>
+              <a:latin typeface="Consolas"/>
+              <a:ea typeface="Source Code Pro"/>
+              <a:cs typeface="Consolas"/>
+              <a:sym typeface="Source Code Pro"/>
+            </a:endParaRPr>
           </a:p>
           <a:p>
             <a:pPr lvl="0">
               <a:lnSpc>
                 <a:spcPct val="100000"/>
               </a:lnSpc>
-              <a:spcBef>
-                <a:spcPts val="0"/>
-              </a:spcBef>
               <a:spcAft>
                 <a:spcPts val="0"/>
               </a:spcAft>
-              <a:buNone/>
-            </a:pPr>
-            <a:r>
-              <a:rPr lang="en" sz="900" dirty="0">
-                <a:solidFill>
-                  <a:srgbClr val="000000"/>
-                </a:solidFill>
-                <a:highlight>
-                  <a:srgbClr val="FFFFFF"/>
-                </a:highlight>
-                <a:latin typeface="Consolas"/>
-                <a:ea typeface="Source Code Pro"/>
-                <a:cs typeface="Consolas"/>
-                <a:sym typeface="Source Code Pro"/>
-              </a:rPr>
-              <a:t>    </a:t>
-            </a:r>
-            <a:r>
-              <a:rPr lang="en" sz="900" dirty="0">
+            </a:pPr>
+            <a:r>
+              <a:rPr lang="en-US" sz="1400" dirty="0">
+                <a:solidFill>
+                  <a:srgbClr val="000000"/>
+                </a:solidFill>
+                <a:highlight>
+                  <a:srgbClr val="FFFFFF"/>
+                </a:highlight>
+                <a:latin typeface="Consolas"/>
+                <a:ea typeface="Source Code Pro"/>
+                <a:cs typeface="Consolas"/>
+                <a:sym typeface="Source Code Pro"/>
+              </a:rPr>
+              <a:t> </a:t>
+            </a:r>
+            <a:r>
+              <a:rPr lang="en-US" sz="1400" dirty="0" smtClean="0">
+                <a:solidFill>
+                  <a:srgbClr val="000000"/>
+                </a:solidFill>
+                <a:highlight>
+                  <a:srgbClr val="FFFFFF"/>
+                </a:highlight>
+                <a:latin typeface="Consolas"/>
+                <a:ea typeface="Source Code Pro"/>
+                <a:cs typeface="Consolas"/>
+                <a:sym typeface="Source Code Pro"/>
+              </a:rPr>
+              <a:t>      </a:t>
+            </a:r>
+            <a:r>
+              <a:rPr lang="en" sz="1400" dirty="0">
                 <a:solidFill>
                   <a:srgbClr val="0000CD"/>
                 </a:solidFill>
@@ -14396,53 +14910,35 @@
                 <a:cs typeface="Consolas"/>
                 <a:sym typeface="Source Code Pro"/>
               </a:rPr>
-              <a:t>case</a:t>
-            </a:r>
-            <a:r>
-              <a:rPr lang="en" sz="900" dirty="0">
-                <a:solidFill>
-                  <a:srgbClr val="000000"/>
-                </a:solidFill>
-                <a:highlight>
-                  <a:srgbClr val="FFFFFF"/>
-                </a:highlight>
-                <a:latin typeface="Consolas"/>
-                <a:ea typeface="Source Code Pro"/>
-                <a:cs typeface="Consolas"/>
-                <a:sym typeface="Source Code Pro"/>
-              </a:rPr>
-              <a:t> </a:t>
-            </a:r>
-            <a:r>
-              <a:rPr lang="en" sz="900" dirty="0">
-                <a:solidFill>
-                  <a:srgbClr val="FF0000"/>
-                </a:solidFill>
-                <a:highlight>
-                  <a:srgbClr val="FFFFFF"/>
-                </a:highlight>
-                <a:latin typeface="Consolas"/>
-                <a:ea typeface="Source Code Pro"/>
-                <a:cs typeface="Consolas"/>
-                <a:sym typeface="Source Code Pro"/>
-              </a:rPr>
-              <a:t>3</a:t>
-            </a:r>
-            <a:r>
-              <a:rPr lang="en" sz="900" dirty="0">
-                <a:solidFill>
-                  <a:srgbClr val="000000"/>
-                </a:solidFill>
-                <a:highlight>
-                  <a:srgbClr val="FFFFFF"/>
-                </a:highlight>
-                <a:latin typeface="Consolas"/>
-                <a:ea typeface="Source Code Pro"/>
-                <a:cs typeface="Consolas"/>
-                <a:sym typeface="Source Code Pro"/>
-              </a:rPr>
-              <a:t>:</a:t>
-            </a:r>
+              <a:t>break</a:t>
+            </a:r>
+            <a:r>
+              <a:rPr lang="en" sz="1400" dirty="0">
+                <a:solidFill>
+                  <a:srgbClr val="000000"/>
+                </a:solidFill>
+                <a:highlight>
+                  <a:srgbClr val="FFFFFF"/>
+                </a:highlight>
+                <a:latin typeface="Consolas"/>
+                <a:ea typeface="Source Code Pro"/>
+                <a:cs typeface="Consolas"/>
+                <a:sym typeface="Source Code Pro"/>
+              </a:rPr>
+              <a:t>;</a:t>
+            </a:r>
+            <a:endParaRPr lang="en-US" sz="1400" dirty="0" smtClean="0">
+              <a:solidFill>
+                <a:srgbClr val="000000"/>
+              </a:solidFill>
+              <a:highlight>
+                <a:srgbClr val="FFFFFF"/>
+              </a:highlight>
+              <a:latin typeface="Consolas"/>
+              <a:ea typeface="Source Code Pro"/>
+              <a:cs typeface="Consolas"/>
+              <a:sym typeface="Source Code Pro"/>
+            </a:endParaRPr>
           </a:p>
           <a:p>
             <a:pPr lvl="0">
@@ -14458,126 +14954,37 @@
               <a:buNone/>
             </a:pPr>
             <a:r>
-              <a:rPr lang="en" sz="900" dirty="0">
-                <a:solidFill>
-                  <a:srgbClr val="000000"/>
-                </a:solidFill>
-                <a:highlight>
-                  <a:srgbClr val="FFFFFF"/>
-                </a:highlight>
-                <a:latin typeface="Consolas"/>
-                <a:ea typeface="Source Code Pro"/>
-                <a:cs typeface="Consolas"/>
-                <a:sym typeface="Source Code Pro"/>
-              </a:rPr>
-              <a:t>    </a:t>
-            </a:r>
-            <a:r>
-              <a:rPr lang="en-US" sz="900" dirty="0" smtClean="0">
-                <a:solidFill>
-                  <a:srgbClr val="000000"/>
-                </a:solidFill>
-                <a:highlight>
-                  <a:srgbClr val="FFFFFF"/>
-                </a:highlight>
-                <a:latin typeface="Consolas"/>
-                <a:ea typeface="Source Code Pro"/>
-                <a:cs typeface="Consolas"/>
-                <a:sym typeface="Source Code Pro"/>
-              </a:rPr>
-              <a:t>   </a:t>
-            </a:r>
-            <a:r>
-              <a:rPr lang="en" sz="900" dirty="0" smtClean="0">
-                <a:solidFill>
-                  <a:srgbClr val="000000"/>
-                </a:solidFill>
-                <a:highlight>
-                  <a:srgbClr val="FFFFFF"/>
-                </a:highlight>
-                <a:latin typeface="Consolas"/>
-                <a:ea typeface="Source Code Pro"/>
-                <a:cs typeface="Consolas"/>
-                <a:sym typeface="Source Code Pro"/>
-              </a:rPr>
-              <a:t>day </a:t>
-            </a:r>
-            <a:r>
-              <a:rPr lang="en" sz="900" dirty="0">
-                <a:solidFill>
-                  <a:srgbClr val="000000"/>
-                </a:solidFill>
-                <a:highlight>
-                  <a:srgbClr val="FFFFFF"/>
-                </a:highlight>
-                <a:latin typeface="Consolas"/>
-                <a:ea typeface="Source Code Pro"/>
-                <a:cs typeface="Consolas"/>
-                <a:sym typeface="Source Code Pro"/>
-              </a:rPr>
-              <a:t>= </a:t>
-            </a:r>
-            <a:r>
-              <a:rPr lang="en" sz="900" dirty="0">
-                <a:solidFill>
-                  <a:srgbClr val="A52A2A"/>
-                </a:solidFill>
-                <a:highlight>
-                  <a:srgbClr val="FFFFFF"/>
-                </a:highlight>
-                <a:latin typeface="Consolas"/>
-                <a:ea typeface="Source Code Pro"/>
-                <a:cs typeface="Consolas"/>
-                <a:sym typeface="Source Code Pro"/>
-              </a:rPr>
-              <a:t>"Wednesday"</a:t>
-            </a:r>
-            <a:r>
-              <a:rPr lang="en" sz="900" dirty="0">
-                <a:solidFill>
-                  <a:srgbClr val="000000"/>
-                </a:solidFill>
-                <a:highlight>
-                  <a:srgbClr val="FFFFFF"/>
-                </a:highlight>
-                <a:latin typeface="Consolas"/>
-                <a:ea typeface="Source Code Pro"/>
-                <a:cs typeface="Consolas"/>
-                <a:sym typeface="Source Code Pro"/>
-              </a:rPr>
-              <a:t>;</a:t>
-            </a:r>
-          </a:p>
-          <a:p>
-            <a:pPr lvl="0">
-              <a:lnSpc>
-                <a:spcPct val="100000"/>
-              </a:lnSpc>
-              <a:spcBef>
-                <a:spcPts val="0"/>
-              </a:spcBef>
-              <a:spcAft>
-                <a:spcPts val="0"/>
-              </a:spcAft>
-              <a:buNone/>
-            </a:pPr>
-            <a:r>
-              <a:rPr lang="en" sz="900" dirty="0">
-                <a:solidFill>
-                  <a:srgbClr val="000000"/>
-                </a:solidFill>
-                <a:highlight>
-                  <a:srgbClr val="FFFFFF"/>
-                </a:highlight>
-                <a:latin typeface="Consolas"/>
-                <a:ea typeface="Source Code Pro"/>
-                <a:cs typeface="Consolas"/>
-                <a:sym typeface="Source Code Pro"/>
-              </a:rPr>
-              <a:t>       </a:t>
-            </a:r>
-            <a:r>
-              <a:rPr lang="en" sz="900" dirty="0">
+              <a:rPr lang="en-US" sz="1400" dirty="0">
+                <a:solidFill>
+                  <a:srgbClr val="000000"/>
+                </a:solidFill>
+                <a:highlight>
+                  <a:srgbClr val="FFFFFF"/>
+                </a:highlight>
+                <a:latin typeface="Consolas"/>
+                <a:ea typeface="Source Code Pro"/>
+                <a:cs typeface="Consolas"/>
+                <a:sym typeface="Source Code Pro"/>
+              </a:rPr>
+              <a:t> </a:t>
+            </a:r>
+            <a:r>
+              <a:rPr lang="en-US" sz="1400" dirty="0" smtClean="0">
+                <a:solidFill>
+                  <a:srgbClr val="000000"/>
+                </a:solidFill>
+                <a:highlight>
+                  <a:srgbClr val="FFFFFF"/>
+                </a:highlight>
+                <a:latin typeface="Consolas"/>
+                <a:ea typeface="Source Code Pro"/>
+                <a:cs typeface="Consolas"/>
+                <a:sym typeface="Source Code Pro"/>
+              </a:rPr>
+              <a:t>  </a:t>
+            </a:r>
+            <a:r>
+              <a:rPr lang="en" sz="1400" dirty="0" smtClean="0">
                 <a:solidFill>
                   <a:srgbClr val="0000CD"/>
                 </a:solidFill>
@@ -14589,71 +14996,57 @@
                 <a:cs typeface="Consolas"/>
                 <a:sym typeface="Source Code Pro"/>
               </a:rPr>
-              <a:t>break</a:t>
-            </a:r>
-            <a:r>
-              <a:rPr lang="en" sz="900" dirty="0">
-                <a:solidFill>
-                  <a:srgbClr val="000000"/>
-                </a:solidFill>
-                <a:highlight>
-                  <a:srgbClr val="FFFFFF"/>
-                </a:highlight>
-                <a:latin typeface="Consolas"/>
-                <a:ea typeface="Source Code Pro"/>
-                <a:cs typeface="Consolas"/>
-                <a:sym typeface="Source Code Pro"/>
-              </a:rPr>
-              <a:t>;</a:t>
-            </a:r>
-          </a:p>
-          <a:p>
-            <a:pPr lvl="0">
-              <a:lnSpc>
-                <a:spcPct val="100000"/>
-              </a:lnSpc>
-              <a:spcBef>
-                <a:spcPts val="0"/>
-              </a:spcBef>
-              <a:spcAft>
-                <a:spcPts val="0"/>
-              </a:spcAft>
-              <a:buNone/>
-            </a:pPr>
-            <a:r>
-              <a:rPr lang="en" sz="900" dirty="0">
-                <a:solidFill>
-                  <a:srgbClr val="000000"/>
-                </a:solidFill>
-                <a:highlight>
-                  <a:srgbClr val="FFFFFF"/>
-                </a:highlight>
-                <a:latin typeface="Consolas"/>
-                <a:ea typeface="Source Code Pro"/>
-                <a:cs typeface="Consolas"/>
-                <a:sym typeface="Source Code Pro"/>
-              </a:rPr>
-              <a:t>    </a:t>
-            </a:r>
-            <a:r>
-              <a:rPr lang="en" sz="900" dirty="0">
-                <a:solidFill>
-                  <a:srgbClr val="0000CD"/>
-                </a:solidFill>
-                <a:highlight>
-                  <a:srgbClr val="FFFFFF"/>
-                </a:highlight>
-                <a:latin typeface="Consolas"/>
-                <a:ea typeface="Source Code Pro"/>
-                <a:cs typeface="Consolas"/>
-                <a:sym typeface="Source Code Pro"/>
-              </a:rPr>
-              <a:t>case</a:t>
-            </a:r>
-            <a:r>
-              <a:rPr lang="en" sz="900" dirty="0">
-                <a:solidFill>
-                  <a:srgbClr val="000000"/>
+              <a:t>default</a:t>
+            </a:r>
+            <a:r>
+              <a:rPr lang="en" sz="1400" dirty="0">
+                <a:solidFill>
+                  <a:srgbClr val="000000"/>
+                </a:solidFill>
+                <a:highlight>
+                  <a:srgbClr val="FFFFFF"/>
+                </a:highlight>
+                <a:latin typeface="Consolas"/>
+                <a:ea typeface="Source Code Pro"/>
+                <a:cs typeface="Consolas"/>
+                <a:sym typeface="Source Code Pro"/>
+              </a:rPr>
+              <a:t>: 	</a:t>
+            </a:r>
+            <a:r>
+              <a:rPr lang="en-US" sz="1400" dirty="0" smtClean="0">
+                <a:solidFill>
+                  <a:srgbClr val="000000"/>
+                </a:solidFill>
+                <a:highlight>
+                  <a:srgbClr val="FFFFFF"/>
+                </a:highlight>
+                <a:latin typeface="Consolas"/>
+                <a:ea typeface="Source Code Pro"/>
+                <a:cs typeface="Consolas"/>
+                <a:sym typeface="Source Code Pro"/>
+              </a:rPr>
+              <a:t>	   </a:t>
+            </a:r>
+            <a:r>
+              <a:rPr lang="en" sz="1400" dirty="0" smtClean="0">
+                <a:solidFill>
+                  <a:srgbClr val="999999"/>
+                </a:solidFill>
+                <a:highlight>
+                  <a:srgbClr val="FFFFFF"/>
+                </a:highlight>
+                <a:latin typeface="Consolas"/>
+                <a:ea typeface="Source Code Pro"/>
+                <a:cs typeface="Consolas"/>
+                <a:sym typeface="Source Code Pro"/>
+              </a:rPr>
+              <a:t>//</a:t>
+            </a:r>
+            <a:r>
+              <a:rPr lang="en-US" sz="1400" dirty="0" smtClean="0">
+                <a:solidFill>
+                  <a:srgbClr val="999999"/>
                 </a:solidFill>
                 <a:highlight>
                   <a:srgbClr val="FFFFFF"/>
@@ -14666,538 +15059,34 @@
               <a:t> </a:t>
             </a:r>
             <a:r>
-              <a:rPr lang="en" sz="900" dirty="0">
-                <a:solidFill>
-                  <a:srgbClr val="FF0000"/>
-                </a:solidFill>
-                <a:highlight>
-                  <a:srgbClr val="FFFFFF"/>
-                </a:highlight>
-                <a:latin typeface="Consolas"/>
-                <a:ea typeface="Source Code Pro"/>
-                <a:cs typeface="Consolas"/>
-                <a:sym typeface="Source Code Pro"/>
-              </a:rPr>
-              <a:t>4</a:t>
-            </a:r>
-            <a:r>
-              <a:rPr lang="en" sz="900" dirty="0">
-                <a:solidFill>
-                  <a:srgbClr val="000000"/>
-                </a:solidFill>
-                <a:highlight>
-                  <a:srgbClr val="FFFFFF"/>
-                </a:highlight>
-                <a:latin typeface="Consolas"/>
-                <a:ea typeface="Source Code Pro"/>
-                <a:cs typeface="Consolas"/>
-                <a:sym typeface="Source Code Pro"/>
-              </a:rPr>
-              <a:t>:</a:t>
-            </a:r>
-          </a:p>
-          <a:p>
-            <a:pPr lvl="0">
-              <a:lnSpc>
-                <a:spcPct val="100000"/>
-              </a:lnSpc>
-              <a:spcBef>
-                <a:spcPts val="0"/>
-              </a:spcBef>
-              <a:spcAft>
-                <a:spcPts val="0"/>
-              </a:spcAft>
-              <a:buNone/>
-            </a:pPr>
-            <a:r>
-              <a:rPr lang="en" sz="900" dirty="0">
-                <a:solidFill>
-                  <a:srgbClr val="000000"/>
-                </a:solidFill>
-                <a:highlight>
-                  <a:srgbClr val="FFFFFF"/>
-                </a:highlight>
-                <a:latin typeface="Consolas"/>
-                <a:ea typeface="Source Code Pro"/>
-                <a:cs typeface="Consolas"/>
-                <a:sym typeface="Source Code Pro"/>
-              </a:rPr>
-              <a:t>    </a:t>
-            </a:r>
-            <a:r>
-              <a:rPr lang="en-US" sz="900" dirty="0" smtClean="0">
-                <a:solidFill>
-                  <a:srgbClr val="000000"/>
-                </a:solidFill>
-                <a:highlight>
-                  <a:srgbClr val="FFFFFF"/>
-                </a:highlight>
-                <a:latin typeface="Consolas"/>
-                <a:ea typeface="Source Code Pro"/>
-                <a:cs typeface="Consolas"/>
-                <a:sym typeface="Source Code Pro"/>
-              </a:rPr>
-              <a:t>   </a:t>
-            </a:r>
-            <a:r>
-              <a:rPr lang="en" sz="900" dirty="0" smtClean="0">
-                <a:solidFill>
-                  <a:srgbClr val="000000"/>
-                </a:solidFill>
-                <a:highlight>
-                  <a:srgbClr val="FFFFFF"/>
-                </a:highlight>
-                <a:latin typeface="Consolas"/>
-                <a:ea typeface="Source Code Pro"/>
-                <a:cs typeface="Consolas"/>
-                <a:sym typeface="Source Code Pro"/>
-              </a:rPr>
-              <a:t>day </a:t>
-            </a:r>
-            <a:r>
-              <a:rPr lang="en" sz="900" dirty="0">
-                <a:solidFill>
-                  <a:srgbClr val="000000"/>
-                </a:solidFill>
-                <a:highlight>
-                  <a:srgbClr val="FFFFFF"/>
-                </a:highlight>
-                <a:latin typeface="Consolas"/>
-                <a:ea typeface="Source Code Pro"/>
-                <a:cs typeface="Consolas"/>
-                <a:sym typeface="Source Code Pro"/>
-              </a:rPr>
-              <a:t>= </a:t>
-            </a:r>
-            <a:r>
-              <a:rPr lang="en" sz="900" dirty="0">
-                <a:solidFill>
-                  <a:srgbClr val="A52A2A"/>
-                </a:solidFill>
-                <a:highlight>
-                  <a:srgbClr val="FFFFFF"/>
-                </a:highlight>
-                <a:latin typeface="Consolas"/>
-                <a:ea typeface="Source Code Pro"/>
-                <a:cs typeface="Consolas"/>
-                <a:sym typeface="Source Code Pro"/>
-              </a:rPr>
-              <a:t>"Thursday"</a:t>
-            </a:r>
-            <a:r>
-              <a:rPr lang="en" sz="900" dirty="0">
-                <a:solidFill>
-                  <a:srgbClr val="000000"/>
-                </a:solidFill>
-                <a:highlight>
-                  <a:srgbClr val="FFFFFF"/>
-                </a:highlight>
-                <a:latin typeface="Consolas"/>
-                <a:ea typeface="Source Code Pro"/>
-                <a:cs typeface="Consolas"/>
-                <a:sym typeface="Source Code Pro"/>
-              </a:rPr>
-              <a:t>;</a:t>
-            </a:r>
-          </a:p>
-          <a:p>
-            <a:pPr lvl="0">
-              <a:lnSpc>
-                <a:spcPct val="100000"/>
-              </a:lnSpc>
-              <a:spcBef>
-                <a:spcPts val="0"/>
-              </a:spcBef>
-              <a:spcAft>
-                <a:spcPts val="0"/>
-              </a:spcAft>
-              <a:buNone/>
-            </a:pPr>
-            <a:r>
-              <a:rPr lang="en" sz="900" dirty="0">
-                <a:solidFill>
-                  <a:srgbClr val="000000"/>
-                </a:solidFill>
-                <a:highlight>
-                  <a:srgbClr val="FFFFFF"/>
-                </a:highlight>
-                <a:latin typeface="Consolas"/>
-                <a:ea typeface="Source Code Pro"/>
-                <a:cs typeface="Consolas"/>
-                <a:sym typeface="Source Code Pro"/>
-              </a:rPr>
-              <a:t>       </a:t>
-            </a:r>
-            <a:r>
-              <a:rPr lang="en" sz="900" dirty="0">
-                <a:solidFill>
-                  <a:srgbClr val="0000CD"/>
-                </a:solidFill>
-                <a:highlight>
-                  <a:srgbClr val="FFFFFF"/>
-                </a:highlight>
-                <a:latin typeface="Consolas"/>
-                <a:ea typeface="Source Code Pro"/>
-                <a:cs typeface="Consolas"/>
-                <a:sym typeface="Source Code Pro"/>
-              </a:rPr>
-              <a:t>break</a:t>
-            </a:r>
-            <a:r>
-              <a:rPr lang="en" sz="900" dirty="0">
-                <a:solidFill>
-                  <a:srgbClr val="000000"/>
-                </a:solidFill>
-                <a:highlight>
-                  <a:srgbClr val="FFFFFF"/>
-                </a:highlight>
-                <a:latin typeface="Consolas"/>
-                <a:ea typeface="Source Code Pro"/>
-                <a:cs typeface="Consolas"/>
-                <a:sym typeface="Source Code Pro"/>
-              </a:rPr>
-              <a:t>;</a:t>
-            </a:r>
-          </a:p>
-          <a:p>
-            <a:pPr lvl="0">
-              <a:lnSpc>
-                <a:spcPct val="100000"/>
-              </a:lnSpc>
-              <a:spcBef>
-                <a:spcPts val="0"/>
-              </a:spcBef>
-              <a:spcAft>
-                <a:spcPts val="0"/>
-              </a:spcAft>
-              <a:buNone/>
-            </a:pPr>
-            <a:r>
-              <a:rPr lang="en" sz="900" dirty="0">
-                <a:solidFill>
-                  <a:srgbClr val="000000"/>
-                </a:solidFill>
-                <a:highlight>
-                  <a:srgbClr val="FFFFFF"/>
-                </a:highlight>
-                <a:latin typeface="Consolas"/>
-                <a:ea typeface="Source Code Pro"/>
-                <a:cs typeface="Consolas"/>
-                <a:sym typeface="Source Code Pro"/>
-              </a:rPr>
-              <a:t>    </a:t>
-            </a:r>
-            <a:r>
-              <a:rPr lang="en" sz="900" dirty="0">
-                <a:solidFill>
-                  <a:srgbClr val="0000CD"/>
-                </a:solidFill>
-                <a:highlight>
-                  <a:srgbClr val="FFFFFF"/>
-                </a:highlight>
-                <a:latin typeface="Consolas"/>
-                <a:ea typeface="Source Code Pro"/>
-                <a:cs typeface="Consolas"/>
-                <a:sym typeface="Source Code Pro"/>
-              </a:rPr>
-              <a:t>case</a:t>
-            </a:r>
-            <a:r>
-              <a:rPr lang="en" sz="900" dirty="0">
-                <a:solidFill>
-                  <a:srgbClr val="000000"/>
-                </a:solidFill>
-                <a:highlight>
-                  <a:srgbClr val="FFFFFF"/>
-                </a:highlight>
-                <a:latin typeface="Consolas"/>
-                <a:ea typeface="Source Code Pro"/>
-                <a:cs typeface="Consolas"/>
-                <a:sym typeface="Source Code Pro"/>
-              </a:rPr>
-              <a:t> </a:t>
-            </a:r>
-            <a:r>
-              <a:rPr lang="en" sz="900" dirty="0">
-                <a:solidFill>
-                  <a:srgbClr val="FF0000"/>
-                </a:solidFill>
-                <a:highlight>
-                  <a:srgbClr val="FFFFFF"/>
-                </a:highlight>
-                <a:latin typeface="Consolas"/>
-                <a:ea typeface="Source Code Pro"/>
-                <a:cs typeface="Consolas"/>
-                <a:sym typeface="Source Code Pro"/>
-              </a:rPr>
-              <a:t>5</a:t>
-            </a:r>
-            <a:r>
-              <a:rPr lang="en" sz="900" dirty="0">
-                <a:solidFill>
-                  <a:srgbClr val="000000"/>
-                </a:solidFill>
-                <a:highlight>
-                  <a:srgbClr val="FFFFFF"/>
-                </a:highlight>
-                <a:latin typeface="Consolas"/>
-                <a:ea typeface="Source Code Pro"/>
-                <a:cs typeface="Consolas"/>
-                <a:sym typeface="Source Code Pro"/>
-              </a:rPr>
-              <a:t>:</a:t>
-            </a:r>
-          </a:p>
-          <a:p>
-            <a:pPr lvl="0">
-              <a:lnSpc>
-                <a:spcPct val="100000"/>
-              </a:lnSpc>
-              <a:spcBef>
-                <a:spcPts val="0"/>
-              </a:spcBef>
-              <a:spcAft>
-                <a:spcPts val="0"/>
-              </a:spcAft>
-              <a:buNone/>
-            </a:pPr>
-            <a:r>
-              <a:rPr lang="en" sz="900" dirty="0">
-                <a:solidFill>
-                  <a:srgbClr val="000000"/>
-                </a:solidFill>
-                <a:highlight>
-                  <a:srgbClr val="FFFFFF"/>
-                </a:highlight>
-                <a:latin typeface="Consolas"/>
-                <a:ea typeface="Source Code Pro"/>
-                <a:cs typeface="Consolas"/>
-                <a:sym typeface="Source Code Pro"/>
-              </a:rPr>
-              <a:t>    </a:t>
-            </a:r>
-            <a:r>
-              <a:rPr lang="en-US" sz="900" dirty="0" smtClean="0">
-                <a:solidFill>
-                  <a:srgbClr val="000000"/>
-                </a:solidFill>
-                <a:highlight>
-                  <a:srgbClr val="FFFFFF"/>
-                </a:highlight>
-                <a:latin typeface="Consolas"/>
-                <a:ea typeface="Source Code Pro"/>
-                <a:cs typeface="Consolas"/>
-                <a:sym typeface="Source Code Pro"/>
-              </a:rPr>
-              <a:t>   </a:t>
-            </a:r>
-            <a:r>
-              <a:rPr lang="en" sz="900" dirty="0" smtClean="0">
-                <a:solidFill>
-                  <a:srgbClr val="000000"/>
-                </a:solidFill>
-                <a:highlight>
-                  <a:srgbClr val="FFFFFF"/>
-                </a:highlight>
-                <a:latin typeface="Consolas"/>
-                <a:ea typeface="Source Code Pro"/>
-                <a:cs typeface="Consolas"/>
-                <a:sym typeface="Source Code Pro"/>
-              </a:rPr>
-              <a:t>day </a:t>
-            </a:r>
-            <a:r>
-              <a:rPr lang="en" sz="900" dirty="0">
-                <a:solidFill>
-                  <a:srgbClr val="000000"/>
-                </a:solidFill>
-                <a:highlight>
-                  <a:srgbClr val="FFFFFF"/>
-                </a:highlight>
-                <a:latin typeface="Consolas"/>
-                <a:ea typeface="Source Code Pro"/>
-                <a:cs typeface="Consolas"/>
-                <a:sym typeface="Source Code Pro"/>
-              </a:rPr>
-              <a:t>= </a:t>
-            </a:r>
-            <a:r>
-              <a:rPr lang="en" sz="900" dirty="0">
-                <a:solidFill>
-                  <a:srgbClr val="A52A2A"/>
-                </a:solidFill>
-                <a:highlight>
-                  <a:srgbClr val="FFFFFF"/>
-                </a:highlight>
-                <a:latin typeface="Consolas"/>
-                <a:ea typeface="Source Code Pro"/>
-                <a:cs typeface="Consolas"/>
-                <a:sym typeface="Source Code Pro"/>
-              </a:rPr>
-              <a:t>"Friday"</a:t>
-            </a:r>
-            <a:r>
-              <a:rPr lang="en" sz="900" dirty="0">
-                <a:solidFill>
-                  <a:srgbClr val="000000"/>
-                </a:solidFill>
-                <a:highlight>
-                  <a:srgbClr val="FFFFFF"/>
-                </a:highlight>
-                <a:latin typeface="Consolas"/>
-                <a:ea typeface="Source Code Pro"/>
-                <a:cs typeface="Consolas"/>
-                <a:sym typeface="Source Code Pro"/>
-              </a:rPr>
-              <a:t>;</a:t>
-            </a:r>
-          </a:p>
-          <a:p>
-            <a:pPr lvl="0">
-              <a:lnSpc>
-                <a:spcPct val="100000"/>
-              </a:lnSpc>
-              <a:spcBef>
-                <a:spcPts val="0"/>
-              </a:spcBef>
-              <a:spcAft>
-                <a:spcPts val="0"/>
-              </a:spcAft>
-              <a:buNone/>
-            </a:pPr>
-            <a:r>
-              <a:rPr lang="en" sz="900" dirty="0">
-                <a:solidFill>
-                  <a:srgbClr val="000000"/>
-                </a:solidFill>
-                <a:highlight>
-                  <a:srgbClr val="FFFFFF"/>
-                </a:highlight>
-                <a:latin typeface="Consolas"/>
-                <a:ea typeface="Source Code Pro"/>
-                <a:cs typeface="Consolas"/>
-                <a:sym typeface="Source Code Pro"/>
-              </a:rPr>
-              <a:t>       </a:t>
-            </a:r>
-            <a:r>
-              <a:rPr lang="en" sz="900" dirty="0">
-                <a:solidFill>
-                  <a:srgbClr val="0000CD"/>
-                </a:solidFill>
-                <a:highlight>
-                  <a:srgbClr val="FFFFFF"/>
-                </a:highlight>
-                <a:latin typeface="Consolas"/>
-                <a:ea typeface="Source Code Pro"/>
-                <a:cs typeface="Consolas"/>
-                <a:sym typeface="Source Code Pro"/>
-              </a:rPr>
-              <a:t>break</a:t>
-            </a:r>
-            <a:r>
-              <a:rPr lang="en" sz="900" dirty="0">
-                <a:solidFill>
-                  <a:srgbClr val="000000"/>
-                </a:solidFill>
-                <a:highlight>
-                  <a:srgbClr val="FFFFFF"/>
-                </a:highlight>
-                <a:latin typeface="Consolas"/>
-                <a:ea typeface="Source Code Pro"/>
-                <a:cs typeface="Consolas"/>
-                <a:sym typeface="Source Code Pro"/>
-              </a:rPr>
-              <a:t>;</a:t>
-            </a:r>
-          </a:p>
-          <a:p>
-            <a:pPr lvl="0">
-              <a:lnSpc>
-                <a:spcPct val="100000"/>
-              </a:lnSpc>
-              <a:spcBef>
-                <a:spcPts val="0"/>
-              </a:spcBef>
-              <a:spcAft>
-                <a:spcPts val="0"/>
-              </a:spcAft>
-              <a:buNone/>
-            </a:pPr>
-            <a:r>
-              <a:rPr lang="en" sz="900" dirty="0">
-                <a:solidFill>
-                  <a:srgbClr val="000000"/>
-                </a:solidFill>
-                <a:highlight>
-                  <a:srgbClr val="FFFFFF"/>
-                </a:highlight>
-                <a:latin typeface="Consolas"/>
-                <a:ea typeface="Source Code Pro"/>
-                <a:cs typeface="Consolas"/>
-                <a:sym typeface="Source Code Pro"/>
-              </a:rPr>
-              <a:t>    </a:t>
-            </a:r>
-            <a:r>
-              <a:rPr lang="en" sz="900" dirty="0">
-                <a:solidFill>
-                  <a:srgbClr val="0000CD"/>
-                </a:solidFill>
-                <a:highlight>
-                  <a:srgbClr val="FFFFFF"/>
-                </a:highlight>
-                <a:latin typeface="Consolas"/>
-                <a:ea typeface="Source Code Pro"/>
-                <a:cs typeface="Consolas"/>
-                <a:sym typeface="Source Code Pro"/>
-              </a:rPr>
-              <a:t>case</a:t>
-            </a:r>
-            <a:r>
-              <a:rPr lang="en" sz="900" dirty="0">
-                <a:solidFill>
-                  <a:srgbClr val="000000"/>
-                </a:solidFill>
-                <a:highlight>
-                  <a:srgbClr val="FFFFFF"/>
-                </a:highlight>
-                <a:latin typeface="Consolas"/>
-                <a:ea typeface="Source Code Pro"/>
-                <a:cs typeface="Consolas"/>
-                <a:sym typeface="Source Code Pro"/>
-              </a:rPr>
-              <a:t> </a:t>
-            </a:r>
-            <a:r>
-              <a:rPr lang="en" sz="900" dirty="0">
-                <a:solidFill>
-                  <a:srgbClr val="FF0000"/>
-                </a:solidFill>
-                <a:highlight>
-                  <a:srgbClr val="FFFFFF"/>
-                </a:highlight>
-                <a:latin typeface="Consolas"/>
-                <a:ea typeface="Source Code Pro"/>
-                <a:cs typeface="Consolas"/>
-                <a:sym typeface="Source Code Pro"/>
-              </a:rPr>
-              <a:t>6</a:t>
-            </a:r>
-            <a:r>
-              <a:rPr lang="en" sz="900" dirty="0">
-                <a:solidFill>
-                  <a:srgbClr val="000000"/>
-                </a:solidFill>
-                <a:highlight>
-                  <a:srgbClr val="FFFFFF"/>
-                </a:highlight>
-                <a:latin typeface="Consolas"/>
-                <a:ea typeface="Source Code Pro"/>
-                <a:cs typeface="Consolas"/>
-                <a:sym typeface="Source Code Pro"/>
-              </a:rPr>
-              <a:t>:</a:t>
+              <a:rPr lang="en" sz="1400" dirty="0" smtClean="0">
+                <a:solidFill>
+                  <a:srgbClr val="999999"/>
+                </a:solidFill>
+                <a:highlight>
+                  <a:srgbClr val="FFFFFF"/>
+                </a:highlight>
+                <a:latin typeface="Consolas"/>
+                <a:ea typeface="Source Code Pro"/>
+                <a:cs typeface="Consolas"/>
+                <a:sym typeface="Source Code Pro"/>
+              </a:rPr>
+              <a:t>if </a:t>
+            </a:r>
+            <a:r>
+              <a:rPr lang="en" sz="1400" dirty="0">
+                <a:solidFill>
+                  <a:srgbClr val="999999"/>
+                </a:solidFill>
+                <a:highlight>
+                  <a:srgbClr val="FFFFFF"/>
+                </a:highlight>
+                <a:latin typeface="Consolas"/>
+                <a:ea typeface="Source Code Pro"/>
+                <a:cs typeface="Consolas"/>
+                <a:sym typeface="Source Code Pro"/>
+              </a:rPr>
+              <a:t>you get a number not between 0-6, return this</a:t>
             </a:r>
           </a:p>
           <a:p>
@@ -15214,7 +15103,7 @@
               <a:buNone/>
             </a:pPr>
             <a:r>
-              <a:rPr lang="en" sz="900" dirty="0">
+              <a:rPr lang="en" sz="1400" dirty="0">
                 <a:solidFill>
                   <a:srgbClr val="000000"/>
                 </a:solidFill>
@@ -15229,7 +15118,7 @@
               <a:t>    </a:t>
             </a:r>
             <a:r>
-              <a:rPr lang="en-US" sz="900" dirty="0" smtClean="0">
+              <a:rPr lang="en-US" sz="1400" dirty="0" smtClean="0">
                 <a:solidFill>
                   <a:srgbClr val="000000"/>
                 </a:solidFill>
@@ -15244,7 +15133,7 @@
               <a:t>   </a:t>
             </a:r>
             <a:r>
-              <a:rPr lang="en" sz="900" dirty="0" smtClean="0">
+              <a:rPr lang="en-US" sz="1400" dirty="0" smtClean="0">
                 <a:solidFill>
                   <a:srgbClr val="000000"/>
                 </a:solidFill>
@@ -15259,7 +15148,7 @@
               <a:t>day </a:t>
             </a:r>
             <a:r>
-              <a:rPr lang="en" sz="900" dirty="0">
+              <a:rPr lang="en" sz="1400" dirty="0" smtClean="0">
                 <a:solidFill>
                   <a:srgbClr val="000000"/>
                 </a:solidFill>
@@ -15274,7 +15163,7 @@
               <a:t>= </a:t>
             </a:r>
             <a:r>
-              <a:rPr lang="en" sz="900" dirty="0">
+              <a:rPr lang="en-US" sz="1400" dirty="0" smtClean="0">
                 <a:solidFill>
                   <a:srgbClr val="A52A2A"/>
                 </a:solidFill>
@@ -15286,10 +15175,10 @@
                 <a:cs typeface="Consolas"/>
                 <a:sym typeface="Source Code Pro"/>
               </a:rPr>
-              <a:t>"Saturday"</a:t>
-            </a:r>
-            <a:r>
-              <a:rPr lang="en" sz="900" dirty="0">
+              <a:t>“Bad day”</a:t>
+            </a:r>
+            <a:r>
+              <a:rPr lang="en" sz="1400" dirty="0" smtClean="0">
                 <a:solidFill>
                   <a:srgbClr val="000000"/>
                 </a:solidFill>
@@ -15303,6 +15192,18 @@
               </a:rPr>
               <a:t>;</a:t>
             </a:r>
+            <a:endParaRPr lang="en-US" sz="1400" dirty="0" smtClean="0">
+              <a:solidFill>
+                <a:srgbClr val="000000"/>
+              </a:solidFill>
+              <a:highlight>
+                <a:srgbClr val="FFFFFF"/>
+              </a:highlight>
+              <a:latin typeface="Consolas"/>
+              <a:ea typeface="Source Code Pro"/>
+              <a:cs typeface="Consolas"/>
+              <a:sym typeface="Source Code Pro"/>
+            </a:endParaRPr>
           </a:p>
           <a:p>
             <a:pPr lvl="0" rtl="0">
@@ -15318,309 +15219,7 @@
               <a:buNone/>
             </a:pPr>
             <a:r>
-              <a:rPr lang="en" sz="900" dirty="0">
-                <a:solidFill>
-                  <a:srgbClr val="000000"/>
-                </a:solidFill>
-                <a:highlight>
-                  <a:srgbClr val="FFFFFF"/>
-                </a:highlight>
-                <a:latin typeface="Consolas"/>
-                <a:ea typeface="Source Code Pro"/>
-                <a:cs typeface="Consolas"/>
-                <a:sym typeface="Source Code Pro"/>
-              </a:rPr>
-              <a:t>       </a:t>
-            </a:r>
-            <a:r>
-              <a:rPr lang="en" sz="900" dirty="0">
-                <a:solidFill>
-                  <a:srgbClr val="0000CD"/>
-                </a:solidFill>
-                <a:highlight>
-                  <a:srgbClr val="FFFFFF"/>
-                </a:highlight>
-                <a:latin typeface="Consolas"/>
-                <a:ea typeface="Source Code Pro"/>
-                <a:cs typeface="Consolas"/>
-                <a:sym typeface="Source Code Pro"/>
-              </a:rPr>
-              <a:t>break</a:t>
-            </a:r>
-            <a:r>
-              <a:rPr lang="en" sz="900" dirty="0">
-                <a:solidFill>
-                  <a:srgbClr val="000000"/>
-                </a:solidFill>
-                <a:highlight>
-                  <a:srgbClr val="FFFFFF"/>
-                </a:highlight>
-                <a:latin typeface="Consolas"/>
-                <a:ea typeface="Source Code Pro"/>
-                <a:cs typeface="Consolas"/>
-                <a:sym typeface="Source Code Pro"/>
-              </a:rPr>
-              <a:t>;</a:t>
-            </a:r>
-          </a:p>
-          <a:p>
-            <a:pPr lvl="0" rtl="0">
-              <a:lnSpc>
-                <a:spcPct val="100000"/>
-              </a:lnSpc>
-              <a:spcBef>
-                <a:spcPts val="0"/>
-              </a:spcBef>
-              <a:spcAft>
-                <a:spcPts val="0"/>
-              </a:spcAft>
-              <a:buNone/>
-            </a:pPr>
-            <a:r>
-              <a:rPr lang="en" sz="900" dirty="0">
-                <a:solidFill>
-                  <a:srgbClr val="000000"/>
-                </a:solidFill>
-                <a:highlight>
-                  <a:srgbClr val="FFFFFF"/>
-                </a:highlight>
-                <a:latin typeface="Consolas"/>
-                <a:ea typeface="Source Code Pro"/>
-                <a:cs typeface="Consolas"/>
-                <a:sym typeface="Source Code Pro"/>
-              </a:rPr>
-              <a:t>    </a:t>
-            </a:r>
-            <a:r>
-              <a:rPr lang="en" sz="900" dirty="0">
-                <a:solidFill>
-                  <a:srgbClr val="0000CD"/>
-                </a:solidFill>
-                <a:highlight>
-                  <a:srgbClr val="FFFFFF"/>
-                </a:highlight>
-                <a:latin typeface="Consolas"/>
-                <a:ea typeface="Source Code Pro"/>
-                <a:cs typeface="Consolas"/>
-                <a:sym typeface="Source Code Pro"/>
-              </a:rPr>
-              <a:t>default</a:t>
-            </a:r>
-            <a:r>
-              <a:rPr lang="en" sz="900" dirty="0">
-                <a:solidFill>
-                  <a:srgbClr val="000000"/>
-                </a:solidFill>
-                <a:highlight>
-                  <a:srgbClr val="FFFFFF"/>
-                </a:highlight>
-                <a:latin typeface="Consolas"/>
-                <a:ea typeface="Source Code Pro"/>
-                <a:cs typeface="Consolas"/>
-                <a:sym typeface="Source Code Pro"/>
-              </a:rPr>
-              <a:t>: 					</a:t>
-            </a:r>
-            <a:r>
-              <a:rPr lang="en" sz="900" dirty="0" smtClean="0">
-                <a:solidFill>
-                  <a:srgbClr val="999999"/>
-                </a:solidFill>
-                <a:highlight>
-                  <a:srgbClr val="FFFFFF"/>
-                </a:highlight>
-                <a:latin typeface="Consolas"/>
-                <a:ea typeface="Source Code Pro"/>
-                <a:cs typeface="Consolas"/>
-                <a:sym typeface="Source Code Pro"/>
-              </a:rPr>
-              <a:t>//</a:t>
-            </a:r>
-            <a:r>
-              <a:rPr lang="en" sz="900" dirty="0">
-                <a:solidFill>
-                  <a:srgbClr val="999999"/>
-                </a:solidFill>
-                <a:highlight>
-                  <a:srgbClr val="FFFFFF"/>
-                </a:highlight>
-                <a:latin typeface="Consolas"/>
-                <a:ea typeface="Source Code Pro"/>
-                <a:cs typeface="Consolas"/>
-                <a:sym typeface="Source Code Pro"/>
-              </a:rPr>
-              <a:t>if you get a number not between 0-6, return this</a:t>
-            </a:r>
-          </a:p>
-          <a:p>
-            <a:pPr lvl="0" rtl="0">
-              <a:lnSpc>
-                <a:spcPct val="100000"/>
-              </a:lnSpc>
-              <a:spcBef>
-                <a:spcPts val="0"/>
-              </a:spcBef>
-              <a:spcAft>
-                <a:spcPts val="0"/>
-              </a:spcAft>
-              <a:buNone/>
-            </a:pPr>
-            <a:r>
-              <a:rPr lang="en" sz="900" dirty="0">
-                <a:solidFill>
-                  <a:srgbClr val="000000"/>
-                </a:solidFill>
-                <a:highlight>
-                  <a:srgbClr val="FFFFFF"/>
-                </a:highlight>
-                <a:latin typeface="Consolas"/>
-                <a:ea typeface="Source Code Pro"/>
-                <a:cs typeface="Consolas"/>
-                <a:sym typeface="Source Code Pro"/>
-              </a:rPr>
-              <a:t>    </a:t>
-            </a:r>
-            <a:r>
-              <a:rPr lang="en-US" sz="900" dirty="0" smtClean="0">
-                <a:solidFill>
-                  <a:srgbClr val="000000"/>
-                </a:solidFill>
-                <a:highlight>
-                  <a:srgbClr val="FFFFFF"/>
-                </a:highlight>
-                <a:latin typeface="Consolas"/>
-                <a:ea typeface="Source Code Pro"/>
-                <a:cs typeface="Consolas"/>
-                <a:sym typeface="Source Code Pro"/>
-              </a:rPr>
-              <a:t>   </a:t>
-            </a:r>
-            <a:r>
-              <a:rPr lang="en" sz="900" dirty="0" smtClean="0">
-                <a:solidFill>
-                  <a:srgbClr val="000000"/>
-                </a:solidFill>
-                <a:highlight>
-                  <a:srgbClr val="FFFFFF"/>
-                </a:highlight>
-                <a:latin typeface="Consolas"/>
-                <a:ea typeface="Source Code Pro"/>
-                <a:cs typeface="Consolas"/>
-                <a:sym typeface="Source Code Pro"/>
-              </a:rPr>
-              <a:t>text </a:t>
-            </a:r>
-            <a:r>
-              <a:rPr lang="en" sz="900" dirty="0">
-                <a:solidFill>
-                  <a:srgbClr val="000000"/>
-                </a:solidFill>
-                <a:highlight>
-                  <a:srgbClr val="FFFFFF"/>
-                </a:highlight>
-                <a:latin typeface="Consolas"/>
-                <a:ea typeface="Source Code Pro"/>
-                <a:cs typeface="Consolas"/>
-                <a:sym typeface="Source Code Pro"/>
-              </a:rPr>
-              <a:t>= </a:t>
-            </a:r>
-            <a:r>
-              <a:rPr lang="en" sz="900" dirty="0">
-                <a:solidFill>
-                  <a:srgbClr val="A52A2A"/>
-                </a:solidFill>
-                <a:highlight>
-                  <a:srgbClr val="FFFFFF"/>
-                </a:highlight>
-                <a:latin typeface="Consolas"/>
-                <a:ea typeface="Source Code Pro"/>
-                <a:cs typeface="Consolas"/>
-                <a:sym typeface="Source Code Pro"/>
-              </a:rPr>
-              <a:t>"Uh oh, spaghettios"</a:t>
-            </a:r>
-            <a:r>
-              <a:rPr lang="en" sz="900" dirty="0">
-                <a:solidFill>
-                  <a:srgbClr val="000000"/>
-                </a:solidFill>
-                <a:highlight>
-                  <a:srgbClr val="FFFFFF"/>
-                </a:highlight>
-                <a:latin typeface="Consolas"/>
-                <a:ea typeface="Source Code Pro"/>
-                <a:cs typeface="Consolas"/>
-                <a:sym typeface="Source Code Pro"/>
-              </a:rPr>
-              <a:t>;</a:t>
-            </a:r>
-          </a:p>
-          <a:p>
-            <a:pPr lvl="0" rtl="0">
-              <a:lnSpc>
-                <a:spcPct val="100000"/>
-              </a:lnSpc>
-              <a:spcBef>
-                <a:spcPts val="0"/>
-              </a:spcBef>
-              <a:spcAft>
-                <a:spcPts val="0"/>
-              </a:spcAft>
-              <a:buNone/>
-            </a:pPr>
-            <a:r>
-              <a:rPr lang="en" sz="900" dirty="0">
-                <a:solidFill>
-                  <a:srgbClr val="000000"/>
-                </a:solidFill>
-                <a:latin typeface="Consolas"/>
-                <a:ea typeface="Source Code Pro"/>
-                <a:cs typeface="Consolas"/>
-                <a:sym typeface="Source Code Pro"/>
-              </a:rPr>
-              <a:t>       </a:t>
-            </a:r>
-            <a:r>
-              <a:rPr lang="en" sz="900" dirty="0">
-                <a:solidFill>
-                  <a:srgbClr val="0000CD"/>
-                </a:solidFill>
-                <a:latin typeface="Consolas"/>
-                <a:ea typeface="Source Code Pro"/>
-                <a:cs typeface="Consolas"/>
-                <a:sym typeface="Source Code Pro"/>
-              </a:rPr>
-              <a:t>break</a:t>
-            </a:r>
-            <a:r>
-              <a:rPr lang="en" sz="900" dirty="0">
-                <a:solidFill>
-                  <a:srgbClr val="000000"/>
-                </a:solidFill>
-                <a:latin typeface="Consolas"/>
-                <a:ea typeface="Source Code Pro"/>
-                <a:cs typeface="Consolas"/>
-                <a:sym typeface="Source Code Pro"/>
-              </a:rPr>
-              <a:t>;</a:t>
-            </a:r>
-          </a:p>
-          <a:p>
-            <a:pPr lvl="0">
-              <a:lnSpc>
-                <a:spcPct val="100000"/>
-              </a:lnSpc>
-              <a:spcBef>
-                <a:spcPts val="0"/>
-              </a:spcBef>
-              <a:spcAft>
-                <a:spcPts val="0"/>
-              </a:spcAft>
-              <a:buNone/>
-            </a:pPr>
-            <a:r>
-              <a:rPr lang="en" sz="900" dirty="0">
+              <a:rPr lang="en" sz="1400" dirty="0" smtClean="0">
                 <a:solidFill>
                   <a:srgbClr val="000000"/>
                 </a:solidFill>
@@ -15634,6 +15233,18 @@
               </a:rPr>
               <a:t>}</a:t>
             </a:r>
+            <a:endParaRPr lang="en" sz="1400" dirty="0">
+              <a:solidFill>
+                <a:srgbClr val="000000"/>
+              </a:solidFill>
+              <a:highlight>
+                <a:srgbClr val="FFFFFF"/>
+              </a:highlight>
+              <a:latin typeface="Consolas"/>
+              <a:ea typeface="Source Code Pro"/>
+              <a:cs typeface="Consolas"/>
+              <a:sym typeface="Source Code Pro"/>
+            </a:endParaRPr>
           </a:p>
         </p:txBody>
       </p:sp>
@@ -15755,7 +15366,7 @@
               <a:buNone/>
             </a:pPr>
             <a:r>
-              <a:rPr lang="en" sz="1200" dirty="0">
+              <a:rPr lang="en-US" sz="1400" dirty="0">
                 <a:solidFill>
                   <a:srgbClr val="0000CD"/>
                 </a:solidFill>
@@ -15767,25 +15378,70 @@
                 <a:cs typeface="Consolas"/>
                 <a:sym typeface="Source Code Pro"/>
               </a:rPr>
+              <a:t> </a:t>
+            </a:r>
+            <a:r>
+              <a:rPr lang="en-US" sz="1400" dirty="0" smtClean="0">
+                <a:solidFill>
+                  <a:srgbClr val="0000CD"/>
+                </a:solidFill>
+                <a:highlight>
+                  <a:srgbClr val="FFFFFF"/>
+                </a:highlight>
+                <a:latin typeface="Consolas"/>
+                <a:ea typeface="Source Code Pro"/>
+                <a:cs typeface="Consolas"/>
+                <a:sym typeface="Source Code Pro"/>
+              </a:rPr>
+              <a:t>    </a:t>
+            </a:r>
+            <a:r>
+              <a:rPr lang="en" sz="1400" dirty="0" smtClean="0">
+                <a:solidFill>
+                  <a:srgbClr val="0000CD"/>
+                </a:solidFill>
+                <a:highlight>
+                  <a:srgbClr val="FFFFFF"/>
+                </a:highlight>
+                <a:latin typeface="Consolas"/>
+                <a:ea typeface="Source Code Pro"/>
+                <a:cs typeface="Consolas"/>
+                <a:sym typeface="Source Code Pro"/>
+              </a:rPr>
               <a:t>var</a:t>
             </a:r>
             <a:r>
-              <a:rPr lang="en" sz="1200" dirty="0">
-                <a:solidFill>
-                  <a:srgbClr val="000000"/>
-                </a:solidFill>
-                <a:highlight>
-                  <a:srgbClr val="FFFFFF"/>
-                </a:highlight>
-                <a:latin typeface="Consolas"/>
-                <a:ea typeface="Source Code Pro"/>
-                <a:cs typeface="Consolas"/>
-                <a:sym typeface="Source Code Pro"/>
-              </a:rPr>
-              <a:t> cars = [</a:t>
-            </a:r>
-            <a:r>
-              <a:rPr lang="en" sz="1200" dirty="0">
+              <a:rPr lang="en" sz="1400" dirty="0" smtClean="0">
+                <a:solidFill>
+                  <a:srgbClr val="000000"/>
+                </a:solidFill>
+                <a:highlight>
+                  <a:srgbClr val="FFFFFF"/>
+                </a:highlight>
+                <a:latin typeface="Consolas"/>
+                <a:ea typeface="Source Code Pro"/>
+                <a:cs typeface="Consolas"/>
+                <a:sym typeface="Source Code Pro"/>
+              </a:rPr>
+              <a:t> </a:t>
+            </a:r>
+            <a:r>
+              <a:rPr lang="en" sz="1400" dirty="0">
+                <a:solidFill>
+                  <a:srgbClr val="000000"/>
+                </a:solidFill>
+                <a:highlight>
+                  <a:srgbClr val="FFFFFF"/>
+                </a:highlight>
+                <a:latin typeface="Consolas"/>
+                <a:ea typeface="Source Code Pro"/>
+                <a:cs typeface="Consolas"/>
+                <a:sym typeface="Source Code Pro"/>
+              </a:rPr>
+              <a:t>cars = [</a:t>
+            </a:r>
+            <a:r>
+              <a:rPr lang="en" sz="1400" dirty="0">
                 <a:solidFill>
                   <a:srgbClr val="A52A2A"/>
                 </a:solidFill>
@@ -15800,7 +15456,7 @@
               <a:t>"Saab"</a:t>
             </a:r>
             <a:r>
-              <a:rPr lang="en" sz="1200" dirty="0">
+              <a:rPr lang="en" sz="1400" dirty="0">
                 <a:solidFill>
                   <a:srgbClr val="000000"/>
                 </a:solidFill>
@@ -15815,7 +15471,7 @@
               <a:t>, </a:t>
             </a:r>
             <a:r>
-              <a:rPr lang="en" sz="1200" dirty="0">
+              <a:rPr lang="en" sz="1400" dirty="0">
                 <a:solidFill>
                   <a:srgbClr val="A52A2A"/>
                 </a:solidFill>
@@ -15830,7 +15486,7 @@
               <a:t>"Volvo"</a:t>
             </a:r>
             <a:r>
-              <a:rPr lang="en" sz="1200" dirty="0">
+              <a:rPr lang="en" sz="1400" dirty="0">
                 <a:solidFill>
                   <a:srgbClr val="000000"/>
                 </a:solidFill>
@@ -15845,7 +15501,7 @@
               <a:t>, </a:t>
             </a:r>
             <a:r>
-              <a:rPr lang="en" sz="1200" dirty="0">
+              <a:rPr lang="en" sz="1400" dirty="0">
                 <a:solidFill>
                   <a:srgbClr val="A52A2A"/>
                 </a:solidFill>
@@ -15860,7 +15516,7 @@
               <a:t>"BMW"</a:t>
             </a:r>
             <a:r>
-              <a:rPr lang="en" sz="1200" dirty="0">
+              <a:rPr lang="en" sz="1400" dirty="0">
                 <a:solidFill>
                   <a:srgbClr val="000000"/>
                 </a:solidFill>
@@ -15886,7 +15542,7 @@
               <a:buNone/>
             </a:pPr>
             <a:r>
-              <a:rPr lang="en" sz="1200" dirty="0">
+              <a:rPr lang="en-US" sz="1400" dirty="0">
                 <a:solidFill>
                   <a:srgbClr val="0000CD"/>
                 </a:solidFill>
@@ -15898,25 +15554,70 @@
                 <a:cs typeface="Consolas"/>
                 <a:sym typeface="Source Code Pro"/>
               </a:rPr>
+              <a:t> </a:t>
+            </a:r>
+            <a:r>
+              <a:rPr lang="en-US" sz="1400" dirty="0" smtClean="0">
+                <a:solidFill>
+                  <a:srgbClr val="0000CD"/>
+                </a:solidFill>
+                <a:highlight>
+                  <a:srgbClr val="FFFFFF"/>
+                </a:highlight>
+                <a:latin typeface="Consolas"/>
+                <a:ea typeface="Source Code Pro"/>
+                <a:cs typeface="Consolas"/>
+                <a:sym typeface="Source Code Pro"/>
+              </a:rPr>
+              <a:t>    </a:t>
+            </a:r>
+            <a:r>
+              <a:rPr lang="en" sz="1400" dirty="0" smtClean="0">
+                <a:solidFill>
+                  <a:srgbClr val="0000CD"/>
+                </a:solidFill>
+                <a:highlight>
+                  <a:srgbClr val="FFFFFF"/>
+                </a:highlight>
+                <a:latin typeface="Consolas"/>
+                <a:ea typeface="Source Code Pro"/>
+                <a:cs typeface="Consolas"/>
+                <a:sym typeface="Source Code Pro"/>
+              </a:rPr>
               <a:t>var</a:t>
             </a:r>
             <a:r>
-              <a:rPr lang="en" sz="1200" dirty="0">
-                <a:solidFill>
-                  <a:srgbClr val="000000"/>
-                </a:solidFill>
-                <a:highlight>
-                  <a:srgbClr val="FFFFFF"/>
-                </a:highlight>
-                <a:latin typeface="Consolas"/>
-                <a:ea typeface="Source Code Pro"/>
-                <a:cs typeface="Consolas"/>
-                <a:sym typeface="Source Code Pro"/>
-              </a:rPr>
-              <a:t> favoriteCar = cars[0];  	</a:t>
-            </a:r>
-            <a:r>
-              <a:rPr lang="en" sz="1200" dirty="0">
+              <a:rPr lang="en" sz="1400" dirty="0" smtClean="0">
+                <a:solidFill>
+                  <a:srgbClr val="000000"/>
+                </a:solidFill>
+                <a:highlight>
+                  <a:srgbClr val="FFFFFF"/>
+                </a:highlight>
+                <a:latin typeface="Consolas"/>
+                <a:ea typeface="Source Code Pro"/>
+                <a:cs typeface="Consolas"/>
+                <a:sym typeface="Source Code Pro"/>
+              </a:rPr>
+              <a:t> </a:t>
+            </a:r>
+            <a:r>
+              <a:rPr lang="en" sz="1400" dirty="0">
+                <a:solidFill>
+                  <a:srgbClr val="000000"/>
+                </a:solidFill>
+                <a:highlight>
+                  <a:srgbClr val="FFFFFF"/>
+                </a:highlight>
+                <a:latin typeface="Consolas"/>
+                <a:ea typeface="Source Code Pro"/>
+                <a:cs typeface="Consolas"/>
+                <a:sym typeface="Source Code Pro"/>
+              </a:rPr>
+              <a:t>favoriteCar = cars[0];  	</a:t>
+            </a:r>
+            <a:r>
+              <a:rPr lang="en" sz="1400" dirty="0">
                 <a:solidFill>
                   <a:srgbClr val="999999"/>
                 </a:solidFill>
@@ -17055,7 +16756,167 @@
             </a:r>
           </a:p>
           <a:p>
-            <a:pPr marL="914400" lvl="1" indent="-228600" rtl="0">
+            <a:pPr marL="685800" lvl="2">
+              <a:lnSpc>
+                <a:spcPct val="100000"/>
+              </a:lnSpc>
+              <a:spcAft>
+                <a:spcPts val="1000"/>
+              </a:spcAft>
+            </a:pPr>
+            <a:r>
+              <a:rPr lang="en-US" dirty="0">
+                <a:solidFill>
+                  <a:srgbClr val="0000CD"/>
+                </a:solidFill>
+                <a:highlight>
+                  <a:srgbClr val="FFFFFF"/>
+                </a:highlight>
+                <a:latin typeface="Consolas"/>
+                <a:ea typeface="Source Code Pro"/>
+                <a:cs typeface="Consolas"/>
+                <a:sym typeface="Source Code Pro"/>
+              </a:rPr>
+              <a:t>	 </a:t>
+            </a:r>
+            <a:r>
+              <a:rPr lang="en" dirty="0" smtClean="0">
+                <a:solidFill>
+                  <a:srgbClr val="0000CD"/>
+                </a:solidFill>
+                <a:highlight>
+                  <a:srgbClr val="FFFFFF"/>
+                </a:highlight>
+                <a:latin typeface="Consolas"/>
+                <a:ea typeface="Source Code Pro"/>
+                <a:cs typeface="Consolas"/>
+                <a:sym typeface="Source Code Pro"/>
+              </a:rPr>
+              <a:t>var</a:t>
+            </a:r>
+            <a:r>
+              <a:rPr lang="en" dirty="0" smtClean="0">
+                <a:solidFill>
+                  <a:srgbClr val="000000"/>
+                </a:solidFill>
+                <a:highlight>
+                  <a:srgbClr val="FFFFFF"/>
+                </a:highlight>
+                <a:latin typeface="Consolas"/>
+                <a:ea typeface="Source Code Pro"/>
+                <a:cs typeface="Consolas"/>
+                <a:sym typeface="Source Code Pro"/>
+              </a:rPr>
+              <a:t> </a:t>
+            </a:r>
+            <a:r>
+              <a:rPr lang="en" dirty="0">
+                <a:solidFill>
+                  <a:srgbClr val="000000"/>
+                </a:solidFill>
+                <a:highlight>
+                  <a:srgbClr val="FFFFFF"/>
+                </a:highlight>
+                <a:latin typeface="Consolas"/>
+                <a:ea typeface="Source Code Pro"/>
+                <a:cs typeface="Consolas"/>
+                <a:sym typeface="Source Code Pro"/>
+              </a:rPr>
+              <a:t>car = {type:</a:t>
+            </a:r>
+            <a:r>
+              <a:rPr lang="en" dirty="0">
+                <a:solidFill>
+                  <a:srgbClr val="A52A2A"/>
+                </a:solidFill>
+                <a:highlight>
+                  <a:srgbClr val="FFFFFF"/>
+                </a:highlight>
+                <a:latin typeface="Consolas"/>
+                <a:ea typeface="Source Code Pro"/>
+                <a:cs typeface="Consolas"/>
+                <a:sym typeface="Source Code Pro"/>
+              </a:rPr>
+              <a:t>"Fiat"</a:t>
+            </a:r>
+            <a:r>
+              <a:rPr lang="en" dirty="0">
+                <a:solidFill>
+                  <a:srgbClr val="000000"/>
+                </a:solidFill>
+                <a:highlight>
+                  <a:srgbClr val="FFFFFF"/>
+                </a:highlight>
+                <a:latin typeface="Consolas"/>
+                <a:ea typeface="Source Code Pro"/>
+                <a:cs typeface="Consolas"/>
+                <a:sym typeface="Source Code Pro"/>
+              </a:rPr>
+              <a:t>, model:</a:t>
+            </a:r>
+            <a:r>
+              <a:rPr lang="en" dirty="0">
+                <a:solidFill>
+                  <a:srgbClr val="A52A2A"/>
+                </a:solidFill>
+                <a:highlight>
+                  <a:srgbClr val="FFFFFF"/>
+                </a:highlight>
+                <a:latin typeface="Consolas"/>
+                <a:ea typeface="Source Code Pro"/>
+                <a:cs typeface="Consolas"/>
+                <a:sym typeface="Source Code Pro"/>
+              </a:rPr>
+              <a:t>"500"</a:t>
+            </a:r>
+            <a:r>
+              <a:rPr lang="en" dirty="0">
+                <a:solidFill>
+                  <a:srgbClr val="000000"/>
+                </a:solidFill>
+                <a:highlight>
+                  <a:srgbClr val="FFFFFF"/>
+                </a:highlight>
+                <a:latin typeface="Consolas"/>
+                <a:ea typeface="Source Code Pro"/>
+                <a:cs typeface="Consolas"/>
+                <a:sym typeface="Source Code Pro"/>
+              </a:rPr>
+              <a:t>, color:</a:t>
+            </a:r>
+            <a:r>
+              <a:rPr lang="en" dirty="0">
+                <a:solidFill>
+                  <a:srgbClr val="A52A2A"/>
+                </a:solidFill>
+                <a:highlight>
+                  <a:srgbClr val="FFFFFF"/>
+                </a:highlight>
+                <a:latin typeface="Consolas"/>
+                <a:ea typeface="Source Code Pro"/>
+                <a:cs typeface="Consolas"/>
+                <a:sym typeface="Source Code Pro"/>
+              </a:rPr>
+              <a:t>"white"</a:t>
+            </a:r>
+            <a:r>
+              <a:rPr lang="en" dirty="0">
+                <a:solidFill>
+                  <a:srgbClr val="000000"/>
+                </a:solidFill>
+                <a:highlight>
+                  <a:srgbClr val="FFFFFF"/>
+                </a:highlight>
+                <a:latin typeface="Consolas"/>
+                <a:ea typeface="Source Code Pro"/>
+                <a:cs typeface="Consolas"/>
+                <a:sym typeface="Source Code Pro"/>
+              </a:rPr>
+              <a:t>};</a:t>
+            </a:r>
+          </a:p>
+          <a:p>
+            <a:pPr marL="514350" lvl="0" indent="-285750" rtl="0">
               <a:lnSpc>
                 <a:spcPct val="100000"/>
               </a:lnSpc>
@@ -17069,128 +16930,17 @@
               <a:buChar char="•"/>
             </a:pPr>
             <a:r>
-              <a:rPr lang="en" dirty="0">
-                <a:solidFill>
-                  <a:srgbClr val="0000CD"/>
-                </a:solidFill>
-                <a:highlight>
-                  <a:srgbClr val="FFFFFF"/>
-                </a:highlight>
-                <a:latin typeface="Consolas"/>
-                <a:ea typeface="Source Code Pro"/>
-                <a:cs typeface="Consolas"/>
-                <a:sym typeface="Source Code Pro"/>
-              </a:rPr>
-              <a:t>var</a:t>
-            </a:r>
-            <a:r>
-              <a:rPr lang="en" dirty="0">
-                <a:solidFill>
-                  <a:srgbClr val="000000"/>
-                </a:solidFill>
-                <a:highlight>
-                  <a:srgbClr val="FFFFFF"/>
-                </a:highlight>
-                <a:latin typeface="Consolas"/>
-                <a:ea typeface="Source Code Pro"/>
-                <a:cs typeface="Consolas"/>
-                <a:sym typeface="Source Code Pro"/>
-              </a:rPr>
-              <a:t> car = {type:</a:t>
-            </a:r>
-            <a:r>
-              <a:rPr lang="en" dirty="0">
-                <a:solidFill>
-                  <a:srgbClr val="A52A2A"/>
-                </a:solidFill>
-                <a:highlight>
-                  <a:srgbClr val="FFFFFF"/>
-                </a:highlight>
-                <a:latin typeface="Consolas"/>
-                <a:ea typeface="Source Code Pro"/>
-                <a:cs typeface="Consolas"/>
-                <a:sym typeface="Source Code Pro"/>
-              </a:rPr>
-              <a:t>"Fiat"</a:t>
-            </a:r>
-            <a:r>
-              <a:rPr lang="en" dirty="0">
-                <a:solidFill>
-                  <a:srgbClr val="000000"/>
-                </a:solidFill>
-                <a:highlight>
-                  <a:srgbClr val="FFFFFF"/>
-                </a:highlight>
-                <a:latin typeface="Consolas"/>
-                <a:ea typeface="Source Code Pro"/>
-                <a:cs typeface="Consolas"/>
-                <a:sym typeface="Source Code Pro"/>
-              </a:rPr>
-              <a:t>, model:</a:t>
-            </a:r>
-            <a:r>
-              <a:rPr lang="en" dirty="0">
-                <a:solidFill>
-                  <a:srgbClr val="A52A2A"/>
-                </a:solidFill>
-                <a:highlight>
-                  <a:srgbClr val="FFFFFF"/>
-                </a:highlight>
-                <a:latin typeface="Consolas"/>
-                <a:ea typeface="Source Code Pro"/>
-                <a:cs typeface="Consolas"/>
-                <a:sym typeface="Source Code Pro"/>
-              </a:rPr>
-              <a:t>"500"</a:t>
-            </a:r>
-            <a:r>
-              <a:rPr lang="en" dirty="0">
-                <a:solidFill>
-                  <a:srgbClr val="000000"/>
-                </a:solidFill>
-                <a:highlight>
-                  <a:srgbClr val="FFFFFF"/>
-                </a:highlight>
-                <a:latin typeface="Consolas"/>
-                <a:ea typeface="Source Code Pro"/>
-                <a:cs typeface="Consolas"/>
-                <a:sym typeface="Source Code Pro"/>
-              </a:rPr>
-              <a:t>, color:</a:t>
-            </a:r>
-            <a:r>
-              <a:rPr lang="en" dirty="0">
-                <a:solidFill>
-                  <a:srgbClr val="A52A2A"/>
-                </a:solidFill>
-                <a:highlight>
-                  <a:srgbClr val="FFFFFF"/>
-                </a:highlight>
-                <a:latin typeface="Consolas"/>
-                <a:ea typeface="Source Code Pro"/>
-                <a:cs typeface="Consolas"/>
-                <a:sym typeface="Source Code Pro"/>
-              </a:rPr>
-              <a:t>"white"</a:t>
-            </a:r>
-            <a:r>
-              <a:rPr lang="en" dirty="0">
-                <a:solidFill>
-                  <a:srgbClr val="000000"/>
-                </a:solidFill>
-                <a:highlight>
-                  <a:srgbClr val="FFFFFF"/>
-                </a:highlight>
-                <a:latin typeface="Consolas"/>
-                <a:ea typeface="Source Code Pro"/>
-                <a:cs typeface="Consolas"/>
-                <a:sym typeface="Source Code Pro"/>
-              </a:rPr>
-              <a:t>};</a:t>
-            </a:r>
-          </a:p>
-          <a:p>
-            <a:pPr marL="514350" lvl="0" indent="-285750" rtl="0">
+              <a:rPr lang="en" dirty="0" smtClean="0"/>
+              <a:t>Function</a:t>
+            </a:r>
+            <a:r>
+              <a:rPr lang="en-US" dirty="0" smtClean="0"/>
+              <a:t>s</a:t>
+            </a:r>
+            <a:endParaRPr lang="en" dirty="0"/>
+          </a:p>
+          <a:p>
+            <a:pPr marL="971550" lvl="1" indent="-285750" rtl="0">
               <a:lnSpc>
                 <a:spcPct val="100000"/>
               </a:lnSpc>
@@ -17204,17 +16954,12 @@
               <a:buChar char="•"/>
             </a:pPr>
             <a:r>
-              <a:rPr lang="en" dirty="0" smtClean="0"/>
-              <a:t>Function</a:t>
-            </a:r>
-            <a:r>
-              <a:rPr lang="en-US" dirty="0" smtClean="0"/>
-              <a:t>s</a:t>
-            </a:r>
-            <a:endParaRPr lang="en" dirty="0"/>
-          </a:p>
-          <a:p>
-            <a:pPr marL="971550" lvl="1" indent="-285750" rtl="0">
+              <a:rPr lang="en" dirty="0"/>
+              <a:t>A block of code to do a particular task</a:t>
+            </a:r>
+          </a:p>
+          <a:p>
+            <a:pPr marL="685800" lvl="1" rtl="0">
               <a:lnSpc>
                 <a:spcPct val="100000"/>
               </a:lnSpc>
@@ -17224,30 +16969,9 @@
               <a:spcAft>
                 <a:spcPts val="1000"/>
               </a:spcAft>
-              <a:buFont typeface="Arial"/>
-              <a:buChar char="•"/>
-            </a:pPr>
-            <a:r>
-              <a:rPr lang="en" dirty="0"/>
-              <a:t>A block of code to do a particular task</a:t>
-            </a:r>
-          </a:p>
-          <a:p>
-            <a:pPr marL="914400" lvl="1" indent="-228600" rtl="0">
-              <a:lnSpc>
-                <a:spcPct val="100000"/>
-              </a:lnSpc>
-              <a:spcBef>
-                <a:spcPts val="0"/>
-              </a:spcBef>
-              <a:spcAft>
-                <a:spcPts val="1000"/>
-              </a:spcAft>
-              <a:buFont typeface="Arial"/>
-              <a:buChar char="•"/>
-            </a:pPr>
-            <a:r>
-              <a:rPr lang="en" dirty="0">
+            </a:pPr>
+            <a:r>
+              <a:rPr lang="en-US" dirty="0" smtClean="0">
                 <a:solidFill>
                   <a:srgbClr val="0000CD"/>
                 </a:solidFill>
@@ -17259,10 +16983,25 @@
                 <a:cs typeface="Consolas"/>
                 <a:sym typeface="Source Code Pro"/>
               </a:rPr>
+              <a:t>	 </a:t>
+            </a:r>
+            <a:r>
+              <a:rPr lang="en" dirty="0" smtClean="0">
+                <a:solidFill>
+                  <a:srgbClr val="0000CD"/>
+                </a:solidFill>
+                <a:highlight>
+                  <a:srgbClr val="FFFFFF"/>
+                </a:highlight>
+                <a:latin typeface="Consolas"/>
+                <a:ea typeface="Source Code Pro"/>
+                <a:cs typeface="Consolas"/>
+                <a:sym typeface="Source Code Pro"/>
+              </a:rPr>
               <a:t>function</a:t>
             </a:r>
             <a:r>
-              <a:rPr lang="en" dirty="0">
+              <a:rPr lang="en" dirty="0" smtClean="0">
                 <a:solidFill>
                   <a:srgbClr val="000000"/>
                 </a:solidFill>
@@ -17366,6 +17105,36 @@
               <a:t>	</a:t>
             </a:r>
             <a:r>
+              <a:rPr lang="en-US" dirty="0" smtClean="0">
+                <a:solidFill>
+                  <a:srgbClr val="000000"/>
+                </a:solidFill>
+                <a:highlight>
+                  <a:srgbClr val="FFFFFF"/>
+                </a:highlight>
+                <a:latin typeface="Consolas"/>
+                <a:ea typeface="Source Code Pro"/>
+                <a:cs typeface="Consolas"/>
+                <a:sym typeface="Source Code Pro"/>
+              </a:rPr>
+              <a:t> 	</a:t>
+            </a:r>
+            <a:r>
+              <a:rPr lang="en" i="1" dirty="0" smtClean="0">
+                <a:solidFill>
+                  <a:srgbClr val="000000"/>
+                </a:solidFill>
+                <a:highlight>
+                  <a:srgbClr val="FFFFFF"/>
+                </a:highlight>
+                <a:latin typeface="Consolas"/>
+                <a:ea typeface="Source Code Pro"/>
+                <a:cs typeface="Consolas"/>
+                <a:sym typeface="Source Code Pro"/>
+              </a:rPr>
+              <a:t>code </a:t>
+            </a:r>
+            <a:r>
               <a:rPr lang="en" i="1" dirty="0">
                 <a:solidFill>
                   <a:srgbClr val="000000"/>
@@ -17378,7 +17147,7 @@
                 <a:cs typeface="Consolas"/>
                 <a:sym typeface="Source Code Pro"/>
               </a:rPr>
-              <a:t>code to be executed</a:t>
+              <a:t>to be executed</a:t>
             </a:r>
             <a:br>
               <a:rPr lang="en" i="1" dirty="0">
@@ -17395,7 +17164,22 @@
               </a:rPr>
             </a:br>
             <a:r>
-              <a:rPr lang="en" dirty="0">
+              <a:rPr lang="en-US" i="1" dirty="0" smtClean="0">
+                <a:solidFill>
+                  <a:srgbClr val="000000"/>
+                </a:solidFill>
+                <a:highlight>
+                  <a:srgbClr val="FFFFFF"/>
+                </a:highlight>
+                <a:latin typeface="Consolas"/>
+                <a:ea typeface="Source Code Pro"/>
+                <a:cs typeface="Consolas"/>
+                <a:sym typeface="Source Code Pro"/>
+              </a:rPr>
+              <a:t>	 </a:t>
+            </a:r>
+            <a:r>
+              <a:rPr lang="en" dirty="0" smtClean="0">
                 <a:solidFill>
                   <a:srgbClr val="000000"/>
                 </a:solidFill>
@@ -17409,6 +17193,18 @@
               </a:rPr>
               <a:t>}</a:t>
             </a:r>
+            <a:endParaRPr lang="en" dirty="0">
+              <a:solidFill>
+                <a:srgbClr val="000000"/>
+              </a:solidFill>
+              <a:highlight>
+                <a:srgbClr val="FFFFFF"/>
+              </a:highlight>
+              <a:latin typeface="Consolas"/>
+              <a:ea typeface="Source Code Pro"/>
+              <a:cs typeface="Consolas"/>
+              <a:sym typeface="Source Code Pro"/>
+            </a:endParaRPr>
           </a:p>
         </p:txBody>
       </p:sp>
@@ -17528,61 +17324,61 @@
               <a:buNone/>
             </a:pPr>
             <a:r>
-              <a:rPr lang="en" sz="1200" dirty="0">
+              <a:rPr lang="en" sz="1400" dirty="0">
                 <a:solidFill>
                   <a:srgbClr val="0000CD"/>
                 </a:solidFill>
                 <a:highlight>
                   <a:srgbClr val="FFFFFF"/>
                 </a:highlight>
-                <a:latin typeface="Source Code Pro"/>
-                <a:ea typeface="Source Code Pro"/>
-                <a:cs typeface="Source Code Pro"/>
+                <a:latin typeface="Consolas"/>
+                <a:ea typeface="Source Code Pro"/>
+                <a:cs typeface="Consolas"/>
                 <a:sym typeface="Source Code Pro"/>
               </a:rPr>
               <a:t>var</a:t>
             </a:r>
             <a:r>
-              <a:rPr lang="en" sz="1200" dirty="0">
-                <a:solidFill>
-                  <a:srgbClr val="000000"/>
-                </a:solidFill>
-                <a:highlight>
-                  <a:srgbClr val="FFFFFF"/>
-                </a:highlight>
-                <a:latin typeface="Source Code Pro"/>
-                <a:ea typeface="Source Code Pro"/>
-                <a:cs typeface="Source Code Pro"/>
+              <a:rPr lang="en" sz="1400" dirty="0">
+                <a:solidFill>
+                  <a:srgbClr val="000000"/>
+                </a:solidFill>
+                <a:highlight>
+                  <a:srgbClr val="FFFFFF"/>
+                </a:highlight>
+                <a:latin typeface="Consolas"/>
+                <a:ea typeface="Source Code Pro"/>
+                <a:cs typeface="Consolas"/>
                 <a:sym typeface="Source Code Pro"/>
               </a:rPr>
               <a:t> x = </a:t>
             </a:r>
             <a:r>
-              <a:rPr lang="en" sz="1200" dirty="0">
+              <a:rPr lang="en" sz="1400" dirty="0">
                 <a:solidFill>
                   <a:srgbClr val="FF0000"/>
                 </a:solidFill>
                 <a:highlight>
                   <a:srgbClr val="FFFFFF"/>
                 </a:highlight>
-                <a:latin typeface="Source Code Pro"/>
-                <a:ea typeface="Source Code Pro"/>
-                <a:cs typeface="Source Code Pro"/>
+                <a:latin typeface="Consolas"/>
+                <a:ea typeface="Source Code Pro"/>
+                <a:cs typeface="Consolas"/>
                 <a:sym typeface="Source Code Pro"/>
               </a:rPr>
               <a:t>5</a:t>
             </a:r>
             <a:r>
-              <a:rPr lang="en" sz="1200" dirty="0">
-                <a:solidFill>
-                  <a:srgbClr val="000000"/>
-                </a:solidFill>
-                <a:highlight>
-                  <a:srgbClr val="FFFFFF"/>
-                </a:highlight>
-                <a:latin typeface="Source Code Pro"/>
-                <a:ea typeface="Source Code Pro"/>
-                <a:cs typeface="Source Code Pro"/>
+              <a:rPr lang="en" sz="1400" dirty="0">
+                <a:solidFill>
+                  <a:srgbClr val="000000"/>
+                </a:solidFill>
+                <a:highlight>
+                  <a:srgbClr val="FFFFFF"/>
+                </a:highlight>
+                <a:latin typeface="Consolas"/>
+                <a:ea typeface="Source Code Pro"/>
+                <a:cs typeface="Consolas"/>
                 <a:sym typeface="Source Code Pro"/>
               </a:rPr>
               <a:t>;</a:t>
@@ -17591,7 +17387,7 @@
           <a:p>
             <a:pPr lvl="0" rtl="0">
               <a:lnSpc>
-                <a:spcPct val="115000"/>
+                <a:spcPct val="100000"/>
               </a:lnSpc>
               <a:spcBef>
                 <a:spcPts val="0"/>
@@ -17602,61 +17398,61 @@
               <a:buNone/>
             </a:pPr>
             <a:r>
-              <a:rPr lang="en" sz="1200" dirty="0">
+              <a:rPr lang="en" sz="1400" dirty="0">
                 <a:solidFill>
                   <a:srgbClr val="0000CD"/>
                 </a:solidFill>
                 <a:highlight>
                   <a:srgbClr val="FFFFFF"/>
                 </a:highlight>
-                <a:latin typeface="Source Code Pro"/>
-                <a:ea typeface="Source Code Pro"/>
-                <a:cs typeface="Source Code Pro"/>
+                <a:latin typeface="Consolas"/>
+                <a:ea typeface="Source Code Pro"/>
+                <a:cs typeface="Consolas"/>
                 <a:sym typeface="Source Code Pro"/>
               </a:rPr>
               <a:t>var</a:t>
             </a:r>
             <a:r>
-              <a:rPr lang="en" sz="1200" dirty="0">
-                <a:solidFill>
-                  <a:srgbClr val="000000"/>
-                </a:solidFill>
-                <a:highlight>
-                  <a:srgbClr val="FFFFFF"/>
-                </a:highlight>
-                <a:latin typeface="Source Code Pro"/>
-                <a:ea typeface="Source Code Pro"/>
-                <a:cs typeface="Source Code Pro"/>
+              <a:rPr lang="en" sz="1400" dirty="0">
+                <a:solidFill>
+                  <a:srgbClr val="000000"/>
+                </a:solidFill>
+                <a:highlight>
+                  <a:srgbClr val="FFFFFF"/>
+                </a:highlight>
+                <a:latin typeface="Consolas"/>
+                <a:ea typeface="Source Code Pro"/>
+                <a:cs typeface="Consolas"/>
                 <a:sym typeface="Source Code Pro"/>
               </a:rPr>
               <a:t> y = </a:t>
             </a:r>
             <a:r>
-              <a:rPr lang="en" sz="1200" dirty="0">
+              <a:rPr lang="en" sz="1400" dirty="0">
                 <a:solidFill>
                   <a:srgbClr val="FF0000"/>
                 </a:solidFill>
                 <a:highlight>
                   <a:srgbClr val="FFFFFF"/>
                 </a:highlight>
-                <a:latin typeface="Source Code Pro"/>
-                <a:ea typeface="Source Code Pro"/>
-                <a:cs typeface="Source Code Pro"/>
+                <a:latin typeface="Consolas"/>
+                <a:ea typeface="Source Code Pro"/>
+                <a:cs typeface="Consolas"/>
                 <a:sym typeface="Source Code Pro"/>
               </a:rPr>
               <a:t>6.0</a:t>
             </a:r>
             <a:r>
-              <a:rPr lang="en" sz="1200" dirty="0">
-                <a:solidFill>
-                  <a:srgbClr val="000000"/>
-                </a:solidFill>
-                <a:highlight>
-                  <a:srgbClr val="FFFFFF"/>
-                </a:highlight>
-                <a:latin typeface="Source Code Pro"/>
-                <a:ea typeface="Source Code Pro"/>
-                <a:cs typeface="Source Code Pro"/>
+              <a:rPr lang="en" sz="1400" dirty="0">
+                <a:solidFill>
+                  <a:srgbClr val="000000"/>
+                </a:solidFill>
+                <a:highlight>
+                  <a:srgbClr val="FFFFFF"/>
+                </a:highlight>
+                <a:latin typeface="Consolas"/>
+                <a:ea typeface="Source Code Pro"/>
+                <a:cs typeface="Consolas"/>
                 <a:sym typeface="Source Code Pro"/>
               </a:rPr>
               <a:t>;</a:t>
@@ -17665,7 +17461,7 @@
           <a:p>
             <a:pPr lvl="0" rtl="0">
               <a:lnSpc>
-                <a:spcPct val="115000"/>
+                <a:spcPct val="100000"/>
               </a:lnSpc>
               <a:spcBef>
                 <a:spcPts val="0"/>
@@ -17676,61 +17472,61 @@
               <a:buNone/>
             </a:pPr>
             <a:r>
-              <a:rPr lang="en" sz="1200" dirty="0">
+              <a:rPr lang="en" sz="1400" dirty="0">
                 <a:solidFill>
                   <a:srgbClr val="0000CD"/>
                 </a:solidFill>
                 <a:highlight>
                   <a:srgbClr val="FFFFFF"/>
                 </a:highlight>
-                <a:latin typeface="Source Code Pro"/>
-                <a:ea typeface="Source Code Pro"/>
-                <a:cs typeface="Source Code Pro"/>
+                <a:latin typeface="Consolas"/>
+                <a:ea typeface="Source Code Pro"/>
+                <a:cs typeface="Consolas"/>
                 <a:sym typeface="Source Code Pro"/>
               </a:rPr>
               <a:t>var</a:t>
             </a:r>
             <a:r>
-              <a:rPr lang="en" sz="1200" dirty="0">
-                <a:solidFill>
-                  <a:srgbClr val="000000"/>
-                </a:solidFill>
-                <a:highlight>
-                  <a:srgbClr val="FFFFFF"/>
-                </a:highlight>
-                <a:latin typeface="Source Code Pro"/>
-                <a:ea typeface="Source Code Pro"/>
-                <a:cs typeface="Source Code Pro"/>
+              <a:rPr lang="en" sz="1400" dirty="0">
+                <a:solidFill>
+                  <a:srgbClr val="000000"/>
+                </a:solidFill>
+                <a:highlight>
+                  <a:srgbClr val="FFFFFF"/>
+                </a:highlight>
+                <a:latin typeface="Consolas"/>
+                <a:ea typeface="Source Code Pro"/>
+                <a:cs typeface="Consolas"/>
                 <a:sym typeface="Source Code Pro"/>
               </a:rPr>
               <a:t> g = </a:t>
             </a:r>
             <a:r>
-              <a:rPr lang="en" sz="1200" dirty="0">
+              <a:rPr lang="en" sz="1400" dirty="0">
                 <a:solidFill>
                   <a:srgbClr val="FF0000"/>
                 </a:solidFill>
                 <a:highlight>
                   <a:srgbClr val="FFFFFF"/>
                 </a:highlight>
-                <a:latin typeface="Source Code Pro"/>
-                <a:ea typeface="Source Code Pro"/>
-                <a:cs typeface="Source Code Pro"/>
+                <a:latin typeface="Consolas"/>
+                <a:ea typeface="Source Code Pro"/>
+                <a:cs typeface="Consolas"/>
                 <a:sym typeface="Source Code Pro"/>
               </a:rPr>
               <a:t>123e5</a:t>
             </a:r>
             <a:r>
-              <a:rPr lang="en" sz="1200" dirty="0">
-                <a:solidFill>
-                  <a:srgbClr val="000000"/>
-                </a:solidFill>
-                <a:highlight>
-                  <a:srgbClr val="FFFFFF"/>
-                </a:highlight>
-                <a:latin typeface="Source Code Pro"/>
-                <a:ea typeface="Source Code Pro"/>
-                <a:cs typeface="Source Code Pro"/>
+              <a:rPr lang="en" sz="1400" dirty="0">
+                <a:solidFill>
+                  <a:srgbClr val="000000"/>
+                </a:solidFill>
+                <a:highlight>
+                  <a:srgbClr val="FFFFFF"/>
+                </a:highlight>
+                <a:latin typeface="Consolas"/>
+                <a:ea typeface="Source Code Pro"/>
+                <a:cs typeface="Consolas"/>
                 <a:sym typeface="Source Code Pro"/>
               </a:rPr>
               <a:t>;</a:t>
@@ -17739,7 +17535,7 @@
           <a:p>
             <a:pPr lvl="0" rtl="0">
               <a:lnSpc>
-                <a:spcPct val="115000"/>
+                <a:spcPct val="100000"/>
               </a:lnSpc>
               <a:spcBef>
                 <a:spcPts val="0"/>
@@ -17750,31 +17546,31 @@
               <a:buNone/>
             </a:pPr>
             <a:r>
-              <a:rPr lang="en" sz="1200" dirty="0">
+              <a:rPr lang="en" sz="1400" dirty="0">
                 <a:solidFill>
                   <a:srgbClr val="0000CD"/>
                 </a:solidFill>
                 <a:highlight>
                   <a:srgbClr val="FFFFFF"/>
                 </a:highlight>
-                <a:latin typeface="Source Code Pro"/>
-                <a:ea typeface="Source Code Pro"/>
-                <a:cs typeface="Source Code Pro"/>
+                <a:latin typeface="Consolas"/>
+                <a:ea typeface="Source Code Pro"/>
+                <a:cs typeface="Consolas"/>
                 <a:sym typeface="Source Code Pro"/>
               </a:rPr>
               <a:t>var</a:t>
             </a:r>
             <a:r>
-              <a:rPr lang="en" sz="1200" dirty="0">
-                <a:solidFill>
-                  <a:srgbClr val="000000"/>
-                </a:solidFill>
-                <a:highlight>
-                  <a:srgbClr val="FFFFFF"/>
-                </a:highlight>
-                <a:latin typeface="Source Code Pro"/>
-                <a:ea typeface="Source Code Pro"/>
-                <a:cs typeface="Source Code Pro"/>
+              <a:rPr lang="en" sz="1400" dirty="0">
+                <a:solidFill>
+                  <a:srgbClr val="000000"/>
+                </a:solidFill>
+                <a:highlight>
+                  <a:srgbClr val="FFFFFF"/>
+                </a:highlight>
+                <a:latin typeface="Consolas"/>
+                <a:ea typeface="Source Code Pro"/>
+                <a:cs typeface="Consolas"/>
                 <a:sym typeface="Source Code Pro"/>
               </a:rPr>
               <a:t> z = x + y;</a:t>
@@ -17783,7 +17579,7 @@
           <a:p>
             <a:pPr lvl="0" rtl="0">
               <a:lnSpc>
-                <a:spcPct val="115000"/>
+                <a:spcPct val="100000"/>
               </a:lnSpc>
               <a:spcBef>
                 <a:spcPts val="0"/>
@@ -17794,97 +17590,97 @@
               <a:buNone/>
             </a:pPr>
             <a:r>
-              <a:rPr lang="en" sz="1200" dirty="0">
+              <a:rPr lang="en" sz="1400" dirty="0">
                 <a:solidFill>
                   <a:srgbClr val="0000CD"/>
                 </a:solidFill>
                 <a:highlight>
                   <a:srgbClr val="FFFFFF"/>
                 </a:highlight>
-                <a:latin typeface="Source Code Pro"/>
-                <a:ea typeface="Source Code Pro"/>
-                <a:cs typeface="Source Code Pro"/>
+                <a:latin typeface="Consolas"/>
+                <a:ea typeface="Source Code Pro"/>
+                <a:cs typeface="Consolas"/>
                 <a:sym typeface="Source Code Pro"/>
               </a:rPr>
               <a:t>var</a:t>
             </a:r>
             <a:r>
-              <a:rPr lang="en" sz="1200" dirty="0">
-                <a:solidFill>
-                  <a:srgbClr val="000000"/>
-                </a:solidFill>
-                <a:highlight>
-                  <a:srgbClr val="FFFFFF"/>
-                </a:highlight>
-                <a:latin typeface="Source Code Pro"/>
-                <a:ea typeface="Source Code Pro"/>
-                <a:cs typeface="Source Code Pro"/>
+              <a:rPr lang="en" sz="1400" dirty="0">
+                <a:solidFill>
+                  <a:srgbClr val="000000"/>
+                </a:solidFill>
+                <a:highlight>
+                  <a:srgbClr val="FFFFFF"/>
+                </a:highlight>
+                <a:latin typeface="Consolas"/>
+                <a:ea typeface="Source Code Pro"/>
+                <a:cs typeface="Consolas"/>
                 <a:sym typeface="Source Code Pro"/>
               </a:rPr>
               <a:t> name1 = </a:t>
             </a:r>
             <a:r>
-              <a:rPr lang="en" sz="1200" dirty="0" smtClean="0">
-                <a:solidFill>
-                  <a:srgbClr val="000000"/>
-                </a:solidFill>
-                <a:highlight>
-                  <a:srgbClr val="FFFFFF"/>
-                </a:highlight>
-                <a:latin typeface="Source Code Pro"/>
-                <a:ea typeface="Source Code Pro"/>
-                <a:cs typeface="Source Code Pro"/>
+              <a:rPr lang="en" sz="1400" dirty="0" smtClean="0">
+                <a:solidFill>
+                  <a:srgbClr val="000000"/>
+                </a:solidFill>
+                <a:highlight>
+                  <a:srgbClr val="FFFFFF"/>
+                </a:highlight>
+                <a:latin typeface="Consolas"/>
+                <a:ea typeface="Source Code Pro"/>
+                <a:cs typeface="Consolas"/>
                 <a:sym typeface="Source Code Pro"/>
               </a:rPr>
               <a:t>‘</a:t>
             </a:r>
             <a:r>
-              <a:rPr lang="en-US" sz="1200" dirty="0" smtClean="0">
-                <a:solidFill>
-                  <a:srgbClr val="000000"/>
-                </a:solidFill>
-                <a:highlight>
-                  <a:srgbClr val="FFFFFF"/>
-                </a:highlight>
-                <a:latin typeface="Source Code Pro"/>
-                <a:ea typeface="Source Code Pro"/>
-                <a:cs typeface="Source Code Pro"/>
+              <a:rPr lang="en-US" sz="1400" dirty="0" smtClean="0">
+                <a:solidFill>
+                  <a:srgbClr val="000000"/>
+                </a:solidFill>
+                <a:highlight>
+                  <a:srgbClr val="FFFFFF"/>
+                </a:highlight>
+                <a:latin typeface="Consolas"/>
+                <a:ea typeface="Source Code Pro"/>
+                <a:cs typeface="Consolas"/>
                 <a:sym typeface="Source Code Pro"/>
               </a:rPr>
               <a:t>Sally</a:t>
             </a:r>
             <a:r>
-              <a:rPr lang="en" sz="1200" dirty="0" smtClean="0">
-                <a:solidFill>
-                  <a:srgbClr val="000000"/>
-                </a:solidFill>
-                <a:highlight>
-                  <a:srgbClr val="FFFFFF"/>
-                </a:highlight>
-                <a:latin typeface="Source Code Pro"/>
-                <a:ea typeface="Source Code Pro"/>
-                <a:cs typeface="Source Code Pro"/>
+              <a:rPr lang="en" sz="1400" dirty="0" smtClean="0">
+                <a:solidFill>
+                  <a:srgbClr val="000000"/>
+                </a:solidFill>
+                <a:highlight>
+                  <a:srgbClr val="FFFFFF"/>
+                </a:highlight>
+                <a:latin typeface="Consolas"/>
+                <a:ea typeface="Source Code Pro"/>
+                <a:cs typeface="Consolas"/>
                 <a:sym typeface="Source Code Pro"/>
               </a:rPr>
               <a:t>’;</a:t>
             </a:r>
-            <a:endParaRPr lang="en" sz="1200" dirty="0">
+            <a:endParaRPr lang="en" sz="1400" dirty="0">
               <a:solidFill>
                 <a:srgbClr val="000000"/>
               </a:solidFill>
               <a:highlight>
                 <a:srgbClr val="FFFFFF"/>
               </a:highlight>
-              <a:latin typeface="Source Code Pro"/>
+              <a:latin typeface="Consolas"/>
               <a:ea typeface="Source Code Pro"/>
-              <a:cs typeface="Source Code Pro"/>
+              <a:cs typeface="Consolas"/>
               <a:sym typeface="Source Code Pro"/>
             </a:endParaRPr>
           </a:p>
           <a:p>
             <a:pPr lvl="0" rtl="0">
               <a:lnSpc>
-                <a:spcPct val="115000"/>
+                <a:spcPct val="100000"/>
               </a:lnSpc>
               <a:spcBef>
                 <a:spcPts val="0"/>
@@ -17895,31 +17691,31 @@
               <a:buNone/>
             </a:pPr>
             <a:r>
-              <a:rPr lang="en" sz="1200" dirty="0">
+              <a:rPr lang="en" sz="1400" dirty="0">
                 <a:solidFill>
                   <a:srgbClr val="0000CD"/>
                 </a:solidFill>
                 <a:highlight>
                   <a:srgbClr val="FFFFFF"/>
                 </a:highlight>
-                <a:latin typeface="Source Code Pro"/>
-                <a:ea typeface="Source Code Pro"/>
-                <a:cs typeface="Source Code Pro"/>
+                <a:latin typeface="Consolas"/>
+                <a:ea typeface="Source Code Pro"/>
+                <a:cs typeface="Consolas"/>
                 <a:sym typeface="Source Code Pro"/>
               </a:rPr>
               <a:t>var</a:t>
             </a:r>
             <a:r>
-              <a:rPr lang="en" sz="1200" dirty="0">
-                <a:solidFill>
-                  <a:srgbClr val="000000"/>
-                </a:solidFill>
-                <a:highlight>
-                  <a:srgbClr val="FFFFFF"/>
-                </a:highlight>
-                <a:latin typeface="Source Code Pro"/>
-                <a:ea typeface="Source Code Pro"/>
-                <a:cs typeface="Source Code Pro"/>
+              <a:rPr lang="en" sz="1400" dirty="0">
+                <a:solidFill>
+                  <a:srgbClr val="000000"/>
+                </a:solidFill>
+                <a:highlight>
+                  <a:srgbClr val="FFFFFF"/>
+                </a:highlight>
+                <a:latin typeface="Consolas"/>
+                <a:ea typeface="Source Code Pro"/>
+                <a:cs typeface="Consolas"/>
                 <a:sym typeface="Source Code Pro"/>
               </a:rPr>
               <a:t> x = name1;</a:t>
@@ -17928,7 +17724,7 @@
           <a:p>
             <a:pPr lvl="0" rtl="0">
               <a:lnSpc>
-                <a:spcPct val="115000"/>
+                <a:spcPct val="100000"/>
               </a:lnSpc>
               <a:spcBef>
                 <a:spcPts val="0"/>
@@ -17939,31 +17735,31 @@
               <a:buNone/>
             </a:pPr>
             <a:r>
-              <a:rPr lang="en" sz="1200" dirty="0">
+              <a:rPr lang="en" sz="1400" dirty="0">
                 <a:solidFill>
                   <a:srgbClr val="0000CD"/>
                 </a:solidFill>
                 <a:highlight>
                   <a:srgbClr val="FFFFFF"/>
                 </a:highlight>
-                <a:latin typeface="Source Code Pro"/>
-                <a:ea typeface="Source Code Pro"/>
-                <a:cs typeface="Source Code Pro"/>
+                <a:latin typeface="Consolas"/>
+                <a:ea typeface="Source Code Pro"/>
+                <a:cs typeface="Consolas"/>
                 <a:sym typeface="Source Code Pro"/>
               </a:rPr>
               <a:t>var</a:t>
             </a:r>
             <a:r>
-              <a:rPr lang="en" sz="1200" dirty="0">
-                <a:solidFill>
-                  <a:srgbClr val="000000"/>
-                </a:solidFill>
-                <a:highlight>
-                  <a:srgbClr val="FFFFFF"/>
-                </a:highlight>
-                <a:latin typeface="Source Code Pro"/>
-                <a:ea typeface="Source Code Pro"/>
-                <a:cs typeface="Source Code Pro"/>
+              <a:rPr lang="en" sz="1400" dirty="0">
+                <a:solidFill>
+                  <a:srgbClr val="000000"/>
+                </a:solidFill>
+                <a:highlight>
+                  <a:srgbClr val="FFFFFF"/>
+                </a:highlight>
+                <a:latin typeface="Consolas"/>
+                <a:ea typeface="Source Code Pro"/>
+                <a:cs typeface="Consolas"/>
                 <a:sym typeface="Source Code Pro"/>
               </a:rPr>
               <a:t> bool = true;</a:t>
@@ -17972,7 +17768,7 @@
           <a:p>
             <a:pPr lvl="0" rtl="0">
               <a:lnSpc>
-                <a:spcPct val="115000"/>
+                <a:spcPct val="100000"/>
               </a:lnSpc>
               <a:spcBef>
                 <a:spcPts val="0"/>
@@ -17983,181 +17779,181 @@
               <a:buNone/>
             </a:pPr>
             <a:r>
-              <a:rPr lang="en" sz="1200" dirty="0">
+              <a:rPr lang="en" sz="1400" dirty="0">
                 <a:solidFill>
                   <a:srgbClr val="0000CD"/>
                 </a:solidFill>
                 <a:highlight>
                   <a:srgbClr val="FFFFFF"/>
                 </a:highlight>
-                <a:latin typeface="Source Code Pro"/>
-                <a:ea typeface="Source Code Pro"/>
-                <a:cs typeface="Source Code Pro"/>
+                <a:latin typeface="Consolas"/>
+                <a:ea typeface="Source Code Pro"/>
+                <a:cs typeface="Consolas"/>
                 <a:sym typeface="Source Code Pro"/>
               </a:rPr>
               <a:t>var</a:t>
             </a:r>
             <a:r>
-              <a:rPr lang="en" sz="1200" dirty="0">
-                <a:solidFill>
-                  <a:srgbClr val="000000"/>
-                </a:solidFill>
-                <a:highlight>
-                  <a:srgbClr val="FFFFFF"/>
-                </a:highlight>
-                <a:latin typeface="Source Code Pro"/>
-                <a:ea typeface="Source Code Pro"/>
-                <a:cs typeface="Source Code Pro"/>
+              <a:rPr lang="en" sz="1400" dirty="0">
+                <a:solidFill>
+                  <a:srgbClr val="000000"/>
+                </a:solidFill>
+                <a:highlight>
+                  <a:srgbClr val="FFFFFF"/>
+                </a:highlight>
+                <a:latin typeface="Consolas"/>
+                <a:ea typeface="Source Code Pro"/>
+                <a:cs typeface="Consolas"/>
                 <a:sym typeface="Source Code Pro"/>
               </a:rPr>
               <a:t> x = </a:t>
             </a:r>
             <a:r>
-              <a:rPr lang="en" sz="1200" dirty="0">
+              <a:rPr lang="en" sz="1400" dirty="0">
                 <a:solidFill>
                   <a:srgbClr val="FF0000"/>
                 </a:solidFill>
                 <a:highlight>
                   <a:srgbClr val="FFFFFF"/>
                 </a:highlight>
-                <a:latin typeface="Source Code Pro"/>
-                <a:ea typeface="Source Code Pro"/>
-                <a:cs typeface="Source Code Pro"/>
+                <a:latin typeface="Consolas"/>
+                <a:ea typeface="Source Code Pro"/>
+                <a:cs typeface="Consolas"/>
                 <a:sym typeface="Source Code Pro"/>
               </a:rPr>
               <a:t>5</a:t>
             </a:r>
             <a:r>
-              <a:rPr lang="en" sz="1200" dirty="0">
-                <a:solidFill>
-                  <a:srgbClr val="000000"/>
-                </a:solidFill>
-                <a:highlight>
-                  <a:srgbClr val="FFFFFF"/>
-                </a:highlight>
-                <a:latin typeface="Source Code Pro"/>
-                <a:ea typeface="Source Code Pro"/>
-                <a:cs typeface="Source Code Pro"/>
+              <a:rPr lang="en" sz="1400" dirty="0">
+                <a:solidFill>
+                  <a:srgbClr val="000000"/>
+                </a:solidFill>
+                <a:highlight>
+                  <a:srgbClr val="FFFFFF"/>
+                </a:highlight>
+                <a:latin typeface="Consolas"/>
+                <a:ea typeface="Source Code Pro"/>
+                <a:cs typeface="Consolas"/>
                 <a:sym typeface="Source Code Pro"/>
               </a:rPr>
               <a:t>; </a:t>
             </a:r>
             <a:r>
-              <a:rPr lang="en" sz="1200" dirty="0">
+              <a:rPr lang="en" sz="1400" dirty="0">
                 <a:solidFill>
                   <a:srgbClr val="0000CD"/>
                 </a:solidFill>
                 <a:highlight>
                   <a:srgbClr val="FFFFFF"/>
                 </a:highlight>
-                <a:latin typeface="Source Code Pro"/>
-                <a:ea typeface="Source Code Pro"/>
-                <a:cs typeface="Source Code Pro"/>
+                <a:latin typeface="Consolas"/>
+                <a:ea typeface="Source Code Pro"/>
+                <a:cs typeface="Consolas"/>
                 <a:sym typeface="Source Code Pro"/>
               </a:rPr>
               <a:t>var</a:t>
             </a:r>
             <a:r>
-              <a:rPr lang="en" sz="1200" dirty="0">
-                <a:solidFill>
-                  <a:srgbClr val="000000"/>
-                </a:solidFill>
-                <a:highlight>
-                  <a:srgbClr val="FFFFFF"/>
-                </a:highlight>
-                <a:latin typeface="Source Code Pro"/>
-                <a:ea typeface="Source Code Pro"/>
-                <a:cs typeface="Source Code Pro"/>
+              <a:rPr lang="en" sz="1400" dirty="0">
+                <a:solidFill>
+                  <a:srgbClr val="000000"/>
+                </a:solidFill>
+                <a:highlight>
+                  <a:srgbClr val="FFFFFF"/>
+                </a:highlight>
+                <a:latin typeface="Consolas"/>
+                <a:ea typeface="Source Code Pro"/>
+                <a:cs typeface="Consolas"/>
                 <a:sym typeface="Source Code Pro"/>
               </a:rPr>
               <a:t> y = </a:t>
             </a:r>
             <a:r>
-              <a:rPr lang="en" sz="1200" dirty="0">
+              <a:rPr lang="en" sz="1400" dirty="0">
                 <a:solidFill>
                   <a:srgbClr val="FF0000"/>
                 </a:solidFill>
                 <a:highlight>
                   <a:srgbClr val="FFFFFF"/>
                 </a:highlight>
-                <a:latin typeface="Source Code Pro"/>
-                <a:ea typeface="Source Code Pro"/>
-                <a:cs typeface="Source Code Pro"/>
+                <a:latin typeface="Consolas"/>
+                <a:ea typeface="Source Code Pro"/>
+                <a:cs typeface="Consolas"/>
                 <a:sym typeface="Source Code Pro"/>
               </a:rPr>
               <a:t>6</a:t>
             </a:r>
             <a:r>
-              <a:rPr lang="en" sz="1200" dirty="0">
-                <a:solidFill>
-                  <a:srgbClr val="000000"/>
-                </a:solidFill>
-                <a:highlight>
-                  <a:srgbClr val="FFFFFF"/>
-                </a:highlight>
-                <a:latin typeface="Source Code Pro"/>
-                <a:ea typeface="Source Code Pro"/>
-                <a:cs typeface="Source Code Pro"/>
+              <a:rPr lang="en" sz="1400" dirty="0">
+                <a:solidFill>
+                  <a:srgbClr val="000000"/>
+                </a:solidFill>
+                <a:highlight>
+                  <a:srgbClr val="FFFFFF"/>
+                </a:highlight>
+                <a:latin typeface="Consolas"/>
+                <a:ea typeface="Source Code Pro"/>
+                <a:cs typeface="Consolas"/>
                 <a:sym typeface="Source Code Pro"/>
               </a:rPr>
               <a:t>; </a:t>
             </a:r>
             <a:r>
-              <a:rPr lang="en" sz="1200" dirty="0">
+              <a:rPr lang="en" sz="1400" dirty="0">
                 <a:solidFill>
                   <a:srgbClr val="0000CD"/>
                 </a:solidFill>
                 <a:highlight>
                   <a:srgbClr val="FFFFFF"/>
                 </a:highlight>
-                <a:latin typeface="Source Code Pro"/>
-                <a:ea typeface="Source Code Pro"/>
-                <a:cs typeface="Source Code Pro"/>
+                <a:latin typeface="Consolas"/>
+                <a:ea typeface="Source Code Pro"/>
+                <a:cs typeface="Consolas"/>
                 <a:sym typeface="Source Code Pro"/>
               </a:rPr>
               <a:t>var</a:t>
             </a:r>
             <a:r>
-              <a:rPr lang="en" sz="1200" dirty="0">
-                <a:solidFill>
-                  <a:srgbClr val="000000"/>
-                </a:solidFill>
-                <a:highlight>
-                  <a:srgbClr val="FFFFFF"/>
-                </a:highlight>
-                <a:latin typeface="Source Code Pro"/>
-                <a:ea typeface="Source Code Pro"/>
-                <a:cs typeface="Source Code Pro"/>
+              <a:rPr lang="en" sz="1400" dirty="0">
+                <a:solidFill>
+                  <a:srgbClr val="000000"/>
+                </a:solidFill>
+                <a:highlight>
+                  <a:srgbClr val="FFFFFF"/>
+                </a:highlight>
+                <a:latin typeface="Consolas"/>
+                <a:ea typeface="Source Code Pro"/>
+                <a:cs typeface="Consolas"/>
                 <a:sym typeface="Source Code Pro"/>
               </a:rPr>
               <a:t> z = </a:t>
             </a:r>
             <a:r>
-              <a:rPr lang="en" sz="1200" dirty="0">
+              <a:rPr lang="en" sz="1400" dirty="0">
                 <a:solidFill>
                   <a:srgbClr val="FF0000"/>
                 </a:solidFill>
                 <a:highlight>
                   <a:srgbClr val="FFFFFF"/>
                 </a:highlight>
-                <a:latin typeface="Source Code Pro"/>
-                <a:ea typeface="Source Code Pro"/>
-                <a:cs typeface="Source Code Pro"/>
+                <a:latin typeface="Consolas"/>
+                <a:ea typeface="Source Code Pro"/>
+                <a:cs typeface="Consolas"/>
                 <a:sym typeface="Source Code Pro"/>
               </a:rPr>
               <a:t>7</a:t>
             </a:r>
             <a:r>
-              <a:rPr lang="en" sz="1200" dirty="0">
-                <a:solidFill>
-                  <a:srgbClr val="000000"/>
-                </a:solidFill>
-                <a:highlight>
-                  <a:srgbClr val="FFFFFF"/>
-                </a:highlight>
-                <a:latin typeface="Source Code Pro"/>
-                <a:ea typeface="Source Code Pro"/>
-                <a:cs typeface="Source Code Pro"/>
+              <a:rPr lang="en" sz="1400" dirty="0">
+                <a:solidFill>
+                  <a:srgbClr val="000000"/>
+                </a:solidFill>
+                <a:highlight>
+                  <a:srgbClr val="FFFFFF"/>
+                </a:highlight>
+                <a:latin typeface="Consolas"/>
+                <a:ea typeface="Source Code Pro"/>
+                <a:cs typeface="Consolas"/>
                 <a:sym typeface="Source Code Pro"/>
               </a:rPr>
               <a:t>;</a:t>
@@ -18166,7 +17962,7 @@
           <a:p>
             <a:pPr lvl="0" rtl="0">
               <a:lnSpc>
-                <a:spcPct val="115000"/>
+                <a:spcPct val="100000"/>
               </a:lnSpc>
               <a:spcBef>
                 <a:spcPts val="0"/>
@@ -18177,61 +17973,61 @@
               <a:buNone/>
             </a:pPr>
             <a:r>
-              <a:rPr lang="en" sz="1200" dirty="0">
+              <a:rPr lang="en" sz="1400" dirty="0">
                 <a:solidFill>
                   <a:srgbClr val="0000CD"/>
                 </a:solidFill>
                 <a:highlight>
                   <a:srgbClr val="FFFFFF"/>
                 </a:highlight>
-                <a:latin typeface="Source Code Pro"/>
-                <a:ea typeface="Source Code Pro"/>
-                <a:cs typeface="Source Code Pro"/>
+                <a:latin typeface="Consolas"/>
+                <a:ea typeface="Source Code Pro"/>
+                <a:cs typeface="Consolas"/>
                 <a:sym typeface="Source Code Pro"/>
               </a:rPr>
               <a:t>var</a:t>
             </a:r>
             <a:r>
-              <a:rPr lang="en" sz="1200" dirty="0">
-                <a:solidFill>
-                  <a:srgbClr val="000000"/>
-                </a:solidFill>
-                <a:highlight>
-                  <a:srgbClr val="FFFFFF"/>
-                </a:highlight>
-                <a:latin typeface="Source Code Pro"/>
-                <a:ea typeface="Source Code Pro"/>
-                <a:cs typeface="Source Code Pro"/>
+              <a:rPr lang="en" sz="1400" dirty="0">
+                <a:solidFill>
+                  <a:srgbClr val="000000"/>
+                </a:solidFill>
+                <a:highlight>
+                  <a:srgbClr val="FFFFFF"/>
+                </a:highlight>
+                <a:latin typeface="Consolas"/>
+                <a:ea typeface="Source Code Pro"/>
+                <a:cs typeface="Consolas"/>
                 <a:sym typeface="Source Code Pro"/>
               </a:rPr>
               <a:t> x = </a:t>
             </a:r>
             <a:r>
-              <a:rPr lang="en" sz="1200" dirty="0">
+              <a:rPr lang="en" sz="1400" dirty="0">
                 <a:solidFill>
                   <a:srgbClr val="FF0000"/>
                 </a:solidFill>
                 <a:highlight>
                   <a:srgbClr val="FFFFFF"/>
                 </a:highlight>
-                <a:latin typeface="Source Code Pro"/>
-                <a:ea typeface="Source Code Pro"/>
-                <a:cs typeface="Source Code Pro"/>
+                <a:latin typeface="Consolas"/>
+                <a:ea typeface="Source Code Pro"/>
+                <a:cs typeface="Consolas"/>
                 <a:sym typeface="Source Code Pro"/>
               </a:rPr>
               <a:t>5</a:t>
             </a:r>
             <a:r>
-              <a:rPr lang="en" sz="1200" dirty="0">
-                <a:solidFill>
-                  <a:srgbClr val="000000"/>
-                </a:solidFill>
-                <a:highlight>
-                  <a:srgbClr val="FFFFFF"/>
-                </a:highlight>
-                <a:latin typeface="Source Code Pro"/>
-                <a:ea typeface="Source Code Pro"/>
-                <a:cs typeface="Source Code Pro"/>
+              <a:rPr lang="en" sz="1400" dirty="0">
+                <a:solidFill>
+                  <a:srgbClr val="000000"/>
+                </a:solidFill>
+                <a:highlight>
+                  <a:srgbClr val="FFFFFF"/>
+                </a:highlight>
+                <a:latin typeface="Consolas"/>
+                <a:ea typeface="Source Code Pro"/>
+                <a:cs typeface="Consolas"/>
                 <a:sym typeface="Source Code Pro"/>
               </a:rPr>
               <a:t>,</a:t>
@@ -18240,7 +18036,7 @@
           <a:p>
             <a:pPr marL="0" lvl="0" indent="0" rtl="0">
               <a:lnSpc>
-                <a:spcPct val="115000"/>
+                <a:spcPct val="100000"/>
               </a:lnSpc>
               <a:spcBef>
                 <a:spcPts val="0"/>
@@ -18251,91 +18047,76 @@
               <a:buNone/>
             </a:pPr>
             <a:r>
-              <a:rPr lang="en" sz="1200" dirty="0">
-                <a:solidFill>
-                  <a:srgbClr val="000000"/>
-                </a:solidFill>
-                <a:highlight>
-                  <a:srgbClr val="FFFFFF"/>
-                </a:highlight>
-                <a:latin typeface="Source Code Pro"/>
-                <a:ea typeface="Source Code Pro"/>
-                <a:cs typeface="Source Code Pro"/>
+              <a:rPr lang="en" sz="1400" dirty="0">
+                <a:solidFill>
+                  <a:srgbClr val="000000"/>
+                </a:solidFill>
+                <a:highlight>
+                  <a:srgbClr val="FFFFFF"/>
+                </a:highlight>
+                <a:latin typeface="Consolas"/>
+                <a:ea typeface="Source Code Pro"/>
+                <a:cs typeface="Consolas"/>
                 <a:sym typeface="Source Code Pro"/>
               </a:rPr>
               <a:t>    </a:t>
             </a:r>
             <a:r>
-              <a:rPr lang="en-US" sz="1200" dirty="0" smtClean="0">
-                <a:solidFill>
-                  <a:srgbClr val="000000"/>
-                </a:solidFill>
-                <a:highlight>
-                  <a:srgbClr val="FFFFFF"/>
-                </a:highlight>
-                <a:latin typeface="Source Code Pro"/>
-                <a:ea typeface="Source Code Pro"/>
-                <a:cs typeface="Source Code Pro"/>
-                <a:sym typeface="Source Code Pro"/>
-              </a:rPr>
-              <a:t>  </a:t>
-            </a:r>
-            <a:r>
-              <a:rPr lang="en" sz="1200" dirty="0" smtClean="0">
-                <a:solidFill>
-                  <a:srgbClr val="000000"/>
-                </a:solidFill>
-                <a:highlight>
-                  <a:srgbClr val="FFFFFF"/>
-                </a:highlight>
-                <a:latin typeface="Source Code Pro"/>
-                <a:ea typeface="Source Code Pro"/>
-                <a:cs typeface="Source Code Pro"/>
+              <a:rPr lang="en" sz="1400" dirty="0" smtClean="0">
+                <a:solidFill>
+                  <a:srgbClr val="000000"/>
+                </a:solidFill>
+                <a:highlight>
+                  <a:srgbClr val="FFFFFF"/>
+                </a:highlight>
+                <a:latin typeface="Consolas"/>
+                <a:ea typeface="Source Code Pro"/>
+                <a:cs typeface="Consolas"/>
                 <a:sym typeface="Source Code Pro"/>
               </a:rPr>
               <a:t>y </a:t>
             </a:r>
             <a:r>
-              <a:rPr lang="en" sz="1200" dirty="0">
-                <a:solidFill>
-                  <a:srgbClr val="000000"/>
-                </a:solidFill>
-                <a:highlight>
-                  <a:srgbClr val="FFFFFF"/>
-                </a:highlight>
-                <a:latin typeface="Source Code Pro"/>
-                <a:ea typeface="Source Code Pro"/>
-                <a:cs typeface="Source Code Pro"/>
+              <a:rPr lang="en" sz="1400" dirty="0">
+                <a:solidFill>
+                  <a:srgbClr val="000000"/>
+                </a:solidFill>
+                <a:highlight>
+                  <a:srgbClr val="FFFFFF"/>
+                </a:highlight>
+                <a:latin typeface="Consolas"/>
+                <a:ea typeface="Source Code Pro"/>
+                <a:cs typeface="Consolas"/>
                 <a:sym typeface="Source Code Pro"/>
               </a:rPr>
               <a:t>= </a:t>
             </a:r>
             <a:r>
-              <a:rPr lang="en" sz="1200" dirty="0">
+              <a:rPr lang="en" sz="1400" dirty="0">
                 <a:solidFill>
                   <a:srgbClr val="FF0000"/>
                 </a:solidFill>
                 <a:highlight>
                   <a:srgbClr val="FFFFFF"/>
                 </a:highlight>
-                <a:latin typeface="Source Code Pro"/>
-                <a:ea typeface="Source Code Pro"/>
-                <a:cs typeface="Source Code Pro"/>
+                <a:latin typeface="Consolas"/>
+                <a:ea typeface="Source Code Pro"/>
+                <a:cs typeface="Consolas"/>
                 <a:sym typeface="Source Code Pro"/>
               </a:rPr>
               <a:t>6</a:t>
             </a:r>
             <a:r>
-              <a:rPr lang="en" sz="1200" dirty="0">
-                <a:solidFill>
-                  <a:srgbClr val="000000"/>
-                </a:solidFill>
-                <a:highlight>
-                  <a:srgbClr val="FFFFFF"/>
-                </a:highlight>
-                <a:latin typeface="Source Code Pro"/>
-                <a:ea typeface="Source Code Pro"/>
-                <a:cs typeface="Source Code Pro"/>
+              <a:rPr lang="en" sz="1400" dirty="0">
+                <a:solidFill>
+                  <a:srgbClr val="000000"/>
+                </a:solidFill>
+                <a:highlight>
+                  <a:srgbClr val="FFFFFF"/>
+                </a:highlight>
+                <a:latin typeface="Consolas"/>
+                <a:ea typeface="Source Code Pro"/>
+                <a:cs typeface="Consolas"/>
                 <a:sym typeface="Source Code Pro"/>
               </a:rPr>
               <a:t>,</a:t>
@@ -18344,7 +18125,7 @@
           <a:p>
             <a:pPr lvl="0" rtl="0">
               <a:lnSpc>
-                <a:spcPct val="115000"/>
+                <a:spcPct val="100000"/>
               </a:lnSpc>
               <a:spcBef>
                 <a:spcPts val="0"/>
@@ -18355,91 +18136,76 @@
               <a:buNone/>
             </a:pPr>
             <a:r>
-              <a:rPr lang="en" sz="1200" dirty="0">
-                <a:solidFill>
-                  <a:srgbClr val="000000"/>
-                </a:solidFill>
-                <a:highlight>
-                  <a:srgbClr val="FFFFFF"/>
-                </a:highlight>
-                <a:latin typeface="Source Code Pro"/>
-                <a:ea typeface="Source Code Pro"/>
-                <a:cs typeface="Source Code Pro"/>
+              <a:rPr lang="en" sz="1400" dirty="0">
+                <a:solidFill>
+                  <a:srgbClr val="000000"/>
+                </a:solidFill>
+                <a:highlight>
+                  <a:srgbClr val="FFFFFF"/>
+                </a:highlight>
+                <a:latin typeface="Consolas"/>
+                <a:ea typeface="Source Code Pro"/>
+                <a:cs typeface="Consolas"/>
                 <a:sym typeface="Source Code Pro"/>
               </a:rPr>
               <a:t>    </a:t>
             </a:r>
             <a:r>
-              <a:rPr lang="en-US" sz="1200" dirty="0" smtClean="0">
-                <a:solidFill>
-                  <a:srgbClr val="000000"/>
-                </a:solidFill>
-                <a:highlight>
-                  <a:srgbClr val="FFFFFF"/>
-                </a:highlight>
-                <a:latin typeface="Source Code Pro"/>
-                <a:ea typeface="Source Code Pro"/>
-                <a:cs typeface="Source Code Pro"/>
-                <a:sym typeface="Source Code Pro"/>
-              </a:rPr>
-              <a:t>  </a:t>
-            </a:r>
-            <a:r>
-              <a:rPr lang="en" sz="1200" dirty="0" smtClean="0">
-                <a:solidFill>
-                  <a:srgbClr val="000000"/>
-                </a:solidFill>
-                <a:highlight>
-                  <a:srgbClr val="FFFFFF"/>
-                </a:highlight>
-                <a:latin typeface="Source Code Pro"/>
-                <a:ea typeface="Source Code Pro"/>
-                <a:cs typeface="Source Code Pro"/>
+              <a:rPr lang="en" sz="1400" dirty="0" smtClean="0">
+                <a:solidFill>
+                  <a:srgbClr val="000000"/>
+                </a:solidFill>
+                <a:highlight>
+                  <a:srgbClr val="FFFFFF"/>
+                </a:highlight>
+                <a:latin typeface="Consolas"/>
+                <a:ea typeface="Source Code Pro"/>
+                <a:cs typeface="Consolas"/>
                 <a:sym typeface="Source Code Pro"/>
               </a:rPr>
               <a:t>z </a:t>
             </a:r>
             <a:r>
-              <a:rPr lang="en" sz="1200" dirty="0">
-                <a:solidFill>
-                  <a:srgbClr val="000000"/>
-                </a:solidFill>
-                <a:highlight>
-                  <a:srgbClr val="FFFFFF"/>
-                </a:highlight>
-                <a:latin typeface="Source Code Pro"/>
-                <a:ea typeface="Source Code Pro"/>
-                <a:cs typeface="Source Code Pro"/>
+              <a:rPr lang="en" sz="1400" dirty="0">
+                <a:solidFill>
+                  <a:srgbClr val="000000"/>
+                </a:solidFill>
+                <a:highlight>
+                  <a:srgbClr val="FFFFFF"/>
+                </a:highlight>
+                <a:latin typeface="Consolas"/>
+                <a:ea typeface="Source Code Pro"/>
+                <a:cs typeface="Consolas"/>
                 <a:sym typeface="Source Code Pro"/>
               </a:rPr>
               <a:t>= </a:t>
             </a:r>
             <a:r>
-              <a:rPr lang="en" sz="1200" dirty="0">
+              <a:rPr lang="en" sz="1400" dirty="0">
                 <a:solidFill>
                   <a:srgbClr val="FF0000"/>
                 </a:solidFill>
                 <a:highlight>
                   <a:srgbClr val="FFFFFF"/>
                 </a:highlight>
-                <a:latin typeface="Source Code Pro"/>
-                <a:ea typeface="Source Code Pro"/>
-                <a:cs typeface="Source Code Pro"/>
+                <a:latin typeface="Consolas"/>
+                <a:ea typeface="Source Code Pro"/>
+                <a:cs typeface="Consolas"/>
                 <a:sym typeface="Source Code Pro"/>
               </a:rPr>
               <a:t>7</a:t>
             </a:r>
             <a:r>
-              <a:rPr lang="en" sz="1200" dirty="0">
-                <a:solidFill>
-                  <a:srgbClr val="000000"/>
-                </a:solidFill>
-                <a:highlight>
-                  <a:srgbClr val="FFFFFF"/>
-                </a:highlight>
-                <a:latin typeface="Source Code Pro"/>
-                <a:ea typeface="Source Code Pro"/>
-                <a:cs typeface="Source Code Pro"/>
+              <a:rPr lang="en" sz="1400" dirty="0">
+                <a:solidFill>
+                  <a:srgbClr val="000000"/>
+                </a:solidFill>
+                <a:highlight>
+                  <a:srgbClr val="FFFFFF"/>
+                </a:highlight>
+                <a:latin typeface="Consolas"/>
+                <a:ea typeface="Source Code Pro"/>
+                <a:cs typeface="Consolas"/>
                 <a:sym typeface="Source Code Pro"/>
               </a:rPr>
               <a:t>;</a:t>
@@ -18448,7 +18214,7 @@
           <a:p>
             <a:pPr lvl="0" rtl="0">
               <a:lnSpc>
-                <a:spcPct val="115000"/>
+                <a:spcPct val="100000"/>
               </a:lnSpc>
               <a:spcBef>
                 <a:spcPts val="0"/>
@@ -18474,7 +18240,7 @@
           <a:p>
             <a:pPr lvl="0" rtl="0">
               <a:lnSpc>
-                <a:spcPct val="115000"/>
+                <a:spcPct val="100000"/>
               </a:lnSpc>
               <a:spcBef>
                 <a:spcPts val="0"/>
@@ -18485,7 +18251,7 @@
               <a:buNone/>
             </a:pPr>
             <a:r>
-              <a:rPr lang="en" sz="1200" dirty="0">
+              <a:rPr lang="en" dirty="0">
                 <a:highlight>
                   <a:srgbClr val="FFFFFF"/>
                 </a:highlight>
@@ -18495,6 +18261,9 @@
           </a:p>
           <a:p>
             <a:pPr lvl="0">
+              <a:lnSpc>
+                <a:spcPct val="100000"/>
+              </a:lnSpc>
               <a:spcBef>
                 <a:spcPts val="0"/>
               </a:spcBef>
@@ -18592,7 +18361,7 @@
           </a:bodyPr>
           <a:lstStyle/>
           <a:p>
-            <a:pPr lvl="0" rtl="0">
+            <a:pPr marL="285750" lvl="0" indent="-285750" rtl="0">
               <a:lnSpc>
                 <a:spcPct val="130000"/>
               </a:lnSpc>
@@ -18602,7 +18371,8 @@
               <a:spcAft>
                 <a:spcPts val="0"/>
               </a:spcAft>
-              <a:buNone/>
+              <a:buFont typeface="Arial"/>
+              <a:buChar char="•"/>
             </a:pPr>
             <a:r>
               <a:rPr lang="en" dirty="0"/>
@@ -18623,46 +18393,46 @@
               <a:buNone/>
             </a:pPr>
             <a:r>
-              <a:rPr lang="en" sz="1200" dirty="0">
+              <a:rPr lang="en" sz="1400" dirty="0">
                 <a:solidFill>
                   <a:srgbClr val="0000CD"/>
                 </a:solidFill>
                 <a:highlight>
                   <a:srgbClr val="FFFFFF"/>
                 </a:highlight>
-                <a:latin typeface="Source Code Pro"/>
-                <a:ea typeface="Source Code Pro"/>
-                <a:cs typeface="Source Code Pro"/>
+                <a:latin typeface="Consolas"/>
+                <a:ea typeface="Source Code Pro"/>
+                <a:cs typeface="Consolas"/>
                 <a:sym typeface="Source Code Pro"/>
               </a:rPr>
               <a:t>var</a:t>
             </a:r>
             <a:r>
-              <a:rPr lang="en" sz="1200" dirty="0">
-                <a:solidFill>
-                  <a:srgbClr val="000000"/>
-                </a:solidFill>
-                <a:highlight>
-                  <a:srgbClr val="FFFFFF"/>
-                </a:highlight>
-                <a:latin typeface="Source Code Pro"/>
-                <a:ea typeface="Source Code Pro"/>
-                <a:cs typeface="Source Code Pro"/>
+              <a:rPr lang="en" sz="1400" dirty="0">
+                <a:solidFill>
+                  <a:srgbClr val="000000"/>
+                </a:solidFill>
+                <a:highlight>
+                  <a:srgbClr val="FFFFFF"/>
+                </a:highlight>
+                <a:latin typeface="Consolas"/>
+                <a:ea typeface="Source Code Pro"/>
+                <a:cs typeface="Consolas"/>
                 <a:sym typeface="Source Code Pro"/>
               </a:rPr>
               <a:t> x;          	</a:t>
             </a:r>
             <a:r>
-              <a:rPr lang="en" sz="1200" dirty="0">
+              <a:rPr lang="en" sz="1400" dirty="0">
                 <a:solidFill>
                   <a:srgbClr val="999999"/>
                 </a:solidFill>
                 <a:highlight>
                   <a:srgbClr val="FFFFFF"/>
                 </a:highlight>
-                <a:latin typeface="Source Code Pro"/>
-                <a:ea typeface="Source Code Pro"/>
-                <a:cs typeface="Source Code Pro"/>
+                <a:latin typeface="Consolas"/>
+                <a:ea typeface="Source Code Pro"/>
+                <a:cs typeface="Consolas"/>
                 <a:sym typeface="Source Code Pro"/>
               </a:rPr>
               <a:t>// Now x is undefined</a:t>
@@ -18682,76 +18452,76 @@
               <a:buNone/>
             </a:pPr>
             <a:r>
-              <a:rPr lang="en" sz="1200" dirty="0">
+              <a:rPr lang="en" sz="1400" dirty="0">
                 <a:solidFill>
                   <a:srgbClr val="0B5394"/>
                 </a:solidFill>
                 <a:highlight>
                   <a:srgbClr val="FFFFFF"/>
                 </a:highlight>
-                <a:latin typeface="Source Code Pro"/>
-                <a:ea typeface="Source Code Pro"/>
-                <a:cs typeface="Source Code Pro"/>
+                <a:latin typeface="Consolas"/>
+                <a:ea typeface="Source Code Pro"/>
+                <a:cs typeface="Consolas"/>
                 <a:sym typeface="Source Code Pro"/>
               </a:rPr>
               <a:t>var</a:t>
             </a:r>
             <a:r>
-              <a:rPr lang="en" sz="1200" dirty="0">
-                <a:solidFill>
-                  <a:srgbClr val="000000"/>
-                </a:solidFill>
-                <a:highlight>
-                  <a:srgbClr val="FFFFFF"/>
-                </a:highlight>
-                <a:latin typeface="Source Code Pro"/>
-                <a:ea typeface="Source Code Pro"/>
-                <a:cs typeface="Source Code Pro"/>
+              <a:rPr lang="en" sz="1400" dirty="0">
+                <a:solidFill>
+                  <a:srgbClr val="000000"/>
+                </a:solidFill>
+                <a:highlight>
+                  <a:srgbClr val="FFFFFF"/>
+                </a:highlight>
+                <a:latin typeface="Consolas"/>
+                <a:ea typeface="Source Code Pro"/>
+                <a:cs typeface="Consolas"/>
                 <a:sym typeface="Source Code Pro"/>
               </a:rPr>
               <a:t> x = </a:t>
             </a:r>
             <a:r>
-              <a:rPr lang="en" sz="1200" dirty="0">
+              <a:rPr lang="en" sz="1400" dirty="0">
                 <a:solidFill>
                   <a:srgbClr val="FF0000"/>
                 </a:solidFill>
                 <a:highlight>
                   <a:srgbClr val="FFFFFF"/>
                 </a:highlight>
-                <a:latin typeface="Source Code Pro"/>
-                <a:ea typeface="Source Code Pro"/>
-                <a:cs typeface="Source Code Pro"/>
+                <a:latin typeface="Consolas"/>
+                <a:ea typeface="Source Code Pro"/>
+                <a:cs typeface="Consolas"/>
                 <a:sym typeface="Source Code Pro"/>
               </a:rPr>
               <a:t>5</a:t>
             </a:r>
             <a:r>
-              <a:rPr lang="en" sz="1200" dirty="0">
-                <a:solidFill>
-                  <a:srgbClr val="000000"/>
-                </a:solidFill>
-                <a:highlight>
-                  <a:srgbClr val="FFFFFF"/>
-                </a:highlight>
-                <a:latin typeface="Source Code Pro"/>
-                <a:ea typeface="Source Code Pro"/>
-                <a:cs typeface="Source Code Pro"/>
+              <a:rPr lang="en" sz="1400" dirty="0">
+                <a:solidFill>
+                  <a:srgbClr val="000000"/>
+                </a:solidFill>
+                <a:highlight>
+                  <a:srgbClr val="FFFFFF"/>
+                </a:highlight>
+                <a:latin typeface="Consolas"/>
+                <a:ea typeface="Source Code Pro"/>
+                <a:cs typeface="Consolas"/>
                 <a:sym typeface="Source Code Pro"/>
               </a:rPr>
               <a:t>;       	</a:t>
             </a:r>
             <a:r>
-              <a:rPr lang="en" sz="1200" dirty="0">
+              <a:rPr lang="en" sz="1400" dirty="0">
                 <a:solidFill>
                   <a:srgbClr val="999999"/>
                 </a:solidFill>
                 <a:highlight>
                   <a:srgbClr val="FFFFFF"/>
                 </a:highlight>
-                <a:latin typeface="Source Code Pro"/>
-                <a:ea typeface="Source Code Pro"/>
-                <a:cs typeface="Source Code Pro"/>
+                <a:latin typeface="Consolas"/>
+                <a:ea typeface="Source Code Pro"/>
+                <a:cs typeface="Consolas"/>
                 <a:sym typeface="Source Code Pro"/>
               </a:rPr>
               <a:t>// Now x is a Number</a:t>
@@ -18771,94 +18541,95 @@
               <a:buNone/>
             </a:pPr>
             <a:r>
-              <a:rPr lang="en" sz="1200" dirty="0">
+              <a:rPr lang="en" sz="1400" dirty="0">
                 <a:solidFill>
                   <a:srgbClr val="0000CD"/>
                 </a:solidFill>
                 <a:highlight>
                   <a:srgbClr val="FFFFFF"/>
                 </a:highlight>
-                <a:latin typeface="Source Code Pro"/>
-                <a:ea typeface="Source Code Pro"/>
-                <a:cs typeface="Source Code Pro"/>
+                <a:latin typeface="Consolas"/>
+                <a:ea typeface="Source Code Pro"/>
+                <a:cs typeface="Consolas"/>
                 <a:sym typeface="Source Code Pro"/>
               </a:rPr>
               <a:t>var</a:t>
             </a:r>
             <a:r>
-              <a:rPr lang="en" sz="1200" dirty="0">
-                <a:solidFill>
-                  <a:srgbClr val="000000"/>
-                </a:solidFill>
-                <a:highlight>
-                  <a:srgbClr val="FFFFFF"/>
-                </a:highlight>
-                <a:latin typeface="Source Code Pro"/>
-                <a:ea typeface="Source Code Pro"/>
-                <a:cs typeface="Source Code Pro"/>
+              <a:rPr lang="en" sz="1400" dirty="0">
+                <a:solidFill>
+                  <a:srgbClr val="000000"/>
+                </a:solidFill>
+                <a:highlight>
+                  <a:srgbClr val="FFFFFF"/>
+                </a:highlight>
+                <a:latin typeface="Consolas"/>
+                <a:ea typeface="Source Code Pro"/>
+                <a:cs typeface="Consolas"/>
                 <a:sym typeface="Source Code Pro"/>
               </a:rPr>
               <a:t> x = </a:t>
             </a:r>
             <a:r>
-              <a:rPr lang="en" sz="1200" dirty="0">
+              <a:rPr lang="en" sz="1400" dirty="0">
                 <a:solidFill>
                   <a:srgbClr val="A52A2A"/>
                 </a:solidFill>
                 <a:highlight>
                   <a:srgbClr val="FFFFFF"/>
                 </a:highlight>
-                <a:latin typeface="Source Code Pro"/>
-                <a:ea typeface="Source Code Pro"/>
-                <a:cs typeface="Source Code Pro"/>
+                <a:latin typeface="Consolas"/>
+                <a:ea typeface="Source Code Pro"/>
+                <a:cs typeface="Consolas"/>
                 <a:sym typeface="Source Code Pro"/>
               </a:rPr>
               <a:t>"John"</a:t>
             </a:r>
             <a:r>
-              <a:rPr lang="en" sz="1200" dirty="0">
-                <a:solidFill>
-                  <a:srgbClr val="000000"/>
-                </a:solidFill>
-                <a:highlight>
-                  <a:srgbClr val="FFFFFF"/>
-                </a:highlight>
-                <a:latin typeface="Source Code Pro"/>
-                <a:ea typeface="Source Code Pro"/>
-                <a:cs typeface="Source Code Pro"/>
+              <a:rPr lang="en" sz="1400" dirty="0">
+                <a:solidFill>
+                  <a:srgbClr val="000000"/>
+                </a:solidFill>
+                <a:highlight>
+                  <a:srgbClr val="FFFFFF"/>
+                </a:highlight>
+                <a:latin typeface="Consolas"/>
+                <a:ea typeface="Source Code Pro"/>
+                <a:cs typeface="Consolas"/>
                 <a:sym typeface="Source Code Pro"/>
               </a:rPr>
               <a:t>;  	</a:t>
             </a:r>
             <a:r>
-              <a:rPr lang="en" sz="1200" dirty="0">
+              <a:rPr lang="en" sz="1400" dirty="0">
                 <a:solidFill>
                   <a:srgbClr val="999999"/>
                 </a:solidFill>
                 <a:highlight>
                   <a:srgbClr val="FFFFFF"/>
                 </a:highlight>
-                <a:latin typeface="Source Code Pro"/>
-                <a:ea typeface="Source Code Pro"/>
-                <a:cs typeface="Source Code Pro"/>
-                <a:sym typeface="Source Code Pro"/>
-              </a:rPr>
-              <a:t>// Now x is a String</a:t>
-            </a:r>
-          </a:p>
-          <a:p>
-            <a:pPr lvl="0" rtl="0">
-              <a:lnSpc>
-                <a:spcPct val="130000"/>
-              </a:lnSpc>
-              <a:spcBef>
-                <a:spcPts val="0"/>
-              </a:spcBef>
-              <a:spcAft>
-                <a:spcPts val="0"/>
-              </a:spcAft>
-              <a:buNone/>
-            </a:pPr>
+                <a:latin typeface="Consolas"/>
+                <a:ea typeface="Source Code Pro"/>
+                <a:cs typeface="Consolas"/>
+                <a:sym typeface="Source Code Pro"/>
+              </a:rPr>
+              <a:t>// Now x is a </a:t>
+            </a:r>
+            <a:r>
+              <a:rPr lang="en" sz="1400" dirty="0" smtClean="0">
+                <a:solidFill>
+                  <a:srgbClr val="999999"/>
+                </a:solidFill>
+                <a:highlight>
+                  <a:srgbClr val="FFFFFF"/>
+                </a:highlight>
+                <a:latin typeface="Consolas"/>
+                <a:ea typeface="Source Code Pro"/>
+                <a:cs typeface="Consolas"/>
+                <a:sym typeface="Source Code Pro"/>
+              </a:rPr>
+              <a:t>String</a:t>
+            </a:r>
             <a:endParaRPr sz="1200" dirty="0">
               <a:solidFill>
                 <a:srgbClr val="999999"/>
@@ -18873,6 +18644,25 @@
             </a:endParaRPr>
           </a:p>
           <a:p>
+            <a:pPr marL="285750" lvl="0" indent="-285750" rtl="0">
+              <a:lnSpc>
+                <a:spcPct val="130000"/>
+              </a:lnSpc>
+              <a:spcBef>
+                <a:spcPts val="0"/>
+              </a:spcBef>
+              <a:spcAft>
+                <a:spcPts val="0"/>
+              </a:spcAft>
+              <a:buFont typeface="Arial"/>
+              <a:buChar char="•"/>
+            </a:pPr>
+            <a:r>
+              <a:rPr lang="en" dirty="0"/>
+              <a:t>Casting</a:t>
+            </a:r>
+          </a:p>
+          <a:p>
             <a:pPr lvl="0" rtl="0">
               <a:lnSpc>
                 <a:spcPct val="130000"/>
@@ -18880,206 +18670,212 @@
               <a:spcBef>
                 <a:spcPts val="0"/>
               </a:spcBef>
-              <a:spcAft>
-                <a:spcPts val="0"/>
-              </a:spcAft>
-              <a:buNone/>
-            </a:pPr>
-            <a:r>
-              <a:rPr lang="en" dirty="0"/>
-              <a:t>Casting</a:t>
-            </a:r>
-          </a:p>
-          <a:p>
-            <a:pPr lvl="0" rtl="0">
+              <a:buNone/>
+            </a:pPr>
+            <a:r>
+              <a:rPr lang="en" sz="1400" dirty="0">
+                <a:solidFill>
+                  <a:srgbClr val="999999"/>
+                </a:solidFill>
+                <a:highlight>
+                  <a:srgbClr val="FFFFFF"/>
+                </a:highlight>
+                <a:latin typeface="Consolas"/>
+                <a:ea typeface="Consolas"/>
+                <a:cs typeface="Consolas"/>
+                <a:sym typeface="Consolas"/>
+              </a:rPr>
+              <a:t>  </a:t>
+            </a:r>
+            <a:r>
+              <a:rPr lang="en-US" sz="1400" dirty="0" smtClean="0">
+                <a:solidFill>
+                  <a:srgbClr val="999999"/>
+                </a:solidFill>
+                <a:highlight>
+                  <a:srgbClr val="FFFFFF"/>
+                </a:highlight>
+                <a:latin typeface="Consolas"/>
+                <a:ea typeface="Consolas"/>
+                <a:cs typeface="Consolas"/>
+                <a:sym typeface="Consolas"/>
+              </a:rPr>
+              <a:t>   </a:t>
+            </a:r>
+            <a:r>
+              <a:rPr lang="en" sz="1400" dirty="0" smtClean="0">
+                <a:solidFill>
+                  <a:srgbClr val="0000CD"/>
+                </a:solidFill>
+                <a:highlight>
+                  <a:srgbClr val="FFFFFF"/>
+                </a:highlight>
+                <a:latin typeface="Consolas"/>
+                <a:ea typeface="Source Code Pro"/>
+                <a:cs typeface="Consolas"/>
+                <a:sym typeface="Source Code Pro"/>
+              </a:rPr>
+              <a:t>var</a:t>
+            </a:r>
+            <a:r>
+              <a:rPr lang="en" sz="1400" dirty="0" smtClean="0">
+                <a:solidFill>
+                  <a:srgbClr val="000000"/>
+                </a:solidFill>
+                <a:highlight>
+                  <a:srgbClr val="FFFFFF"/>
+                </a:highlight>
+                <a:latin typeface="Consolas"/>
+                <a:ea typeface="Source Code Pro"/>
+                <a:cs typeface="Consolas"/>
+                <a:sym typeface="Source Code Pro"/>
+              </a:rPr>
+              <a:t> </a:t>
+            </a:r>
+            <a:r>
+              <a:rPr lang="en" sz="1400" dirty="0">
+                <a:solidFill>
+                  <a:srgbClr val="000000"/>
+                </a:solidFill>
+                <a:highlight>
+                  <a:srgbClr val="FFFFFF"/>
+                </a:highlight>
+                <a:latin typeface="Consolas"/>
+                <a:ea typeface="Source Code Pro"/>
+                <a:cs typeface="Consolas"/>
+                <a:sym typeface="Source Code Pro"/>
+              </a:rPr>
+              <a:t>x = </a:t>
+            </a:r>
+            <a:r>
+              <a:rPr lang="en" sz="1400" dirty="0">
+                <a:solidFill>
+                  <a:srgbClr val="A52A2A"/>
+                </a:solidFill>
+                <a:highlight>
+                  <a:srgbClr val="FFFFFF"/>
+                </a:highlight>
+                <a:latin typeface="Consolas"/>
+                <a:ea typeface="Source Code Pro"/>
+                <a:cs typeface="Consolas"/>
+                <a:sym typeface="Source Code Pro"/>
+              </a:rPr>
+              <a:t>"5"</a:t>
+            </a:r>
+            <a:r>
+              <a:rPr lang="en" sz="1400" dirty="0">
+                <a:solidFill>
+                  <a:srgbClr val="000000"/>
+                </a:solidFill>
+                <a:highlight>
+                  <a:srgbClr val="FFFFFF"/>
+                </a:highlight>
+                <a:latin typeface="Consolas"/>
+                <a:ea typeface="Source Code Pro"/>
+                <a:cs typeface="Consolas"/>
+                <a:sym typeface="Source Code Pro"/>
+              </a:rPr>
+              <a:t> + </a:t>
+            </a:r>
+            <a:r>
+              <a:rPr lang="en" sz="1400" dirty="0">
+                <a:solidFill>
+                  <a:srgbClr val="FF0000"/>
+                </a:solidFill>
+                <a:highlight>
+                  <a:srgbClr val="FFFFFF"/>
+                </a:highlight>
+                <a:latin typeface="Consolas"/>
+                <a:ea typeface="Source Code Pro"/>
+                <a:cs typeface="Consolas"/>
+                <a:sym typeface="Source Code Pro"/>
+              </a:rPr>
+              <a:t>2</a:t>
+            </a:r>
+            <a:r>
+              <a:rPr lang="en" sz="1400" dirty="0">
+                <a:solidFill>
+                  <a:srgbClr val="000000"/>
+                </a:solidFill>
+                <a:highlight>
+                  <a:srgbClr val="FFFFFF"/>
+                </a:highlight>
+                <a:latin typeface="Consolas"/>
+                <a:ea typeface="Source Code Pro"/>
+                <a:cs typeface="Consolas"/>
+                <a:sym typeface="Source Code Pro"/>
+              </a:rPr>
+              <a:t> + </a:t>
+            </a:r>
+            <a:r>
+              <a:rPr lang="en" sz="1400" dirty="0">
+                <a:solidFill>
+                  <a:srgbClr val="FF0000"/>
+                </a:solidFill>
+                <a:highlight>
+                  <a:srgbClr val="FFFFFF"/>
+                </a:highlight>
+                <a:latin typeface="Consolas"/>
+                <a:ea typeface="Source Code Pro"/>
+                <a:cs typeface="Consolas"/>
+                <a:sym typeface="Source Code Pro"/>
+              </a:rPr>
+              <a:t>3</a:t>
+            </a:r>
+            <a:r>
+              <a:rPr lang="en" sz="1400" dirty="0">
+                <a:solidFill>
+                  <a:srgbClr val="000000"/>
+                </a:solidFill>
+                <a:highlight>
+                  <a:srgbClr val="FFFFFF"/>
+                </a:highlight>
+                <a:latin typeface="Consolas"/>
+                <a:ea typeface="Source Code Pro"/>
+                <a:cs typeface="Consolas"/>
+                <a:sym typeface="Source Code Pro"/>
+              </a:rPr>
+              <a:t>;   </a:t>
+            </a:r>
+            <a:r>
+              <a:rPr lang="en" sz="1400" dirty="0">
+                <a:solidFill>
+                  <a:srgbClr val="999999"/>
+                </a:solidFill>
+                <a:highlight>
+                  <a:srgbClr val="FFFFFF"/>
+                </a:highlight>
+                <a:latin typeface="Consolas"/>
+                <a:ea typeface="Source Code Pro"/>
+                <a:cs typeface="Consolas"/>
+                <a:sym typeface="Source Code Pro"/>
+              </a:rPr>
+              <a:t>// Will equal string “523”</a:t>
+            </a:r>
+          </a:p>
+          <a:p>
+            <a:pPr marL="285750" lvl="0" indent="-285750">
               <a:lnSpc>
                 <a:spcPct val="130000"/>
               </a:lnSpc>
               <a:spcBef>
                 <a:spcPts val="0"/>
               </a:spcBef>
-              <a:buNone/>
-            </a:pPr>
-            <a:r>
-              <a:rPr lang="en" sz="1200" dirty="0">
-                <a:solidFill>
-                  <a:srgbClr val="999999"/>
-                </a:solidFill>
-                <a:highlight>
-                  <a:srgbClr val="FFFFFF"/>
-                </a:highlight>
-                <a:latin typeface="Consolas"/>
-                <a:ea typeface="Consolas"/>
-                <a:cs typeface="Consolas"/>
-                <a:sym typeface="Consolas"/>
-              </a:rPr>
-              <a:t>  </a:t>
-            </a:r>
-            <a:r>
-              <a:rPr lang="en-US" sz="1200" dirty="0" smtClean="0">
-                <a:solidFill>
-                  <a:srgbClr val="999999"/>
-                </a:solidFill>
-                <a:highlight>
-                  <a:srgbClr val="FFFFFF"/>
-                </a:highlight>
-                <a:latin typeface="Consolas"/>
-                <a:ea typeface="Consolas"/>
-                <a:cs typeface="Consolas"/>
-                <a:sym typeface="Consolas"/>
-              </a:rPr>
-              <a:t>   </a:t>
-            </a:r>
-            <a:r>
-              <a:rPr lang="en" sz="1200" dirty="0" smtClean="0">
-                <a:solidFill>
-                  <a:srgbClr val="0000CD"/>
-                </a:solidFill>
-                <a:highlight>
-                  <a:srgbClr val="FFFFFF"/>
-                </a:highlight>
-                <a:latin typeface="Source Code Pro"/>
-                <a:ea typeface="Source Code Pro"/>
-                <a:cs typeface="Source Code Pro"/>
-                <a:sym typeface="Source Code Pro"/>
-              </a:rPr>
-              <a:t>var</a:t>
-            </a:r>
-            <a:r>
-              <a:rPr lang="en" sz="1200" dirty="0" smtClean="0">
-                <a:solidFill>
-                  <a:srgbClr val="000000"/>
-                </a:solidFill>
-                <a:highlight>
-                  <a:srgbClr val="FFFFFF"/>
-                </a:highlight>
-                <a:latin typeface="Source Code Pro"/>
-                <a:ea typeface="Source Code Pro"/>
-                <a:cs typeface="Source Code Pro"/>
-                <a:sym typeface="Source Code Pro"/>
-              </a:rPr>
-              <a:t> </a:t>
-            </a:r>
-            <a:r>
-              <a:rPr lang="en" sz="1200" dirty="0">
-                <a:solidFill>
-                  <a:srgbClr val="000000"/>
-                </a:solidFill>
-                <a:highlight>
-                  <a:srgbClr val="FFFFFF"/>
-                </a:highlight>
-                <a:latin typeface="Source Code Pro"/>
-                <a:ea typeface="Source Code Pro"/>
-                <a:cs typeface="Source Code Pro"/>
-                <a:sym typeface="Source Code Pro"/>
-              </a:rPr>
-              <a:t>x = </a:t>
-            </a:r>
-            <a:r>
-              <a:rPr lang="en" sz="1200" dirty="0">
-                <a:solidFill>
-                  <a:srgbClr val="A52A2A"/>
-                </a:solidFill>
-                <a:highlight>
-                  <a:srgbClr val="FFFFFF"/>
-                </a:highlight>
-                <a:latin typeface="Source Code Pro"/>
-                <a:ea typeface="Source Code Pro"/>
-                <a:cs typeface="Source Code Pro"/>
-                <a:sym typeface="Source Code Pro"/>
-              </a:rPr>
-              <a:t>"5"</a:t>
-            </a:r>
-            <a:r>
-              <a:rPr lang="en" sz="1200" dirty="0">
-                <a:solidFill>
-                  <a:srgbClr val="000000"/>
-                </a:solidFill>
-                <a:highlight>
-                  <a:srgbClr val="FFFFFF"/>
-                </a:highlight>
-                <a:latin typeface="Source Code Pro"/>
-                <a:ea typeface="Source Code Pro"/>
-                <a:cs typeface="Source Code Pro"/>
-                <a:sym typeface="Source Code Pro"/>
-              </a:rPr>
-              <a:t> + </a:t>
-            </a:r>
-            <a:r>
-              <a:rPr lang="en" sz="1200" dirty="0">
-                <a:solidFill>
-                  <a:srgbClr val="FF0000"/>
-                </a:solidFill>
-                <a:highlight>
-                  <a:srgbClr val="FFFFFF"/>
-                </a:highlight>
-                <a:latin typeface="Source Code Pro"/>
-                <a:ea typeface="Source Code Pro"/>
-                <a:cs typeface="Source Code Pro"/>
-                <a:sym typeface="Source Code Pro"/>
-              </a:rPr>
-              <a:t>2</a:t>
-            </a:r>
-            <a:r>
-              <a:rPr lang="en" sz="1200" dirty="0">
-                <a:solidFill>
-                  <a:srgbClr val="000000"/>
-                </a:solidFill>
-                <a:highlight>
-                  <a:srgbClr val="FFFFFF"/>
-                </a:highlight>
-                <a:latin typeface="Source Code Pro"/>
-                <a:ea typeface="Source Code Pro"/>
-                <a:cs typeface="Source Code Pro"/>
-                <a:sym typeface="Source Code Pro"/>
-              </a:rPr>
-              <a:t> + </a:t>
-            </a:r>
-            <a:r>
-              <a:rPr lang="en" sz="1200" dirty="0">
-                <a:solidFill>
-                  <a:srgbClr val="FF0000"/>
-                </a:solidFill>
-                <a:highlight>
-                  <a:srgbClr val="FFFFFF"/>
-                </a:highlight>
-                <a:latin typeface="Source Code Pro"/>
-                <a:ea typeface="Source Code Pro"/>
-                <a:cs typeface="Source Code Pro"/>
-                <a:sym typeface="Source Code Pro"/>
-              </a:rPr>
-              <a:t>3</a:t>
-            </a:r>
-            <a:r>
-              <a:rPr lang="en" sz="1200" dirty="0">
-                <a:solidFill>
-                  <a:srgbClr val="000000"/>
-                </a:solidFill>
-                <a:highlight>
-                  <a:srgbClr val="FFFFFF"/>
-                </a:highlight>
-                <a:latin typeface="Source Code Pro"/>
-                <a:ea typeface="Source Code Pro"/>
-                <a:cs typeface="Source Code Pro"/>
-                <a:sym typeface="Source Code Pro"/>
-              </a:rPr>
-              <a:t>;   </a:t>
-            </a:r>
-            <a:r>
-              <a:rPr lang="en" sz="1200" dirty="0">
-                <a:solidFill>
-                  <a:srgbClr val="999999"/>
-                </a:solidFill>
-                <a:highlight>
-                  <a:srgbClr val="FFFFFF"/>
-                </a:highlight>
-                <a:latin typeface="Source Code Pro"/>
-                <a:ea typeface="Source Code Pro"/>
-                <a:cs typeface="Source Code Pro"/>
-                <a:sym typeface="Source Code Pro"/>
-              </a:rPr>
-              <a:t>// Will equal string “523”</a:t>
-            </a:r>
+              <a:spcAft>
+                <a:spcPts val="0"/>
+              </a:spcAft>
+              <a:buFont typeface="Arial"/>
+              <a:buChar char="•"/>
+            </a:pPr>
+            <a:r>
+              <a:rPr lang="en" dirty="0"/>
+              <a:t>Enhanced assignment </a:t>
+            </a:r>
+            <a:r>
+              <a:rPr lang="en" dirty="0" smtClean="0"/>
+              <a:t>operators</a:t>
+            </a:r>
+            <a:endParaRPr lang="en-US" dirty="0" smtClean="0"/>
           </a:p>
           <a:p>
             <a:pPr lvl="0">
@@ -19095,14 +18891,110 @@
               <a:buNone/>
             </a:pPr>
             <a:r>
-              <a:rPr lang="en" dirty="0"/>
-              <a:t>Enhanced assignment </a:t>
-            </a:r>
-            <a:r>
-              <a:rPr lang="en" dirty="0" smtClean="0"/>
-              <a:t>operators</a:t>
-            </a:r>
-            <a:endParaRPr lang="en-US" dirty="0" smtClean="0"/>
+              <a:rPr lang="en-US" sz="1200" dirty="0">
+                <a:solidFill>
+                  <a:srgbClr val="0000CD"/>
+                </a:solidFill>
+                <a:latin typeface="Source Code Pro"/>
+                <a:ea typeface="Source Code Pro"/>
+                <a:cs typeface="Source Code Pro"/>
+                <a:sym typeface="Source Code Pro"/>
+              </a:rPr>
+              <a:t> </a:t>
+            </a:r>
+            <a:r>
+              <a:rPr lang="en-US" sz="1200" dirty="0" smtClean="0">
+                <a:solidFill>
+                  <a:srgbClr val="0000CD"/>
+                </a:solidFill>
+                <a:latin typeface="Source Code Pro"/>
+                <a:ea typeface="Source Code Pro"/>
+                <a:cs typeface="Source Code Pro"/>
+                <a:sym typeface="Source Code Pro"/>
+              </a:rPr>
+              <a:t>  </a:t>
+            </a:r>
+            <a:r>
+              <a:rPr lang="en-US" sz="1400" dirty="0" smtClean="0">
+                <a:solidFill>
+                  <a:srgbClr val="0000CD"/>
+                </a:solidFill>
+                <a:latin typeface="Consolas"/>
+                <a:ea typeface="Source Code Pro"/>
+                <a:cs typeface="Consolas"/>
+                <a:sym typeface="Source Code Pro"/>
+              </a:rPr>
+              <a:t>      </a:t>
+            </a:r>
+            <a:r>
+              <a:rPr lang="en" sz="1400" dirty="0" smtClean="0">
+                <a:solidFill>
+                  <a:srgbClr val="0000CD"/>
+                </a:solidFill>
+                <a:latin typeface="Consolas"/>
+                <a:ea typeface="Source Code Pro"/>
+                <a:cs typeface="Consolas"/>
+                <a:sym typeface="Source Code Pro"/>
+              </a:rPr>
+              <a:t>var</a:t>
+            </a:r>
+            <a:r>
+              <a:rPr lang="en" sz="1400" dirty="0" smtClean="0">
+                <a:solidFill>
+                  <a:srgbClr val="000000"/>
+                </a:solidFill>
+                <a:latin typeface="Consolas"/>
+                <a:ea typeface="Source Code Pro"/>
+                <a:cs typeface="Consolas"/>
+                <a:sym typeface="Source Code Pro"/>
+              </a:rPr>
+              <a:t> </a:t>
+            </a:r>
+            <a:r>
+              <a:rPr lang="en" sz="1400" dirty="0">
+                <a:solidFill>
+                  <a:srgbClr val="000000"/>
+                </a:solidFill>
+                <a:latin typeface="Consolas"/>
+                <a:ea typeface="Source Code Pro"/>
+                <a:cs typeface="Consolas"/>
+                <a:sym typeface="Source Code Pro"/>
+              </a:rPr>
+              <a:t>x = </a:t>
+            </a:r>
+            <a:r>
+              <a:rPr lang="en" sz="1400" dirty="0" smtClean="0">
+                <a:solidFill>
+                  <a:srgbClr val="FF0000"/>
+                </a:solidFill>
+                <a:latin typeface="Consolas"/>
+                <a:ea typeface="Source Code Pro"/>
+                <a:cs typeface="Consolas"/>
+                <a:sym typeface="Source Code Pro"/>
+              </a:rPr>
+              <a:t>5</a:t>
+            </a:r>
+            <a:r>
+              <a:rPr lang="en" sz="1400" dirty="0" smtClean="0">
+                <a:solidFill>
+                  <a:srgbClr val="000000"/>
+                </a:solidFill>
+                <a:latin typeface="Consolas"/>
+                <a:ea typeface="Source Code Pro"/>
+                <a:cs typeface="Consolas"/>
+                <a:sym typeface="Source Code Pro"/>
+              </a:rPr>
+              <a:t>;</a:t>
+            </a:r>
+            <a:endParaRPr lang="en-US" sz="1400" dirty="0" smtClean="0">
+              <a:solidFill>
+                <a:srgbClr val="000000"/>
+              </a:solidFill>
+              <a:latin typeface="Consolas"/>
+              <a:ea typeface="Source Code Pro"/>
+              <a:cs typeface="Consolas"/>
+              <a:sym typeface="Source Code Pro"/>
+            </a:endParaRPr>
           </a:p>
           <a:p>
             <a:pPr lvl="0">
@@ -19118,98 +19010,161 @@
               <a:buNone/>
             </a:pPr>
             <a:r>
-              <a:rPr lang="en-US" sz="1200" dirty="0">
-                <a:solidFill>
-                  <a:srgbClr val="0000CD"/>
-                </a:solidFill>
-                <a:latin typeface="Source Code Pro"/>
-                <a:ea typeface="Source Code Pro"/>
-                <a:cs typeface="Source Code Pro"/>
+              <a:rPr lang="en-US" sz="1400" dirty="0">
+                <a:solidFill>
+                  <a:srgbClr val="000000"/>
+                </a:solidFill>
+                <a:latin typeface="Consolas"/>
+                <a:ea typeface="Source Code Pro"/>
+                <a:cs typeface="Consolas"/>
                 <a:sym typeface="Source Code Pro"/>
               </a:rPr>
               <a:t> </a:t>
             </a:r>
             <a:r>
-              <a:rPr lang="en-US" sz="1200" dirty="0" smtClean="0">
-                <a:solidFill>
-                  <a:srgbClr val="0000CD"/>
-                </a:solidFill>
-                <a:latin typeface="Source Code Pro"/>
-                <a:ea typeface="Source Code Pro"/>
-                <a:cs typeface="Source Code Pro"/>
-                <a:sym typeface="Source Code Pro"/>
-              </a:rPr>
-              <a:t>        </a:t>
-            </a:r>
-            <a:r>
-              <a:rPr lang="en" sz="1200" dirty="0" smtClean="0">
-                <a:solidFill>
-                  <a:srgbClr val="0000CD"/>
-                </a:solidFill>
-                <a:latin typeface="Source Code Pro"/>
-                <a:ea typeface="Source Code Pro"/>
-                <a:cs typeface="Source Code Pro"/>
-                <a:sym typeface="Source Code Pro"/>
-              </a:rPr>
-              <a:t>var</a:t>
-            </a:r>
-            <a:r>
-              <a:rPr lang="en" sz="1200" dirty="0" smtClean="0">
-                <a:solidFill>
-                  <a:srgbClr val="000000"/>
-                </a:solidFill>
-                <a:latin typeface="Source Code Pro"/>
-                <a:ea typeface="Source Code Pro"/>
-                <a:cs typeface="Source Code Pro"/>
+              <a:rPr lang="en-US" sz="1400" dirty="0" smtClean="0">
+                <a:solidFill>
+                  <a:srgbClr val="000000"/>
+                </a:solidFill>
+                <a:latin typeface="Consolas"/>
+                <a:ea typeface="Source Code Pro"/>
+                <a:cs typeface="Consolas"/>
+                <a:sym typeface="Source Code Pro"/>
+              </a:rPr>
+              <a:t>      </a:t>
+            </a:r>
+            <a:r>
+              <a:rPr lang="en-US" sz="1400" dirty="0">
+                <a:solidFill>
+                  <a:srgbClr val="000000"/>
+                </a:solidFill>
+                <a:latin typeface="Consolas"/>
+                <a:ea typeface="Source Code Pro"/>
+                <a:cs typeface="Consolas"/>
                 <a:sym typeface="Source Code Pro"/>
               </a:rPr>
               <a:t> </a:t>
             </a:r>
             <a:r>
-              <a:rPr lang="en" sz="1200" dirty="0">
-                <a:solidFill>
-                  <a:srgbClr val="000000"/>
-                </a:solidFill>
-                <a:latin typeface="Source Code Pro"/>
-                <a:ea typeface="Source Code Pro"/>
-                <a:cs typeface="Source Code Pro"/>
-                <a:sym typeface="Source Code Pro"/>
-              </a:rPr>
-              <a:t>x = </a:t>
-            </a:r>
-            <a:r>
-              <a:rPr lang="en" sz="1200" dirty="0" smtClean="0">
+              <a:rPr lang="en" sz="1400" dirty="0" smtClean="0">
+                <a:solidFill>
+                  <a:srgbClr val="000000"/>
+                </a:solidFill>
+                <a:latin typeface="Consolas"/>
+                <a:ea typeface="Source Code Pro"/>
+                <a:cs typeface="Consolas"/>
+                <a:sym typeface="Source Code Pro"/>
+              </a:rPr>
+              <a:t>x </a:t>
+            </a:r>
+            <a:r>
+              <a:rPr lang="en" sz="1400" dirty="0">
+                <a:solidFill>
+                  <a:srgbClr val="000000"/>
+                </a:solidFill>
+                <a:latin typeface="Consolas"/>
+                <a:ea typeface="Source Code Pro"/>
+                <a:cs typeface="Consolas"/>
+                <a:sym typeface="Source Code Pro"/>
+              </a:rPr>
+              <a:t>+= </a:t>
+            </a:r>
+            <a:r>
+              <a:rPr lang="en" sz="1400" dirty="0">
                 <a:solidFill>
                   <a:srgbClr val="FF0000"/>
                 </a:solidFill>
-                <a:latin typeface="Source Code Pro"/>
-                <a:ea typeface="Source Code Pro"/>
-                <a:cs typeface="Source Code Pro"/>
-                <a:sym typeface="Source Code Pro"/>
-              </a:rPr>
-              <a:t>5</a:t>
-            </a:r>
-            <a:r>
-              <a:rPr lang="en" sz="1200" dirty="0" smtClean="0">
-                <a:solidFill>
-                  <a:srgbClr val="000000"/>
-                </a:solidFill>
-                <a:latin typeface="Source Code Pro"/>
-                <a:ea typeface="Source Code Pro"/>
-                <a:cs typeface="Source Code Pro"/>
-                <a:sym typeface="Source Code Pro"/>
-              </a:rPr>
-              <a:t>;</a:t>
-            </a:r>
-            <a:endParaRPr lang="en-US" sz="1200" dirty="0" smtClean="0">
-              <a:solidFill>
-                <a:srgbClr val="000000"/>
-              </a:solidFill>
-              <a:latin typeface="Source Code Pro"/>
-              <a:ea typeface="Source Code Pro"/>
-              <a:cs typeface="Source Code Pro"/>
-              <a:sym typeface="Source Code Pro"/>
-            </a:endParaRPr>
+                <a:latin typeface="Consolas"/>
+                <a:ea typeface="Source Code Pro"/>
+                <a:cs typeface="Consolas"/>
+                <a:sym typeface="Source Code Pro"/>
+              </a:rPr>
+              <a:t>3</a:t>
+            </a:r>
+            <a:r>
+              <a:rPr lang="en" sz="1400" dirty="0">
+                <a:solidFill>
+                  <a:srgbClr val="000000"/>
+                </a:solidFill>
+                <a:latin typeface="Consolas"/>
+                <a:ea typeface="Source Code Pro"/>
+                <a:cs typeface="Consolas"/>
+                <a:sym typeface="Source Code Pro"/>
+              </a:rPr>
+              <a:t>;     </a:t>
+            </a:r>
+            <a:r>
+              <a:rPr lang="en-US" sz="1400" dirty="0" smtClean="0">
+                <a:solidFill>
+                  <a:srgbClr val="000000"/>
+                </a:solidFill>
+                <a:latin typeface="Consolas"/>
+                <a:ea typeface="Source Code Pro"/>
+                <a:cs typeface="Consolas"/>
+                <a:sym typeface="Source Code Pro"/>
+              </a:rPr>
+              <a:t>  </a:t>
+            </a:r>
+            <a:r>
+              <a:rPr lang="en-US" sz="1400" dirty="0" smtClean="0">
+                <a:solidFill>
+                  <a:srgbClr val="000000"/>
+                </a:solidFill>
+                <a:latin typeface="Consolas"/>
+                <a:ea typeface="Source Code Pro"/>
+                <a:cs typeface="Consolas"/>
+                <a:sym typeface="Source Code Pro"/>
+              </a:rPr>
+              <a:t>  </a:t>
+            </a:r>
+            <a:r>
+              <a:rPr lang="en" sz="1400" dirty="0" smtClean="0">
+                <a:solidFill>
+                  <a:srgbClr val="999999"/>
+                </a:solidFill>
+                <a:latin typeface="Consolas"/>
+                <a:ea typeface="Source Code Pro"/>
+                <a:cs typeface="Consolas"/>
+                <a:sym typeface="Source Code Pro"/>
+              </a:rPr>
+              <a:t>// </a:t>
+            </a:r>
+            <a:r>
+              <a:rPr lang="en" sz="1400" dirty="0">
+                <a:solidFill>
+                  <a:srgbClr val="999999"/>
+                </a:solidFill>
+                <a:latin typeface="Consolas"/>
+                <a:ea typeface="Source Code Pro"/>
+                <a:cs typeface="Consolas"/>
+                <a:sym typeface="Source Code Pro"/>
+              </a:rPr>
+              <a:t>The same as saying x = x + 3, so now x is </a:t>
+            </a:r>
+            <a:r>
+              <a:rPr lang="en" sz="1400" dirty="0" smtClean="0">
+                <a:solidFill>
+                  <a:srgbClr val="999999"/>
+                </a:solidFill>
+                <a:latin typeface="Consolas"/>
+                <a:ea typeface="Source Code Pro"/>
+                <a:cs typeface="Consolas"/>
+                <a:sym typeface="Source Code Pro"/>
+              </a:rPr>
+              <a:t>8</a:t>
+            </a:r>
+            <a:r>
+              <a:rPr lang="en-US" sz="1400" dirty="0" smtClean="0">
+                <a:solidFill>
+                  <a:srgbClr val="999999"/>
+                </a:solidFill>
+                <a:latin typeface="Consolas"/>
+                <a:ea typeface="Source Code Pro"/>
+                <a:cs typeface="Consolas"/>
+                <a:sym typeface="Source Code Pro"/>
+              </a:rPr>
+              <a:t>.</a:t>
+            </a:r>
           </a:p>
           <a:p>
             <a:pPr lvl="0">
@@ -19225,255 +19180,109 @@
               <a:buNone/>
             </a:pPr>
             <a:r>
-              <a:rPr lang="en-US" sz="1200" dirty="0">
-                <a:solidFill>
-                  <a:srgbClr val="000000"/>
-                </a:solidFill>
-                <a:latin typeface="Source Code Pro"/>
-                <a:ea typeface="Source Code Pro"/>
-                <a:cs typeface="Source Code Pro"/>
+              <a:rPr lang="en-US" sz="1400" dirty="0">
+                <a:solidFill>
+                  <a:srgbClr val="999999"/>
+                </a:solidFill>
+                <a:latin typeface="Consolas"/>
+                <a:ea typeface="Source Code Pro"/>
+                <a:cs typeface="Consolas"/>
                 <a:sym typeface="Source Code Pro"/>
               </a:rPr>
               <a:t> </a:t>
             </a:r>
             <a:r>
-              <a:rPr lang="en-US" sz="1200" dirty="0" smtClean="0">
-                <a:solidFill>
-                  <a:srgbClr val="000000"/>
-                </a:solidFill>
-                <a:latin typeface="Source Code Pro"/>
-                <a:ea typeface="Source Code Pro"/>
-                <a:cs typeface="Source Code Pro"/>
-                <a:sym typeface="Source Code Pro"/>
-              </a:rPr>
-              <a:t>        </a:t>
-            </a:r>
-            <a:r>
-              <a:rPr lang="en" sz="1200" dirty="0" smtClean="0">
-                <a:solidFill>
-                  <a:srgbClr val="000000"/>
-                </a:solidFill>
-                <a:latin typeface="Source Code Pro"/>
-                <a:ea typeface="Source Code Pro"/>
-                <a:cs typeface="Source Code Pro"/>
+              <a:rPr lang="en-US" sz="1400" dirty="0" smtClean="0">
+                <a:solidFill>
+                  <a:srgbClr val="999999"/>
+                </a:solidFill>
+                <a:latin typeface="Consolas"/>
+                <a:ea typeface="Source Code Pro"/>
+                <a:cs typeface="Consolas"/>
+                <a:sym typeface="Source Code Pro"/>
+              </a:rPr>
+              <a:t>       </a:t>
+            </a:r>
+            <a:r>
+              <a:rPr lang="en" sz="1400" dirty="0" smtClean="0">
+                <a:solidFill>
+                  <a:srgbClr val="000000"/>
+                </a:solidFill>
+                <a:latin typeface="Consolas"/>
+                <a:ea typeface="Source Code Pro"/>
+                <a:cs typeface="Consolas"/>
                 <a:sym typeface="Source Code Pro"/>
               </a:rPr>
               <a:t>x </a:t>
             </a:r>
             <a:r>
-              <a:rPr lang="en" sz="1200" dirty="0">
-                <a:solidFill>
-                  <a:srgbClr val="000000"/>
-                </a:solidFill>
-                <a:latin typeface="Source Code Pro"/>
-                <a:ea typeface="Source Code Pro"/>
-                <a:cs typeface="Source Code Pro"/>
-                <a:sym typeface="Source Code Pro"/>
-              </a:rPr>
-              <a:t>+= </a:t>
-            </a:r>
-            <a:r>
-              <a:rPr lang="en" sz="1200" dirty="0">
+              <a:rPr lang="en" sz="1400" dirty="0">
+                <a:solidFill>
+                  <a:srgbClr val="000000"/>
+                </a:solidFill>
+                <a:latin typeface="Consolas"/>
+                <a:ea typeface="Source Code Pro"/>
+                <a:cs typeface="Consolas"/>
+                <a:sym typeface="Source Code Pro"/>
+              </a:rPr>
+              <a:t>/= </a:t>
+            </a:r>
+            <a:r>
+              <a:rPr lang="en" sz="1400" dirty="0">
                 <a:solidFill>
                   <a:srgbClr val="FF0000"/>
                 </a:solidFill>
-                <a:latin typeface="Source Code Pro"/>
-                <a:ea typeface="Source Code Pro"/>
-                <a:cs typeface="Source Code Pro"/>
-                <a:sym typeface="Source Code Pro"/>
-              </a:rPr>
-              <a:t>3</a:t>
-            </a:r>
-            <a:r>
-              <a:rPr lang="en" sz="1200" dirty="0">
-                <a:solidFill>
-                  <a:srgbClr val="000000"/>
-                </a:solidFill>
-                <a:latin typeface="Source Code Pro"/>
-                <a:ea typeface="Source Code Pro"/>
-                <a:cs typeface="Source Code Pro"/>
-                <a:sym typeface="Source Code Pro"/>
-              </a:rPr>
-              <a:t>;     </a:t>
-            </a:r>
-            <a:r>
-              <a:rPr lang="en-US" sz="1200" dirty="0" smtClean="0">
-                <a:solidFill>
-                  <a:srgbClr val="000000"/>
-                </a:solidFill>
-                <a:latin typeface="Source Code Pro"/>
-                <a:ea typeface="Source Code Pro"/>
-                <a:cs typeface="Source Code Pro"/>
-                <a:sym typeface="Source Code Pro"/>
-              </a:rPr>
-              <a:t>  </a:t>
-            </a:r>
-            <a:r>
-              <a:rPr lang="en" sz="1200" dirty="0" smtClean="0">
+                <a:latin typeface="Consolas"/>
+                <a:ea typeface="Source Code Pro"/>
+                <a:cs typeface="Consolas"/>
+                <a:sym typeface="Source Code Pro"/>
+              </a:rPr>
+              <a:t>2</a:t>
+            </a:r>
+            <a:r>
+              <a:rPr lang="en" sz="1400" dirty="0">
+                <a:solidFill>
+                  <a:srgbClr val="000000"/>
+                </a:solidFill>
+                <a:latin typeface="Consolas"/>
+                <a:ea typeface="Source Code Pro"/>
+                <a:cs typeface="Consolas"/>
+                <a:sym typeface="Source Code Pro"/>
+              </a:rPr>
+              <a:t>;  	  </a:t>
+            </a:r>
+            <a:r>
+              <a:rPr lang="en-US" sz="1400" dirty="0" smtClean="0">
+                <a:solidFill>
+                  <a:srgbClr val="000000"/>
+                </a:solidFill>
+                <a:latin typeface="Consolas"/>
+                <a:ea typeface="Source Code Pro"/>
+                <a:cs typeface="Consolas"/>
+                <a:sym typeface="Source Code Pro"/>
+              </a:rPr>
+              <a:t>   </a:t>
+            </a:r>
+            <a:r>
+              <a:rPr lang="en" sz="1400" dirty="0" smtClean="0">
                 <a:solidFill>
                   <a:srgbClr val="999999"/>
                 </a:solidFill>
-                <a:latin typeface="Source Code Pro"/>
-                <a:ea typeface="Source Code Pro"/>
-                <a:cs typeface="Source Code Pro"/>
+                <a:latin typeface="Consolas"/>
+                <a:ea typeface="Source Code Pro"/>
+                <a:cs typeface="Consolas"/>
                 <a:sym typeface="Source Code Pro"/>
               </a:rPr>
               <a:t>// </a:t>
             </a:r>
             <a:r>
-              <a:rPr lang="en" sz="1200" dirty="0">
+              <a:rPr lang="en" sz="1400" dirty="0">
                 <a:solidFill>
                   <a:srgbClr val="999999"/>
                 </a:solidFill>
-                <a:latin typeface="Source Code Pro"/>
-                <a:ea typeface="Source Code Pro"/>
-                <a:cs typeface="Source Code Pro"/>
-                <a:sym typeface="Source Code Pro"/>
-              </a:rPr>
-              <a:t>The same as saying x = x + 3, so now x is </a:t>
-            </a:r>
-            <a:r>
-              <a:rPr lang="en" sz="1200" dirty="0" smtClean="0">
-                <a:solidFill>
-                  <a:srgbClr val="999999"/>
-                </a:solidFill>
-                <a:latin typeface="Source Code Pro"/>
-                <a:ea typeface="Source Code Pro"/>
-                <a:cs typeface="Source Code Pro"/>
-                <a:sym typeface="Source Code Pro"/>
-              </a:rPr>
-              <a:t>8</a:t>
-            </a:r>
-            <a:r>
-              <a:rPr lang="en-US" sz="1200" dirty="0" smtClean="0">
-                <a:solidFill>
-                  <a:srgbClr val="999999"/>
-                </a:solidFill>
-                <a:latin typeface="Source Code Pro"/>
-                <a:ea typeface="Source Code Pro"/>
-                <a:cs typeface="Source Code Pro"/>
-                <a:sym typeface="Source Code Pro"/>
-              </a:rPr>
-              <a:t>.</a:t>
-            </a:r>
-          </a:p>
-          <a:p>
-            <a:pPr lvl="0">
-              <a:lnSpc>
-                <a:spcPct val="130000"/>
-              </a:lnSpc>
-              <a:spcBef>
-                <a:spcPts val="0"/>
-              </a:spcBef>
-              <a:spcAft>
-                <a:spcPts val="0"/>
-              </a:spcAft>
-              <a:buNone/>
-            </a:pPr>
-            <a:r>
-              <a:rPr lang="en-US" sz="1200" dirty="0">
-                <a:solidFill>
-                  <a:srgbClr val="999999"/>
-                </a:solidFill>
-                <a:latin typeface="Source Code Pro"/>
-                <a:ea typeface="Source Code Pro"/>
-                <a:cs typeface="Source Code Pro"/>
-                <a:sym typeface="Source Code Pro"/>
-              </a:rPr>
-              <a:t> </a:t>
-            </a:r>
-            <a:r>
-              <a:rPr lang="en-US" sz="1200" dirty="0" smtClean="0">
-                <a:solidFill>
-                  <a:srgbClr val="999999"/>
-                </a:solidFill>
-                <a:latin typeface="Source Code Pro"/>
-                <a:ea typeface="Source Code Pro"/>
-                <a:cs typeface="Source Code Pro"/>
-                <a:sym typeface="Source Code Pro"/>
-              </a:rPr>
-              <a:t>        </a:t>
-            </a:r>
-            <a:r>
-              <a:rPr lang="en" sz="1200" dirty="0" smtClean="0">
-                <a:solidFill>
-                  <a:srgbClr val="000000"/>
-                </a:solidFill>
-                <a:latin typeface="Source Code Pro"/>
-                <a:ea typeface="Source Code Pro"/>
-                <a:cs typeface="Source Code Pro"/>
-                <a:sym typeface="Source Code Pro"/>
-              </a:rPr>
-              <a:t>x </a:t>
-            </a:r>
-            <a:r>
-              <a:rPr lang="en" sz="1200" dirty="0">
-                <a:solidFill>
-                  <a:srgbClr val="000000"/>
-                </a:solidFill>
-                <a:latin typeface="Source Code Pro"/>
-                <a:ea typeface="Source Code Pro"/>
-                <a:cs typeface="Source Code Pro"/>
-                <a:sym typeface="Source Code Pro"/>
-              </a:rPr>
-              <a:t>/= </a:t>
-            </a:r>
-            <a:r>
-              <a:rPr lang="en" sz="1200" dirty="0">
-                <a:solidFill>
-                  <a:srgbClr val="FF0000"/>
-                </a:solidFill>
-                <a:latin typeface="Source Code Pro"/>
-                <a:ea typeface="Source Code Pro"/>
-                <a:cs typeface="Source Code Pro"/>
-                <a:sym typeface="Source Code Pro"/>
-              </a:rPr>
-              <a:t>2</a:t>
-            </a:r>
-            <a:r>
-              <a:rPr lang="en" sz="1200" dirty="0">
-                <a:solidFill>
-                  <a:srgbClr val="000000"/>
-                </a:solidFill>
-                <a:latin typeface="Source Code Pro"/>
-                <a:ea typeface="Source Code Pro"/>
-                <a:cs typeface="Source Code Pro"/>
-                <a:sym typeface="Source Code Pro"/>
-              </a:rPr>
-              <a:t>;  	  </a:t>
-            </a:r>
-            <a:r>
-              <a:rPr lang="en-US" sz="1200" dirty="0" smtClean="0">
-                <a:solidFill>
-                  <a:srgbClr val="000000"/>
-                </a:solidFill>
-                <a:latin typeface="Source Code Pro"/>
-                <a:ea typeface="Source Code Pro"/>
-                <a:cs typeface="Source Code Pro"/>
-                <a:sym typeface="Source Code Pro"/>
-              </a:rPr>
-              <a:t>   </a:t>
-            </a:r>
-            <a:r>
-              <a:rPr lang="en" sz="1200" dirty="0" smtClean="0">
-                <a:solidFill>
-                  <a:srgbClr val="999999"/>
-                </a:solidFill>
-                <a:latin typeface="Source Code Pro"/>
-                <a:ea typeface="Source Code Pro"/>
-                <a:cs typeface="Source Code Pro"/>
-                <a:sym typeface="Source Code Pro"/>
-              </a:rPr>
-              <a:t>// </a:t>
-            </a:r>
-            <a:r>
-              <a:rPr lang="en" sz="1200" dirty="0">
-                <a:solidFill>
-                  <a:srgbClr val="999999"/>
-                </a:solidFill>
-                <a:latin typeface="Source Code Pro"/>
-                <a:ea typeface="Source Code Pro"/>
-                <a:cs typeface="Source Code Pro"/>
+                <a:latin typeface="Consolas"/>
+                <a:ea typeface="Source Code Pro"/>
+                <a:cs typeface="Consolas"/>
                 <a:sym typeface="Source Code Pro"/>
               </a:rPr>
               <a:t>The same as saying x = x / 2, so now x is 4.</a:t>
@@ -19657,334 +19466,415 @@
                   <a:srgbClr val="666666"/>
                 </a:solidFill>
               </a:rPr>
-              <a:t> (not)</a:t>
-            </a:r>
-          </a:p>
-          <a:p>
-            <a:pPr marL="1828800" lvl="0" indent="457200" rtl="0">
-              <a:spcBef>
-                <a:spcPts val="0"/>
-              </a:spcBef>
-              <a:spcAft>
-                <a:spcPts val="0"/>
-              </a:spcAft>
-              <a:buNone/>
-            </a:pPr>
-            <a:endParaRPr sz="1200" dirty="0">
+              <a:t> (</a:t>
+            </a:r>
+            <a:r>
+              <a:rPr lang="en" dirty="0" smtClean="0">
+                <a:solidFill>
+                  <a:srgbClr val="666666"/>
+                </a:solidFill>
+              </a:rPr>
+              <a:t>not)</a:t>
+            </a:r>
+            <a:r>
+              <a:rPr lang="en-US" dirty="0">
+                <a:solidFill>
+                  <a:srgbClr val="666666"/>
+                </a:solidFill>
+              </a:rPr>
+              <a:t/>
+            </a:r>
+            <a:br>
+              <a:rPr lang="en-US" dirty="0">
+                <a:solidFill>
+                  <a:srgbClr val="666666"/>
+                </a:solidFill>
+              </a:rPr>
+            </a:br>
+            <a:r>
+              <a:rPr lang="en-US" dirty="0" smtClean="0">
+                <a:solidFill>
+                  <a:srgbClr val="666666"/>
+                </a:solidFill>
+              </a:rPr>
+              <a:t>		</a:t>
+            </a:r>
+            <a:r>
+              <a:rPr lang="en-US" sz="1400" dirty="0" smtClean="0">
+                <a:solidFill>
+                  <a:srgbClr val="000000"/>
+                </a:solidFill>
+                <a:latin typeface="Consolas"/>
+                <a:ea typeface="Source Code Pro"/>
+                <a:cs typeface="Consolas"/>
+                <a:sym typeface="Source Code Pro"/>
+              </a:rPr>
+              <a:t>a </a:t>
+            </a:r>
+            <a:r>
+              <a:rPr lang="en-US" sz="1400" dirty="0">
+                <a:solidFill>
+                  <a:srgbClr val="000000"/>
+                </a:solidFill>
+                <a:latin typeface="Consolas"/>
+                <a:ea typeface="Source Code Pro"/>
+                <a:cs typeface="Consolas"/>
+                <a:sym typeface="Source Code Pro"/>
+              </a:rPr>
+              <a:t>= </a:t>
+            </a:r>
+            <a:r>
+              <a:rPr lang="en-US" sz="1400" dirty="0">
+                <a:solidFill>
+                  <a:srgbClr val="0000CD"/>
+                </a:solidFill>
+                <a:latin typeface="Consolas"/>
+                <a:ea typeface="Source Code Pro"/>
+                <a:cs typeface="Consolas"/>
+                <a:sym typeface="Source Code Pro"/>
+              </a:rPr>
+              <a:t>true </a:t>
+            </a:r>
+            <a:r>
+              <a:rPr lang="en-US" sz="1400" dirty="0">
+                <a:solidFill>
+                  <a:srgbClr val="000000"/>
+                </a:solidFill>
+                <a:latin typeface="Consolas"/>
+                <a:ea typeface="Source Code Pro"/>
+                <a:cs typeface="Consolas"/>
+                <a:sym typeface="Source Code Pro"/>
+              </a:rPr>
+              <a:t>&amp;&amp;</a:t>
+            </a:r>
+            <a:r>
+              <a:rPr lang="en-US" sz="1400" dirty="0">
+                <a:solidFill>
+                  <a:srgbClr val="A52A2A"/>
+                </a:solidFill>
+                <a:latin typeface="Consolas"/>
+                <a:ea typeface="Source Code Pro"/>
+                <a:cs typeface="Consolas"/>
+                <a:sym typeface="Source Code Pro"/>
+              </a:rPr>
+              <a:t> </a:t>
+            </a:r>
+            <a:r>
+              <a:rPr lang="en-US" sz="1400" dirty="0">
+                <a:solidFill>
+                  <a:srgbClr val="0000CD"/>
+                </a:solidFill>
+                <a:latin typeface="Consolas"/>
+                <a:ea typeface="Source Code Pro"/>
+                <a:cs typeface="Consolas"/>
+                <a:sym typeface="Source Code Pro"/>
+              </a:rPr>
+              <a:t>false</a:t>
+            </a:r>
+            <a:r>
+              <a:rPr lang="en-US" sz="1400" dirty="0">
+                <a:solidFill>
+                  <a:srgbClr val="000000"/>
+                </a:solidFill>
+                <a:latin typeface="Consolas"/>
+                <a:ea typeface="Source Code Pro"/>
+                <a:cs typeface="Consolas"/>
+                <a:sym typeface="Source Code Pro"/>
+              </a:rPr>
+              <a:t>		</a:t>
+            </a:r>
+            <a:r>
+              <a:rPr lang="en-US" sz="1400" dirty="0">
+                <a:solidFill>
+                  <a:srgbClr val="999999"/>
+                </a:solidFill>
+                <a:latin typeface="Consolas"/>
+                <a:ea typeface="Source Code Pro"/>
+                <a:cs typeface="Consolas"/>
+                <a:sym typeface="Source Code Pro"/>
+              </a:rPr>
+              <a:t># a = </a:t>
+            </a:r>
+            <a:r>
+              <a:rPr lang="en-US" sz="1400" dirty="0" smtClean="0">
+                <a:solidFill>
+                  <a:srgbClr val="999999"/>
+                </a:solidFill>
+                <a:latin typeface="Consolas"/>
+                <a:ea typeface="Source Code Pro"/>
+                <a:cs typeface="Consolas"/>
+                <a:sym typeface="Source Code Pro"/>
+              </a:rPr>
+              <a:t>false</a:t>
+            </a:r>
+            <a:br>
+              <a:rPr lang="en-US" sz="1400" dirty="0" smtClean="0">
+                <a:solidFill>
+                  <a:srgbClr val="999999"/>
+                </a:solidFill>
+                <a:latin typeface="Consolas"/>
+                <a:ea typeface="Source Code Pro"/>
+                <a:cs typeface="Consolas"/>
+                <a:sym typeface="Source Code Pro"/>
+              </a:rPr>
+            </a:br>
+            <a:r>
+              <a:rPr lang="en-US" sz="1400" dirty="0" smtClean="0">
+                <a:solidFill>
+                  <a:srgbClr val="999999"/>
+                </a:solidFill>
+                <a:latin typeface="Consolas"/>
+                <a:ea typeface="Source Code Pro"/>
+                <a:cs typeface="Consolas"/>
+                <a:sym typeface="Source Code Pro"/>
+              </a:rPr>
+              <a:t>		</a:t>
+            </a:r>
+            <a:r>
+              <a:rPr lang="en-US" sz="1400" dirty="0" smtClean="0">
+                <a:solidFill>
+                  <a:srgbClr val="000000"/>
+                </a:solidFill>
+                <a:latin typeface="Consolas"/>
+                <a:ea typeface="Source Code Pro"/>
+                <a:cs typeface="Consolas"/>
+                <a:sym typeface="Source Code Pro"/>
+              </a:rPr>
+              <a:t>b </a:t>
+            </a:r>
+            <a:r>
+              <a:rPr lang="en-US" sz="1400" dirty="0">
+                <a:solidFill>
+                  <a:srgbClr val="000000"/>
+                </a:solidFill>
+                <a:latin typeface="Consolas"/>
+                <a:ea typeface="Source Code Pro"/>
+                <a:cs typeface="Consolas"/>
+                <a:sym typeface="Source Code Pro"/>
+              </a:rPr>
+              <a:t>= </a:t>
+            </a:r>
+            <a:r>
+              <a:rPr lang="en-US" sz="1400" dirty="0">
+                <a:solidFill>
+                  <a:srgbClr val="0000CD"/>
+                </a:solidFill>
+                <a:latin typeface="Consolas"/>
+                <a:ea typeface="Source Code Pro"/>
+                <a:cs typeface="Consolas"/>
+                <a:sym typeface="Source Code Pro"/>
+              </a:rPr>
+              <a:t>true </a:t>
+            </a:r>
+            <a:r>
+              <a:rPr lang="en-US" sz="1400" dirty="0">
+                <a:solidFill>
+                  <a:srgbClr val="000000"/>
+                </a:solidFill>
+                <a:latin typeface="Consolas"/>
+                <a:ea typeface="Source Code Pro"/>
+                <a:cs typeface="Consolas"/>
+                <a:sym typeface="Source Code Pro"/>
+              </a:rPr>
+              <a:t>||</a:t>
+            </a:r>
+            <a:r>
+              <a:rPr lang="en-US" sz="1400" dirty="0">
+                <a:solidFill>
+                  <a:srgbClr val="A52A2A"/>
+                </a:solidFill>
+                <a:latin typeface="Consolas"/>
+                <a:ea typeface="Source Code Pro"/>
+                <a:cs typeface="Consolas"/>
+                <a:sym typeface="Source Code Pro"/>
+              </a:rPr>
+              <a:t> </a:t>
+            </a:r>
+            <a:r>
+              <a:rPr lang="en-US" sz="1400" dirty="0">
+                <a:solidFill>
+                  <a:srgbClr val="0000CD"/>
+                </a:solidFill>
+                <a:latin typeface="Consolas"/>
+                <a:ea typeface="Source Code Pro"/>
+                <a:cs typeface="Consolas"/>
+                <a:sym typeface="Source Code Pro"/>
+              </a:rPr>
+              <a:t>false</a:t>
+            </a:r>
+            <a:r>
+              <a:rPr lang="en-US" sz="1400" dirty="0">
+                <a:solidFill>
+                  <a:srgbClr val="000000"/>
+                </a:solidFill>
+                <a:latin typeface="Consolas"/>
+                <a:ea typeface="Source Code Pro"/>
+                <a:cs typeface="Consolas"/>
+                <a:sym typeface="Source Code Pro"/>
+              </a:rPr>
+              <a:t>		</a:t>
+            </a:r>
+            <a:r>
+              <a:rPr lang="en-US" sz="1400" dirty="0">
+                <a:solidFill>
+                  <a:srgbClr val="999999"/>
+                </a:solidFill>
+                <a:latin typeface="Consolas"/>
+                <a:ea typeface="Source Code Pro"/>
+                <a:cs typeface="Consolas"/>
+                <a:sym typeface="Source Code Pro"/>
+              </a:rPr>
+              <a:t># b = </a:t>
+            </a:r>
+            <a:r>
+              <a:rPr lang="en-US" sz="1400" dirty="0" smtClean="0">
+                <a:solidFill>
+                  <a:srgbClr val="999999"/>
+                </a:solidFill>
+                <a:latin typeface="Consolas"/>
+                <a:ea typeface="Source Code Pro"/>
+                <a:cs typeface="Consolas"/>
+                <a:sym typeface="Source Code Pro"/>
+              </a:rPr>
+              <a:t>true</a:t>
+            </a:r>
+            <a:br>
+              <a:rPr lang="en-US" sz="1400" dirty="0" smtClean="0">
+                <a:solidFill>
+                  <a:srgbClr val="999999"/>
+                </a:solidFill>
+                <a:latin typeface="Consolas"/>
+                <a:ea typeface="Source Code Pro"/>
+                <a:cs typeface="Consolas"/>
+                <a:sym typeface="Source Code Pro"/>
+              </a:rPr>
+            </a:br>
+            <a:r>
+              <a:rPr lang="en-US" sz="1400" dirty="0" smtClean="0">
+                <a:solidFill>
+                  <a:srgbClr val="999999"/>
+                </a:solidFill>
+                <a:latin typeface="Consolas"/>
+                <a:ea typeface="Source Code Pro"/>
+                <a:cs typeface="Consolas"/>
+                <a:sym typeface="Source Code Pro"/>
+              </a:rPr>
+              <a:t>		</a:t>
+            </a:r>
+            <a:r>
+              <a:rPr lang="en-US" sz="1400" dirty="0" smtClean="0">
+                <a:solidFill>
+                  <a:srgbClr val="000000"/>
+                </a:solidFill>
+                <a:latin typeface="Consolas"/>
+                <a:ea typeface="Source Code Pro"/>
+                <a:cs typeface="Consolas"/>
+                <a:sym typeface="Source Code Pro"/>
+              </a:rPr>
+              <a:t>c </a:t>
+            </a:r>
+            <a:r>
+              <a:rPr lang="en-US" sz="1400" dirty="0">
+                <a:solidFill>
+                  <a:srgbClr val="000000"/>
+                </a:solidFill>
+                <a:latin typeface="Consolas"/>
+                <a:ea typeface="Source Code Pro"/>
+                <a:cs typeface="Consolas"/>
+                <a:sym typeface="Source Code Pro"/>
+              </a:rPr>
+              <a:t>= </a:t>
+            </a:r>
+            <a:r>
+              <a:rPr lang="en-US" sz="1400" dirty="0">
+                <a:solidFill>
+                  <a:srgbClr val="0000CD"/>
+                </a:solidFill>
+                <a:latin typeface="Consolas"/>
+                <a:ea typeface="Source Code Pro"/>
+                <a:cs typeface="Consolas"/>
+                <a:sym typeface="Source Code Pro"/>
+              </a:rPr>
+              <a:t>true </a:t>
+            </a:r>
+            <a:r>
+              <a:rPr lang="en-US" sz="1400" dirty="0">
+                <a:solidFill>
+                  <a:srgbClr val="000000"/>
+                </a:solidFill>
+                <a:latin typeface="Consolas"/>
+                <a:ea typeface="Source Code Pro"/>
+                <a:cs typeface="Consolas"/>
+                <a:sym typeface="Source Code Pro"/>
+              </a:rPr>
+              <a:t>&amp;&amp; !</a:t>
+            </a:r>
+            <a:r>
+              <a:rPr lang="en-US" sz="1400" dirty="0">
+                <a:solidFill>
+                  <a:srgbClr val="0000CD"/>
+                </a:solidFill>
+                <a:latin typeface="Consolas"/>
+                <a:ea typeface="Source Code Pro"/>
+                <a:cs typeface="Consolas"/>
+                <a:sym typeface="Source Code Pro"/>
+              </a:rPr>
+              <a:t>false</a:t>
+            </a:r>
+            <a:r>
+              <a:rPr lang="en-US" sz="1400" dirty="0">
+                <a:solidFill>
+                  <a:srgbClr val="000000"/>
+                </a:solidFill>
+                <a:latin typeface="Consolas"/>
+                <a:ea typeface="Source Code Pro"/>
+                <a:cs typeface="Consolas"/>
+                <a:sym typeface="Source Code Pro"/>
+              </a:rPr>
+              <a:t>		</a:t>
+            </a:r>
+            <a:r>
+              <a:rPr lang="en-US" sz="1400" dirty="0">
+                <a:solidFill>
+                  <a:srgbClr val="999999"/>
+                </a:solidFill>
+                <a:latin typeface="Consolas"/>
+                <a:ea typeface="Source Code Pro"/>
+                <a:cs typeface="Consolas"/>
+                <a:sym typeface="Source Code Pro"/>
+              </a:rPr>
+              <a:t># c = </a:t>
+            </a:r>
+            <a:r>
+              <a:rPr lang="en-US" sz="1400" dirty="0" smtClean="0">
+                <a:solidFill>
+                  <a:srgbClr val="999999"/>
+                </a:solidFill>
+                <a:latin typeface="Consolas"/>
+                <a:ea typeface="Source Code Pro"/>
+                <a:cs typeface="Consolas"/>
+                <a:sym typeface="Source Code Pro"/>
+              </a:rPr>
+              <a:t>true</a:t>
+            </a:r>
+            <a:endParaRPr lang="en-US" sz="1400" dirty="0" smtClean="0">
               <a:solidFill>
-                <a:srgbClr val="000000"/>
+                <a:srgbClr val="666666"/>
               </a:solidFill>
-              <a:latin typeface="Source Code Pro"/>
-              <a:ea typeface="Source Code Pro"/>
-              <a:cs typeface="Source Code Pro"/>
-              <a:sym typeface="Source Code Pro"/>
+              <a:latin typeface="Consolas"/>
+              <a:cs typeface="Consolas"/>
             </a:endParaRPr>
           </a:p>
           <a:p>
-            <a:pPr marL="1828800" lvl="0" indent="457200" rtl="0">
-              <a:spcBef>
-                <a:spcPts val="0"/>
-              </a:spcBef>
-              <a:spcAft>
-                <a:spcPts val="0"/>
-              </a:spcAft>
-              <a:buNone/>
-            </a:pPr>
-            <a:r>
-              <a:rPr lang="en" sz="1200" dirty="0">
-                <a:solidFill>
-                  <a:srgbClr val="000000"/>
-                </a:solidFill>
-                <a:latin typeface="Source Code Pro"/>
-                <a:ea typeface="Source Code Pro"/>
-                <a:cs typeface="Source Code Pro"/>
-                <a:sym typeface="Source Code Pro"/>
-              </a:rPr>
-              <a:t>a = </a:t>
-            </a:r>
-            <a:r>
-              <a:rPr lang="en" sz="1200" dirty="0">
-                <a:solidFill>
-                  <a:srgbClr val="0000CD"/>
-                </a:solidFill>
-                <a:latin typeface="Source Code Pro"/>
-                <a:ea typeface="Source Code Pro"/>
-                <a:cs typeface="Source Code Pro"/>
-                <a:sym typeface="Source Code Pro"/>
-              </a:rPr>
-              <a:t>true </a:t>
-            </a:r>
-            <a:r>
-              <a:rPr lang="en" sz="1200" dirty="0">
-                <a:solidFill>
-                  <a:srgbClr val="000000"/>
-                </a:solidFill>
-                <a:latin typeface="Source Code Pro"/>
-                <a:ea typeface="Source Code Pro"/>
-                <a:cs typeface="Source Code Pro"/>
-                <a:sym typeface="Source Code Pro"/>
-              </a:rPr>
-              <a:t>&amp;&amp;</a:t>
-            </a:r>
-            <a:r>
-              <a:rPr lang="en" sz="1200" dirty="0">
-                <a:solidFill>
-                  <a:srgbClr val="A52A2A"/>
-                </a:solidFill>
-                <a:latin typeface="Source Code Pro"/>
-                <a:ea typeface="Source Code Pro"/>
-                <a:cs typeface="Source Code Pro"/>
-                <a:sym typeface="Source Code Pro"/>
-              </a:rPr>
-              <a:t> </a:t>
-            </a:r>
-            <a:r>
-              <a:rPr lang="en" sz="1200" dirty="0">
-                <a:solidFill>
-                  <a:srgbClr val="0000CD"/>
-                </a:solidFill>
-                <a:latin typeface="Source Code Pro"/>
-                <a:ea typeface="Source Code Pro"/>
-                <a:cs typeface="Source Code Pro"/>
-                <a:sym typeface="Source Code Pro"/>
-              </a:rPr>
-              <a:t>false</a:t>
-            </a:r>
-            <a:r>
-              <a:rPr lang="en" sz="1200" dirty="0">
-                <a:solidFill>
-                  <a:srgbClr val="000000"/>
-                </a:solidFill>
-                <a:latin typeface="Source Code Pro"/>
-                <a:ea typeface="Source Code Pro"/>
-                <a:cs typeface="Source Code Pro"/>
-                <a:sym typeface="Source Code Pro"/>
-              </a:rPr>
-              <a:t>		</a:t>
-            </a:r>
-            <a:r>
-              <a:rPr lang="en" sz="1200" dirty="0">
-                <a:solidFill>
-                  <a:srgbClr val="999999"/>
-                </a:solidFill>
-                <a:latin typeface="Source Code Pro"/>
-                <a:ea typeface="Source Code Pro"/>
-                <a:cs typeface="Source Code Pro"/>
-                <a:sym typeface="Source Code Pro"/>
-              </a:rPr>
-              <a:t># a = false</a:t>
-            </a:r>
-          </a:p>
-          <a:p>
-            <a:pPr marL="1828800" lvl="0" indent="457200" rtl="0">
-              <a:spcBef>
-                <a:spcPts val="0"/>
-              </a:spcBef>
-              <a:spcAft>
-                <a:spcPts val="0"/>
-              </a:spcAft>
-              <a:buNone/>
-            </a:pPr>
-            <a:r>
-              <a:rPr lang="en" sz="1200" dirty="0">
-                <a:solidFill>
-                  <a:srgbClr val="000000"/>
-                </a:solidFill>
-                <a:latin typeface="Source Code Pro"/>
-                <a:ea typeface="Source Code Pro"/>
-                <a:cs typeface="Source Code Pro"/>
-                <a:sym typeface="Source Code Pro"/>
-              </a:rPr>
-              <a:t>b = </a:t>
-            </a:r>
-            <a:r>
-              <a:rPr lang="en" sz="1200" dirty="0">
-                <a:solidFill>
-                  <a:srgbClr val="0000CD"/>
-                </a:solidFill>
-                <a:latin typeface="Source Code Pro"/>
-                <a:ea typeface="Source Code Pro"/>
-                <a:cs typeface="Source Code Pro"/>
-                <a:sym typeface="Source Code Pro"/>
-              </a:rPr>
-              <a:t>true </a:t>
-            </a:r>
-            <a:r>
-              <a:rPr lang="en" sz="1200" dirty="0">
-                <a:solidFill>
-                  <a:srgbClr val="000000"/>
-                </a:solidFill>
-                <a:latin typeface="Source Code Pro"/>
-                <a:ea typeface="Source Code Pro"/>
-                <a:cs typeface="Source Code Pro"/>
-                <a:sym typeface="Source Code Pro"/>
-              </a:rPr>
-              <a:t>||</a:t>
-            </a:r>
-            <a:r>
-              <a:rPr lang="en" sz="1200" dirty="0">
-                <a:solidFill>
-                  <a:srgbClr val="A52A2A"/>
-                </a:solidFill>
-                <a:latin typeface="Source Code Pro"/>
-                <a:ea typeface="Source Code Pro"/>
-                <a:cs typeface="Source Code Pro"/>
-                <a:sym typeface="Source Code Pro"/>
-              </a:rPr>
-              <a:t> </a:t>
-            </a:r>
-            <a:r>
-              <a:rPr lang="en" sz="1200" dirty="0">
-                <a:solidFill>
-                  <a:srgbClr val="0000CD"/>
-                </a:solidFill>
-                <a:latin typeface="Source Code Pro"/>
-                <a:ea typeface="Source Code Pro"/>
-                <a:cs typeface="Source Code Pro"/>
-                <a:sym typeface="Source Code Pro"/>
-              </a:rPr>
-              <a:t>false</a:t>
-            </a:r>
-            <a:r>
-              <a:rPr lang="en" sz="1200" dirty="0">
-                <a:solidFill>
-                  <a:srgbClr val="000000"/>
-                </a:solidFill>
-                <a:latin typeface="Source Code Pro"/>
-                <a:ea typeface="Source Code Pro"/>
-                <a:cs typeface="Source Code Pro"/>
-                <a:sym typeface="Source Code Pro"/>
-              </a:rPr>
-              <a:t>		</a:t>
-            </a:r>
-            <a:r>
-              <a:rPr lang="en" sz="1200" dirty="0">
-                <a:solidFill>
-                  <a:srgbClr val="999999"/>
-                </a:solidFill>
-                <a:latin typeface="Source Code Pro"/>
-                <a:ea typeface="Source Code Pro"/>
-                <a:cs typeface="Source Code Pro"/>
-                <a:sym typeface="Source Code Pro"/>
-              </a:rPr>
-              <a:t># b = true</a:t>
-            </a:r>
-          </a:p>
-          <a:p>
-            <a:pPr marL="1828800" lvl="0" indent="457200" rtl="0">
-              <a:spcBef>
-                <a:spcPts val="0"/>
-              </a:spcBef>
-              <a:spcAft>
-                <a:spcPts val="0"/>
-              </a:spcAft>
-              <a:buNone/>
-            </a:pPr>
-            <a:r>
-              <a:rPr lang="en" sz="1200" dirty="0">
-                <a:solidFill>
-                  <a:srgbClr val="000000"/>
-                </a:solidFill>
-                <a:latin typeface="Source Code Pro"/>
-                <a:ea typeface="Source Code Pro"/>
-                <a:cs typeface="Source Code Pro"/>
-                <a:sym typeface="Source Code Pro"/>
-              </a:rPr>
-              <a:t>c = </a:t>
-            </a:r>
-            <a:r>
-              <a:rPr lang="en" sz="1200" dirty="0">
-                <a:solidFill>
-                  <a:srgbClr val="0000CD"/>
-                </a:solidFill>
-                <a:latin typeface="Source Code Pro"/>
-                <a:ea typeface="Source Code Pro"/>
-                <a:cs typeface="Source Code Pro"/>
-                <a:sym typeface="Source Code Pro"/>
-              </a:rPr>
-              <a:t>true </a:t>
-            </a:r>
-            <a:r>
-              <a:rPr lang="en" sz="1200" dirty="0">
-                <a:solidFill>
-                  <a:srgbClr val="000000"/>
-                </a:solidFill>
-                <a:latin typeface="Source Code Pro"/>
-                <a:ea typeface="Source Code Pro"/>
-                <a:cs typeface="Source Code Pro"/>
-                <a:sym typeface="Source Code Pro"/>
-              </a:rPr>
-              <a:t>&amp;&amp; !</a:t>
-            </a:r>
-            <a:r>
-              <a:rPr lang="en" sz="1200" dirty="0">
-                <a:solidFill>
-                  <a:srgbClr val="0000CD"/>
-                </a:solidFill>
-                <a:latin typeface="Source Code Pro"/>
-                <a:ea typeface="Source Code Pro"/>
-                <a:cs typeface="Source Code Pro"/>
-                <a:sym typeface="Source Code Pro"/>
-              </a:rPr>
-              <a:t>false</a:t>
-            </a:r>
-            <a:r>
-              <a:rPr lang="en" sz="1200" dirty="0">
-                <a:solidFill>
-                  <a:srgbClr val="000000"/>
-                </a:solidFill>
-                <a:latin typeface="Source Code Pro"/>
-                <a:ea typeface="Source Code Pro"/>
-                <a:cs typeface="Source Code Pro"/>
-                <a:sym typeface="Source Code Pro"/>
-              </a:rPr>
-              <a:t>		</a:t>
-            </a:r>
-            <a:r>
-              <a:rPr lang="en" sz="1200" dirty="0">
-                <a:solidFill>
-                  <a:srgbClr val="999999"/>
-                </a:solidFill>
-                <a:latin typeface="Source Code Pro"/>
-                <a:ea typeface="Source Code Pro"/>
-                <a:cs typeface="Source Code Pro"/>
-                <a:sym typeface="Source Code Pro"/>
-              </a:rPr>
-              <a:t># c = true</a:t>
-            </a:r>
-          </a:p>
-          <a:p>
-            <a:pPr marL="1828800" lvl="0" indent="457200" rtl="0">
-              <a:spcBef>
-                <a:spcPts val="0"/>
-              </a:spcBef>
-              <a:spcAft>
-                <a:spcPts val="0"/>
-              </a:spcAft>
-              <a:buNone/>
-            </a:pPr>
-            <a:endParaRPr sz="1200" dirty="0">
-              <a:solidFill>
-                <a:srgbClr val="999999"/>
-              </a:solidFill>
-              <a:latin typeface="Source Code Pro"/>
-              <a:ea typeface="Source Code Pro"/>
-              <a:cs typeface="Source Code Pro"/>
-              <a:sym typeface="Source Code Pro"/>
-            </a:endParaRPr>
-          </a:p>
-          <a:p>
-            <a:pPr marL="457200" lvl="0" indent="-317500" rtl="0">
-              <a:spcBef>
-                <a:spcPts val="0"/>
-              </a:spcBef>
+            <a:pPr marL="457200" indent="-317500">
               <a:spcAft>
                 <a:spcPts val="0"/>
               </a:spcAft>
               <a:buClr>
                 <a:srgbClr val="666666"/>
               </a:buClr>
-              <a:buSzPct val="116666"/>
+              <a:buSzPct val="77777"/>
+              <a:buFont typeface="Open Sans"/>
               <a:buChar char="●"/>
             </a:pPr>
             <a:r>
@@ -19993,84 +19883,101 @@
                   <a:srgbClr val="666666"/>
                 </a:solidFill>
               </a:rPr>
-              <a:t>Comparison operators</a:t>
-            </a:r>
-          </a:p>
-          <a:p>
-            <a:pPr marL="1828800" lvl="0" indent="457200" rtl="0">
-              <a:spcBef>
-                <a:spcPts val="0"/>
-              </a:spcBef>
-              <a:spcAft>
-                <a:spcPts val="0"/>
-              </a:spcAft>
-              <a:buNone/>
-            </a:pPr>
-            <a:endParaRPr sz="1200" dirty="0">
+              <a:t>Comparison </a:t>
+            </a:r>
+            <a:r>
+              <a:rPr lang="en" dirty="0" smtClean="0">
+                <a:solidFill>
+                  <a:srgbClr val="666666"/>
+                </a:solidFill>
+              </a:rPr>
+              <a:t>operators</a:t>
+            </a:r>
+            <a:r>
+              <a:rPr lang="en-US" dirty="0" smtClean="0">
+                <a:solidFill>
+                  <a:srgbClr val="666666"/>
+                </a:solidFill>
+              </a:rPr>
+              <a:t/>
+            </a:r>
+            <a:br>
+              <a:rPr lang="en-US" dirty="0" smtClean="0">
+                <a:solidFill>
+                  <a:srgbClr val="666666"/>
+                </a:solidFill>
+              </a:rPr>
+            </a:br>
+            <a:r>
+              <a:rPr lang="en-US" dirty="0">
+                <a:solidFill>
+                  <a:srgbClr val="666666"/>
+                </a:solidFill>
+              </a:rPr>
+              <a:t>	</a:t>
+            </a:r>
+            <a:r>
+              <a:rPr lang="en-US" dirty="0" smtClean="0">
+                <a:solidFill>
+                  <a:srgbClr val="666666"/>
+                </a:solidFill>
+              </a:rPr>
+              <a:t>	</a:t>
+            </a:r>
+            <a:r>
+              <a:rPr lang="en" sz="1400" dirty="0" smtClean="0">
+                <a:solidFill>
+                  <a:srgbClr val="000000"/>
+                </a:solidFill>
+                <a:latin typeface="Consolas"/>
+                <a:ea typeface="Source Code Pro"/>
+                <a:cs typeface="Consolas"/>
+                <a:sym typeface="Source Code Pro"/>
+              </a:rPr>
+              <a:t>==, </a:t>
+            </a:r>
+            <a:r>
+              <a:rPr lang="en" sz="1400" dirty="0">
+                <a:solidFill>
+                  <a:srgbClr val="000000"/>
+                </a:solidFill>
+                <a:latin typeface="Consolas"/>
+                <a:ea typeface="Source Code Pro"/>
+                <a:cs typeface="Consolas"/>
+                <a:sym typeface="Source Code Pro"/>
+              </a:rPr>
+              <a:t>!= , &lt;, &gt;, &lt;=, </a:t>
+            </a:r>
+            <a:r>
+              <a:rPr lang="en" sz="1400" dirty="0" smtClean="0">
+                <a:solidFill>
+                  <a:srgbClr val="000000"/>
+                </a:solidFill>
+                <a:latin typeface="Consolas"/>
+                <a:ea typeface="Source Code Pro"/>
+                <a:cs typeface="Consolas"/>
+                <a:sym typeface="Source Code Pro"/>
+              </a:rPr>
+              <a:t>&gt;=</a:t>
+            </a:r>
+            <a:endParaRPr lang="en-US" sz="1400" dirty="0" smtClean="0">
               <a:solidFill>
-                <a:srgbClr val="000000"/>
+                <a:srgbClr val="666666"/>
               </a:solidFill>
-              <a:latin typeface="Source Code Pro"/>
-              <a:ea typeface="Source Code Pro"/>
-              <a:cs typeface="Source Code Pro"/>
-              <a:sym typeface="Source Code Pro"/>
+              <a:latin typeface="Consolas"/>
+              <a:cs typeface="Consolas"/>
             </a:endParaRPr>
           </a:p>
           <a:p>
-            <a:pPr marL="1828800" lvl="0" indent="457200" rtl="0">
-              <a:spcBef>
-                <a:spcPts val="0"/>
-              </a:spcBef>
-              <a:spcAft>
-                <a:spcPts val="0"/>
-              </a:spcAft>
-              <a:buNone/>
-            </a:pPr>
-            <a:r>
-              <a:rPr lang="en" sz="1200" dirty="0">
-                <a:solidFill>
-                  <a:srgbClr val="000000"/>
-                </a:solidFill>
-                <a:latin typeface="Source Code Pro"/>
-                <a:ea typeface="Source Code Pro"/>
-                <a:cs typeface="Source Code Pro"/>
-                <a:sym typeface="Source Code Pro"/>
-              </a:rPr>
-              <a:t>==, != , &lt;, &gt;, &lt;=, &gt;=</a:t>
-            </a:r>
-          </a:p>
-          <a:p>
-            <a:pPr lvl="0" rtl="0">
-              <a:spcBef>
-                <a:spcPts val="0"/>
-              </a:spcBef>
-              <a:spcAft>
-                <a:spcPts val="0"/>
-              </a:spcAft>
-              <a:buNone/>
-            </a:pPr>
-            <a:endParaRPr sz="1200" dirty="0">
-              <a:solidFill>
-                <a:srgbClr val="000000"/>
-              </a:solidFill>
-              <a:latin typeface="Source Code Pro"/>
-              <a:ea typeface="Source Code Pro"/>
-              <a:cs typeface="Source Code Pro"/>
-              <a:sym typeface="Source Code Pro"/>
-            </a:endParaRPr>
-          </a:p>
-          <a:p>
-            <a:pPr marL="457200" lvl="0" indent="-317500" rtl="0">
-              <a:spcBef>
-                <a:spcPts val="0"/>
-              </a:spcBef>
+            <a:pPr marL="457200" lvl="0" indent="-317500">
               <a:spcAft>
                 <a:spcPts val="0"/>
               </a:spcAft>
               <a:buClr>
                 <a:srgbClr val="666666"/>
               </a:buClr>
-              <a:buSzPct val="116666"/>
+              <a:buSzPct val="77777"/>
+              <a:buFont typeface="Open Sans"/>
               <a:buChar char="●"/>
             </a:pPr>
             <a:r>
@@ -20104,15 +20011,90 @@
               </a:spcAft>
               <a:buNone/>
             </a:pPr>
-            <a:endParaRPr sz="1200" dirty="0">
-              <a:solidFill>
-                <a:srgbClr val="000000"/>
-              </a:solidFill>
-              <a:latin typeface="Source Code Pro"/>
-              <a:ea typeface="Source Code Pro"/>
-              <a:cs typeface="Source Code Pro"/>
-              <a:sym typeface="Source Code Pro"/>
-            </a:endParaRPr>
+            <a:r>
+              <a:rPr lang="en" sz="1400" dirty="0" smtClean="0">
+                <a:solidFill>
+                  <a:srgbClr val="000000"/>
+                </a:solidFill>
+                <a:latin typeface="Consolas"/>
+                <a:ea typeface="Source Code Pro"/>
+                <a:cs typeface="Consolas"/>
+                <a:sym typeface="Source Code Pro"/>
+              </a:rPr>
+              <a:t>a </a:t>
+            </a:r>
+            <a:r>
+              <a:rPr lang="en" sz="1400" dirty="0">
+                <a:solidFill>
+                  <a:srgbClr val="000000"/>
+                </a:solidFill>
+                <a:latin typeface="Consolas"/>
+                <a:ea typeface="Source Code Pro"/>
+                <a:cs typeface="Consolas"/>
+                <a:sym typeface="Source Code Pro"/>
+              </a:rPr>
+              <a:t>= ‘1’		</a:t>
+            </a:r>
+            <a:r>
+              <a:rPr lang="en" sz="1400" dirty="0" smtClean="0">
+                <a:solidFill>
+                  <a:srgbClr val="000000"/>
+                </a:solidFill>
+                <a:latin typeface="Consolas"/>
+                <a:ea typeface="Source Code Pro"/>
+                <a:cs typeface="Consolas"/>
+                <a:sym typeface="Source Code Pro"/>
+              </a:rPr>
+              <a:t>a </a:t>
+            </a:r>
+            <a:r>
+              <a:rPr lang="en" sz="1400" dirty="0">
+                <a:solidFill>
+                  <a:srgbClr val="000000"/>
+                </a:solidFill>
+                <a:latin typeface="Consolas"/>
+                <a:ea typeface="Source Code Pro"/>
+                <a:cs typeface="Consolas"/>
+                <a:sym typeface="Source Code Pro"/>
+              </a:rPr>
+              <a:t>===</a:t>
+            </a:r>
+            <a:r>
+              <a:rPr lang="en" sz="1400" b="1" dirty="0">
+                <a:solidFill>
+                  <a:srgbClr val="000000"/>
+                </a:solidFill>
+                <a:latin typeface="Consolas"/>
+                <a:ea typeface="Source Code Pro"/>
+                <a:cs typeface="Consolas"/>
+                <a:sym typeface="Source Code Pro"/>
+              </a:rPr>
+              <a:t> </a:t>
+            </a:r>
+            <a:r>
+              <a:rPr lang="en" sz="1400" dirty="0">
+                <a:solidFill>
+                  <a:srgbClr val="000000"/>
+                </a:solidFill>
+                <a:latin typeface="Consolas"/>
+                <a:ea typeface="Source Code Pro"/>
+                <a:cs typeface="Consolas"/>
+                <a:sym typeface="Source Code Pro"/>
+              </a:rPr>
+              <a:t>b </a:t>
+            </a:r>
+            <a:r>
+              <a:rPr lang="en" sz="1400" dirty="0">
+                <a:solidFill>
+                  <a:srgbClr val="999999"/>
+                </a:solidFill>
+                <a:latin typeface="Consolas"/>
+                <a:ea typeface="Source Code Pro"/>
+                <a:cs typeface="Consolas"/>
+                <a:sym typeface="Source Code Pro"/>
+              </a:rPr>
+              <a:t># false</a:t>
+            </a:r>
           </a:p>
           <a:p>
             <a:pPr marL="1828800" lvl="0" indent="0" rtl="0">
@@ -20125,132 +20107,73 @@
               <a:buNone/>
             </a:pPr>
             <a:r>
-              <a:rPr lang="en" sz="1200" dirty="0">
-                <a:solidFill>
-                  <a:srgbClr val="000000"/>
-                </a:solidFill>
-                <a:latin typeface="Source Code Pro"/>
-                <a:ea typeface="Source Code Pro"/>
-                <a:cs typeface="Source Code Pro"/>
-                <a:sym typeface="Source Code Pro"/>
-              </a:rPr>
-              <a:t>a = ‘1’			a ===</a:t>
-            </a:r>
-            <a:r>
-              <a:rPr lang="en" sz="1200" b="1" dirty="0">
-                <a:solidFill>
-                  <a:srgbClr val="000000"/>
-                </a:solidFill>
-                <a:latin typeface="Source Code Pro"/>
-                <a:ea typeface="Source Code Pro"/>
-                <a:cs typeface="Source Code Pro"/>
+              <a:rPr lang="en" sz="1400" dirty="0">
+                <a:solidFill>
+                  <a:srgbClr val="000000"/>
+                </a:solidFill>
+                <a:latin typeface="Consolas"/>
+                <a:ea typeface="Source Code Pro"/>
+                <a:cs typeface="Consolas"/>
+                <a:sym typeface="Source Code Pro"/>
+              </a:rPr>
+              <a:t>b = 1		</a:t>
+            </a:r>
+            <a:r>
+              <a:rPr lang="en" sz="1400" dirty="0" smtClean="0">
+                <a:solidFill>
+                  <a:srgbClr val="000000"/>
+                </a:solidFill>
+                <a:latin typeface="Consolas"/>
+                <a:ea typeface="Source Code Pro"/>
+                <a:cs typeface="Consolas"/>
+                <a:sym typeface="Source Code Pro"/>
+              </a:rPr>
+              <a:t>c </a:t>
+            </a:r>
+            <a:r>
+              <a:rPr lang="en" sz="1400" dirty="0">
+                <a:solidFill>
+                  <a:srgbClr val="000000"/>
+                </a:solidFill>
+                <a:latin typeface="Consolas"/>
+                <a:ea typeface="Source Code Pro"/>
+                <a:cs typeface="Consolas"/>
+                <a:sym typeface="Source Code Pro"/>
+              </a:rPr>
+              <a:t>==</a:t>
+            </a:r>
+            <a:r>
+              <a:rPr lang="en" sz="1400" b="1" dirty="0">
+                <a:solidFill>
+                  <a:srgbClr val="000000"/>
+                </a:solidFill>
+                <a:latin typeface="Consolas"/>
+                <a:ea typeface="Source Code Pro"/>
+                <a:cs typeface="Consolas"/>
                 <a:sym typeface="Source Code Pro"/>
               </a:rPr>
               <a:t> </a:t>
             </a:r>
             <a:r>
-              <a:rPr lang="en" sz="1200" dirty="0">
-                <a:solidFill>
-                  <a:srgbClr val="000000"/>
-                </a:solidFill>
-                <a:latin typeface="Source Code Pro"/>
-                <a:ea typeface="Source Code Pro"/>
-                <a:cs typeface="Source Code Pro"/>
+              <a:rPr lang="en" sz="1400" dirty="0">
+                <a:solidFill>
+                  <a:srgbClr val="000000"/>
+                </a:solidFill>
+                <a:latin typeface="Consolas"/>
+                <a:ea typeface="Source Code Pro"/>
+                <a:cs typeface="Consolas"/>
                 <a:sym typeface="Source Code Pro"/>
               </a:rPr>
               <a:t>b </a:t>
             </a:r>
             <a:r>
-              <a:rPr lang="en" sz="1200" dirty="0">
+              <a:rPr lang="en" sz="1400" dirty="0">
                 <a:solidFill>
                   <a:srgbClr val="999999"/>
                 </a:solidFill>
-                <a:latin typeface="Source Code Pro"/>
-                <a:ea typeface="Source Code Pro"/>
-                <a:cs typeface="Source Code Pro"/>
-                <a:sym typeface="Source Code Pro"/>
-              </a:rPr>
-              <a:t># false</a:t>
-            </a:r>
-          </a:p>
-          <a:p>
-            <a:pPr marL="1828800" lvl="0" indent="0" rtl="0">
-              <a:spcBef>
-                <a:spcPts val="0"/>
-              </a:spcBef>
-              <a:spcAft>
-                <a:spcPts val="0"/>
-              </a:spcAft>
-              <a:buNone/>
-            </a:pPr>
-            <a:r>
-              <a:rPr lang="en" sz="1200" dirty="0">
-                <a:solidFill>
-                  <a:srgbClr val="000000"/>
-                </a:solidFill>
-                <a:latin typeface="Source Code Pro"/>
-                <a:ea typeface="Source Code Pro"/>
-                <a:cs typeface="Source Code Pro"/>
-                <a:sym typeface="Source Code Pro"/>
-              </a:rPr>
-              <a:t>b = 1			</a:t>
-            </a:r>
-            <a:r>
-              <a:rPr lang="en" sz="1200" dirty="0" smtClean="0">
-                <a:solidFill>
-                  <a:srgbClr val="000000"/>
-                </a:solidFill>
-                <a:latin typeface="Source Code Pro"/>
-                <a:ea typeface="Source Code Pro"/>
-                <a:cs typeface="Source Code Pro"/>
-                <a:sym typeface="Source Code Pro"/>
-              </a:rPr>
-              <a:t>c </a:t>
-            </a:r>
-            <a:r>
-              <a:rPr lang="en" sz="1200" dirty="0">
-                <a:solidFill>
-                  <a:srgbClr val="000000"/>
-                </a:solidFill>
-                <a:latin typeface="Source Code Pro"/>
-                <a:ea typeface="Source Code Pro"/>
-                <a:cs typeface="Source Code Pro"/>
-                <a:sym typeface="Source Code Pro"/>
-              </a:rPr>
-              <a:t>==</a:t>
-            </a:r>
-            <a:r>
-              <a:rPr lang="en" sz="1200" b="1" dirty="0">
-                <a:solidFill>
-                  <a:srgbClr val="000000"/>
-                </a:solidFill>
-                <a:latin typeface="Source Code Pro"/>
-                <a:ea typeface="Source Code Pro"/>
-                <a:cs typeface="Source Code Pro"/>
-                <a:sym typeface="Source Code Pro"/>
-              </a:rPr>
-              <a:t> </a:t>
-            </a:r>
-            <a:r>
-              <a:rPr lang="en" sz="1200" dirty="0">
-                <a:solidFill>
-                  <a:srgbClr val="000000"/>
-                </a:solidFill>
-                <a:latin typeface="Source Code Pro"/>
-                <a:ea typeface="Source Code Pro"/>
-                <a:cs typeface="Source Code Pro"/>
-                <a:sym typeface="Source Code Pro"/>
-              </a:rPr>
-              <a:t>b </a:t>
-            </a:r>
-            <a:r>
-              <a:rPr lang="en" sz="1200" dirty="0">
-                <a:solidFill>
-                  <a:srgbClr val="999999"/>
-                </a:solidFill>
-                <a:latin typeface="Source Code Pro"/>
-                <a:ea typeface="Source Code Pro"/>
-                <a:cs typeface="Source Code Pro"/>
+                <a:latin typeface="Consolas"/>
+                <a:ea typeface="Source Code Pro"/>
+                <a:cs typeface="Consolas"/>
                 <a:sym typeface="Source Code Pro"/>
               </a:rPr>
               <a:t># true</a:t>
